--- a/Introduction to Machine Learning.pptx
+++ b/Introduction to Machine Learning.pptx
@@ -5,7 +5,7 @@
     <p:sldMasterId id="2147483648" r:id="rId1"/>
   </p:sldMasterIdLst>
   <p:notesMasterIdLst>
-    <p:notesMasterId r:id="rId11"/>
+    <p:notesMasterId r:id="rId12"/>
   </p:notesMasterIdLst>
   <p:sldIdLst>
     <p:sldId id="256" r:id="rId2"/>
@@ -17,6 +17,7 @@
     <p:sldId id="263" r:id="rId8"/>
     <p:sldId id="264" r:id="rId9"/>
     <p:sldId id="265" r:id="rId10"/>
+    <p:sldId id="266" r:id="rId11"/>
   </p:sldIdLst>
   <p:sldSz cx="12192000" cy="6858000"/>
   <p:notesSz cx="6858000" cy="9144000"/>
@@ -138,9 +139,10 @@
 <p1510:revInfo xmlns:a="http://schemas.openxmlformats.org/drawingml/2006/main" xmlns:r="http://schemas.openxmlformats.org/officeDocument/2006/relationships" xmlns:p1510="http://schemas.microsoft.com/office/powerpoint/2015/10/main">
   <p1510:revLst>
     <p1510:client id="{1B01CBB8-1923-4C00-B730-74DFBAD7FB73}" v="184" dt="2023-04-15T14:17:17.830"/>
-    <p1510:client id="{655B1BB8-FD95-4795-8A93-0B9FDAFBDAAD}" v="3" dt="2023-04-15T15:51:06.461"/>
+    <p1510:client id="{655B1BB8-FD95-4795-8A93-0B9FDAFBDAAD}" v="6" dt="2023-04-15T16:25:41.553"/>
     <p1510:client id="{8CCED32F-C0DB-45C3-A7AB-090566233BB9}" v="47" dt="2023-04-15T12:59:26.318"/>
-    <p1510:client id="{A087FC97-5F64-4041-BF71-C4D022CEA3E5}" v="113" dt="2023-04-15T15:53:03.041"/>
+    <p1510:client id="{A087FC97-5F64-4041-BF71-C4D022CEA3E5}" v="692" dt="2023-04-16T10:16:26.721"/>
+    <p1510:client id="{E937C80C-C688-4E31-A693-B308FF03398D}" v="110" dt="2023-04-16T08:25:29.752"/>
   </p1510:revLst>
 </p1510:revInfo>
 </file>
@@ -148,9 +150,128 @@
 <file path=ppt/changesInfos/changesInfo1.xml><?xml version="1.0" encoding="utf-8"?>
 <pc:chgInfo xmlns:a="http://schemas.openxmlformats.org/drawingml/2006/main" xmlns:r="http://schemas.openxmlformats.org/officeDocument/2006/relationships" xmlns:ac="http://schemas.microsoft.com/office/drawing/2013/main/command" xmlns:pc="http://schemas.microsoft.com/office/powerpoint/2013/main/command">
   <pc:docChgLst>
+    <pc:chgData name="Guest User" providerId="Windows Live" clId="Web-{E937C80C-C688-4E31-A693-B308FF03398D}"/>
+    <pc:docChg chg="modSld">
+      <pc:chgData name="Guest User" userId="" providerId="Windows Live" clId="Web-{E937C80C-C688-4E31-A693-B308FF03398D}" dt="2023-04-16T08:25:29.752" v="88" actId="1076"/>
+      <pc:docMkLst>
+        <pc:docMk/>
+      </pc:docMkLst>
+      <pc:sldChg chg="modSp">
+        <pc:chgData name="Guest User" userId="" providerId="Windows Live" clId="Web-{E937C80C-C688-4E31-A693-B308FF03398D}" dt="2023-04-16T08:20:53.866" v="3" actId="20577"/>
+        <pc:sldMkLst>
+          <pc:docMk/>
+          <pc:sldMk cId="4105117176" sldId="256"/>
+        </pc:sldMkLst>
+        <pc:spChg chg="mod">
+          <ac:chgData name="Guest User" userId="" providerId="Windows Live" clId="Web-{E937C80C-C688-4E31-A693-B308FF03398D}" dt="2023-04-16T08:20:53.866" v="3" actId="20577"/>
+          <ac:spMkLst>
+            <pc:docMk/>
+            <pc:sldMk cId="4105117176" sldId="256"/>
+            <ac:spMk id="2" creationId="{B6994775-45B9-D434-FD51-A61C37679174}"/>
+          </ac:spMkLst>
+        </pc:spChg>
+      </pc:sldChg>
+      <pc:sldChg chg="addSp delSp modSp">
+        <pc:chgData name="Guest User" userId="" providerId="Windows Live" clId="Web-{E937C80C-C688-4E31-A693-B308FF03398D}" dt="2023-04-16T08:25:29.752" v="88" actId="1076"/>
+        <pc:sldMkLst>
+          <pc:docMk/>
+          <pc:sldMk cId="3641380263" sldId="257"/>
+        </pc:sldMkLst>
+        <pc:spChg chg="mod">
+          <ac:chgData name="Guest User" userId="" providerId="Windows Live" clId="Web-{E937C80C-C688-4E31-A693-B308FF03398D}" dt="2023-04-16T08:22:52.949" v="15" actId="1076"/>
+          <ac:spMkLst>
+            <pc:docMk/>
+            <pc:sldMk cId="3641380263" sldId="257"/>
+            <ac:spMk id="3" creationId="{20EA7E20-7842-C5BC-A400-6D1A203EF11F}"/>
+          </ac:spMkLst>
+        </pc:spChg>
+        <pc:spChg chg="mod">
+          <ac:chgData name="Guest User" userId="" providerId="Windows Live" clId="Web-{E937C80C-C688-4E31-A693-B308FF03398D}" dt="2023-04-16T08:25:29.752" v="88" actId="1076"/>
+          <ac:spMkLst>
+            <pc:docMk/>
+            <pc:sldMk cId="3641380263" sldId="257"/>
+            <ac:spMk id="4" creationId="{9F5E7E2F-115F-890E-A2D7-C8E9EAD40553}"/>
+          </ac:spMkLst>
+        </pc:spChg>
+        <pc:spChg chg="add mod">
+          <ac:chgData name="Guest User" userId="" providerId="Windows Live" clId="Web-{E937C80C-C688-4E31-A693-B308FF03398D}" dt="2023-04-16T08:22:58.777" v="16" actId="1076"/>
+          <ac:spMkLst>
+            <pc:docMk/>
+            <pc:sldMk cId="3641380263" sldId="257"/>
+            <ac:spMk id="6" creationId="{8D517D33-C2DC-7537-283A-6DEB77D75A1C}"/>
+          </ac:spMkLst>
+        </pc:spChg>
+        <pc:spChg chg="add del mod">
+          <ac:chgData name="Guest User" userId="" providerId="Windows Live" clId="Web-{E937C80C-C688-4E31-A693-B308FF03398D}" dt="2023-04-16T08:25:24.142" v="87"/>
+          <ac:spMkLst>
+            <pc:docMk/>
+            <pc:sldMk cId="3641380263" sldId="257"/>
+            <ac:spMk id="7" creationId="{DB6A6947-2385-8761-E96A-9AA4A4766CB3}"/>
+          </ac:spMkLst>
+        </pc:spChg>
+        <pc:spChg chg="add del">
+          <ac:chgData name="Guest User" userId="" providerId="Windows Live" clId="Web-{E937C80C-C688-4E31-A693-B308FF03398D}" dt="2023-04-16T08:22:22.713" v="10"/>
+          <ac:spMkLst>
+            <pc:docMk/>
+            <pc:sldMk cId="3641380263" sldId="257"/>
+            <ac:spMk id="8" creationId="{E47C22CF-A9C3-B178-7533-719167008A8E}"/>
+          </ac:spMkLst>
+        </pc:spChg>
+        <pc:spChg chg="add mod">
+          <ac:chgData name="Guest User" userId="" providerId="Windows Live" clId="Web-{E937C80C-C688-4E31-A693-B308FF03398D}" dt="2023-04-16T08:23:01.746" v="17" actId="1076"/>
+          <ac:spMkLst>
+            <pc:docMk/>
+            <pc:sldMk cId="3641380263" sldId="257"/>
+            <ac:spMk id="9" creationId="{B6A66FDC-0EAF-ED7C-831C-3DDCA911F6D3}"/>
+          </ac:spMkLst>
+        </pc:spChg>
+        <pc:spChg chg="add del mod">
+          <ac:chgData name="Guest User" userId="" providerId="Windows Live" clId="Web-{E937C80C-C688-4E31-A693-B308FF03398D}" dt="2023-04-16T08:25:22.751" v="86"/>
+          <ac:spMkLst>
+            <pc:docMk/>
+            <pc:sldMk cId="3641380263" sldId="257"/>
+            <ac:spMk id="10" creationId="{D65090F3-8F7E-7154-2899-3A66787826D2}"/>
+          </ac:spMkLst>
+        </pc:spChg>
+        <pc:spChg chg="add del">
+          <ac:chgData name="Guest User" userId="" providerId="Windows Live" clId="Web-{E937C80C-C688-4E31-A693-B308FF03398D}" dt="2023-04-16T08:23:24.325" v="25"/>
+          <ac:spMkLst>
+            <pc:docMk/>
+            <pc:sldMk cId="3641380263" sldId="257"/>
+            <ac:spMk id="11" creationId="{B042D513-B6F0-C19D-22CF-2A3B5E332512}"/>
+          </ac:spMkLst>
+        </pc:spChg>
+        <pc:spChg chg="add mod">
+          <ac:chgData name="Guest User" userId="" providerId="Windows Live" clId="Web-{E937C80C-C688-4E31-A693-B308FF03398D}" dt="2023-04-16T08:24:31.812" v="57" actId="20577"/>
+          <ac:spMkLst>
+            <pc:docMk/>
+            <pc:sldMk cId="3641380263" sldId="257"/>
+            <ac:spMk id="12" creationId="{DB1899D3-D2F4-86EF-77D8-BE7A05639FF8}"/>
+          </ac:spMkLst>
+        </pc:spChg>
+        <pc:spChg chg="add del mod">
+          <ac:chgData name="Guest User" userId="" providerId="Windows Live" clId="Web-{E937C80C-C688-4E31-A693-B308FF03398D}" dt="2023-04-16T08:25:17.751" v="84"/>
+          <ac:spMkLst>
+            <pc:docMk/>
+            <pc:sldMk cId="3641380263" sldId="257"/>
+            <ac:spMk id="13" creationId="{E4D64598-441A-7E8E-7865-F560E89AC687}"/>
+          </ac:spMkLst>
+        </pc:spChg>
+        <pc:spChg chg="add del mod">
+          <ac:chgData name="Guest User" userId="" providerId="Windows Live" clId="Web-{E937C80C-C688-4E31-A693-B308FF03398D}" dt="2023-04-16T08:25:13.595" v="73"/>
+          <ac:spMkLst>
+            <pc:docMk/>
+            <pc:sldMk cId="3641380263" sldId="257"/>
+            <ac:spMk id="14" creationId="{F7A9EC9D-FD4C-8138-B3E7-AC68B4E1E7C6}"/>
+          </ac:spMkLst>
+        </pc:spChg>
+      </pc:sldChg>
+    </pc:docChg>
+  </pc:docChgLst>
+  <pc:docChgLst>
     <pc:chgData name="Guest User" providerId="Windows Live" clId="Web-{655B1BB8-FD95-4795-8A93-0B9FDAFBDAAD}"/>
     <pc:docChg chg="modSld">
-      <pc:chgData name="Guest User" userId="" providerId="Windows Live" clId="Web-{655B1BB8-FD95-4795-8A93-0B9FDAFBDAAD}" dt="2023-04-15T15:51:06.461" v="2" actId="20577"/>
+      <pc:chgData name="Guest User" userId="" providerId="Windows Live" clId="Web-{655B1BB8-FD95-4795-8A93-0B9FDAFBDAAD}" dt="2023-04-15T16:25:41.553" v="5" actId="20577"/>
       <pc:docMkLst>
         <pc:docMk/>
       </pc:docMkLst>
@@ -166,6 +287,21 @@
             <pc:docMk/>
             <pc:sldMk cId="3641380263" sldId="257"/>
             <ac:spMk id="3" creationId="{20EA7E20-7842-C5BC-A400-6D1A203EF11F}"/>
+          </ac:spMkLst>
+        </pc:spChg>
+      </pc:sldChg>
+      <pc:sldChg chg="modSp">
+        <pc:chgData name="Guest User" userId="" providerId="Windows Live" clId="Web-{655B1BB8-FD95-4795-8A93-0B9FDAFBDAAD}" dt="2023-04-15T16:25:41.553" v="5" actId="20577"/>
+        <pc:sldMkLst>
+          <pc:docMk/>
+          <pc:sldMk cId="2586026922" sldId="263"/>
+        </pc:sldMkLst>
+        <pc:spChg chg="mod">
+          <ac:chgData name="Guest User" userId="" providerId="Windows Live" clId="Web-{655B1BB8-FD95-4795-8A93-0B9FDAFBDAAD}" dt="2023-04-15T16:25:41.553" v="5" actId="20577"/>
+          <ac:spMkLst>
+            <pc:docMk/>
+            <pc:sldMk cId="2586026922" sldId="263"/>
+            <ac:spMk id="4" creationId="{E258690C-53BA-597E-51B3-D31F479AD034}"/>
           </ac:spMkLst>
         </pc:spChg>
       </pc:sldChg>
@@ -334,19 +470,153 @@
   </pc:docChgLst>
   <pc:docChgLst>
     <pc:chgData name="Liam Tessendorf" userId="d92e1f4a661004b8" providerId="LiveId" clId="{A087FC97-5F64-4041-BF71-C4D022CEA3E5}"/>
-    <pc:docChg chg="undo custSel modSld sldOrd">
-      <pc:chgData name="Liam Tessendorf" userId="d92e1f4a661004b8" providerId="LiveId" clId="{A087FC97-5F64-4041-BF71-C4D022CEA3E5}" dt="2023-04-15T15:53:03.041" v="112" actId="478"/>
+    <pc:docChg chg="undo redo custSel addSld delSld modSld sldOrd modMainMaster">
+      <pc:chgData name="Liam Tessendorf" userId="d92e1f4a661004b8" providerId="LiveId" clId="{A087FC97-5F64-4041-BF71-C4D022CEA3E5}" dt="2023-04-16T10:21:07.212" v="822" actId="12788"/>
       <pc:docMkLst>
         <pc:docMk/>
       </pc:docMkLst>
       <pc:sldChg chg="modSp mod">
-        <pc:chgData name="Liam Tessendorf" userId="d92e1f4a661004b8" providerId="LiveId" clId="{A087FC97-5F64-4041-BF71-C4D022CEA3E5}" dt="2023-04-15T15:51:37.939" v="105" actId="20577"/>
+        <pc:chgData name="Liam Tessendorf" userId="d92e1f4a661004b8" providerId="LiveId" clId="{A087FC97-5F64-4041-BF71-C4D022CEA3E5}" dt="2023-04-16T10:21:07.212" v="822" actId="12788"/>
+        <pc:sldMkLst>
+          <pc:docMk/>
+          <pc:sldMk cId="4105117176" sldId="256"/>
+        </pc:sldMkLst>
+        <pc:spChg chg="mod">
+          <ac:chgData name="Liam Tessendorf" userId="d92e1f4a661004b8" providerId="LiveId" clId="{A087FC97-5F64-4041-BF71-C4D022CEA3E5}" dt="2023-04-16T10:21:07.212" v="822" actId="12788"/>
+          <ac:spMkLst>
+            <pc:docMk/>
+            <pc:sldMk cId="4105117176" sldId="256"/>
+            <ac:spMk id="2" creationId="{B6994775-45B9-D434-FD51-A61C37679174}"/>
+          </ac:spMkLst>
+        </pc:spChg>
+        <pc:spChg chg="mod">
+          <ac:chgData name="Liam Tessendorf" userId="d92e1f4a661004b8" providerId="LiveId" clId="{A087FC97-5F64-4041-BF71-C4D022CEA3E5}" dt="2023-04-16T10:21:07.212" v="822" actId="12788"/>
+          <ac:spMkLst>
+            <pc:docMk/>
+            <pc:sldMk cId="4105117176" sldId="256"/>
+            <ac:spMk id="3" creationId="{F86A0A82-1283-59D1-D6F9-5245C61129B4}"/>
+          </ac:spMkLst>
+        </pc:spChg>
+      </pc:sldChg>
+      <pc:sldChg chg="addSp delSp modSp mod">
+        <pc:chgData name="Liam Tessendorf" userId="d92e1f4a661004b8" providerId="LiveId" clId="{A087FC97-5F64-4041-BF71-C4D022CEA3E5}" dt="2023-04-16T09:57:38.291" v="702" actId="20577"/>
+        <pc:sldMkLst>
+          <pc:docMk/>
+          <pc:sldMk cId="3641380263" sldId="257"/>
+        </pc:sldMkLst>
+        <pc:spChg chg="del mod">
+          <ac:chgData name="Liam Tessendorf" userId="d92e1f4a661004b8" providerId="LiveId" clId="{A087FC97-5F64-4041-BF71-C4D022CEA3E5}" dt="2023-04-16T08:37:55.781" v="480" actId="478"/>
+          <ac:spMkLst>
+            <pc:docMk/>
+            <pc:sldMk cId="3641380263" sldId="257"/>
+            <ac:spMk id="4" creationId="{9F5E7E2F-115F-890E-A2D7-C8E9EAD40553}"/>
+          </ac:spMkLst>
+        </pc:spChg>
+        <pc:spChg chg="del mod">
+          <ac:chgData name="Liam Tessendorf" userId="d92e1f4a661004b8" providerId="LiveId" clId="{A087FC97-5F64-4041-BF71-C4D022CEA3E5}" dt="2023-04-16T08:42:56.974" v="554" actId="478"/>
+          <ac:spMkLst>
+            <pc:docMk/>
+            <pc:sldMk cId="3641380263" sldId="257"/>
+            <ac:spMk id="6" creationId="{8D517D33-C2DC-7537-283A-6DEB77D75A1C}"/>
+          </ac:spMkLst>
+        </pc:spChg>
+        <pc:spChg chg="mod">
+          <ac:chgData name="Liam Tessendorf" userId="d92e1f4a661004b8" providerId="LiveId" clId="{A087FC97-5F64-4041-BF71-C4D022CEA3E5}" dt="2023-04-16T08:45:35.259" v="625" actId="12789"/>
+          <ac:spMkLst>
+            <pc:docMk/>
+            <pc:sldMk cId="3641380263" sldId="257"/>
+            <ac:spMk id="9" creationId="{B6A66FDC-0EAF-ED7C-831C-3DDCA911F6D3}"/>
+          </ac:spMkLst>
+        </pc:spChg>
+        <pc:spChg chg="mod">
+          <ac:chgData name="Liam Tessendorf" userId="d92e1f4a661004b8" providerId="LiveId" clId="{A087FC97-5F64-4041-BF71-C4D022CEA3E5}" dt="2023-04-16T08:48:27.540" v="643" actId="1076"/>
+          <ac:spMkLst>
+            <pc:docMk/>
+            <pc:sldMk cId="3641380263" sldId="257"/>
+            <ac:spMk id="12" creationId="{DB1899D3-D2F4-86EF-77D8-BE7A05639FF8}"/>
+          </ac:spMkLst>
+        </pc:spChg>
+        <pc:spChg chg="add mod">
+          <ac:chgData name="Liam Tessendorf" userId="d92e1f4a661004b8" providerId="LiveId" clId="{A087FC97-5F64-4041-BF71-C4D022CEA3E5}" dt="2023-04-16T08:38:08.701" v="482" actId="571"/>
+          <ac:spMkLst>
+            <pc:docMk/>
+            <pc:sldMk cId="3641380263" sldId="257"/>
+            <ac:spMk id="14" creationId="{EF4FFC7F-BC2B-3CA9-D963-CB49E38F1503}"/>
+          </ac:spMkLst>
+        </pc:spChg>
+        <pc:spChg chg="add mod">
+          <ac:chgData name="Liam Tessendorf" userId="d92e1f4a661004b8" providerId="LiveId" clId="{A087FC97-5F64-4041-BF71-C4D022CEA3E5}" dt="2023-04-16T08:38:08.701" v="482" actId="571"/>
+          <ac:spMkLst>
+            <pc:docMk/>
+            <pc:sldMk cId="3641380263" sldId="257"/>
+            <ac:spMk id="15" creationId="{51BD5DBF-E508-045D-543E-E7E67CD76665}"/>
+          </ac:spMkLst>
+        </pc:spChg>
+        <pc:spChg chg="add del mod ord">
+          <ac:chgData name="Liam Tessendorf" userId="d92e1f4a661004b8" providerId="LiveId" clId="{A087FC97-5F64-4041-BF71-C4D022CEA3E5}" dt="2023-04-16T08:42:54.817" v="553" actId="478"/>
+          <ac:spMkLst>
+            <pc:docMk/>
+            <pc:sldMk cId="3641380263" sldId="257"/>
+            <ac:spMk id="16" creationId="{19D79760-955F-2BAA-D641-A10640B0F35D}"/>
+          </ac:spMkLst>
+        </pc:spChg>
+        <pc:spChg chg="add mod">
+          <ac:chgData name="Liam Tessendorf" userId="d92e1f4a661004b8" providerId="LiveId" clId="{A087FC97-5F64-4041-BF71-C4D022CEA3E5}" dt="2023-04-16T08:47:34.076" v="637" actId="1076"/>
+          <ac:spMkLst>
+            <pc:docMk/>
+            <pc:sldMk cId="3641380263" sldId="257"/>
+            <ac:spMk id="17" creationId="{BE65F652-3311-FE59-F2BB-2EBECB55BFF1}"/>
+          </ac:spMkLst>
+        </pc:spChg>
+        <pc:spChg chg="add mod">
+          <ac:chgData name="Liam Tessendorf" userId="d92e1f4a661004b8" providerId="LiveId" clId="{A087FC97-5F64-4041-BF71-C4D022CEA3E5}" dt="2023-04-16T08:48:32.432" v="644" actId="1076"/>
+          <ac:spMkLst>
+            <pc:docMk/>
+            <pc:sldMk cId="3641380263" sldId="257"/>
+            <ac:spMk id="18" creationId="{92FB8A66-1B18-F3E8-7753-A028C090BC8C}"/>
+          </ac:spMkLst>
+        </pc:spChg>
+        <pc:spChg chg="add mod">
+          <ac:chgData name="Liam Tessendorf" userId="d92e1f4a661004b8" providerId="LiveId" clId="{A087FC97-5F64-4041-BF71-C4D022CEA3E5}" dt="2023-04-16T09:57:38.291" v="702" actId="20577"/>
+          <ac:spMkLst>
+            <pc:docMk/>
+            <pc:sldMk cId="3641380263" sldId="257"/>
+            <ac:spMk id="22" creationId="{01FD920B-DFE5-39BF-1D9C-4ACB89405E28}"/>
+          </ac:spMkLst>
+        </pc:spChg>
+        <pc:grpChg chg="add mod">
+          <ac:chgData name="Liam Tessendorf" userId="d92e1f4a661004b8" providerId="LiveId" clId="{A087FC97-5F64-4041-BF71-C4D022CEA3E5}" dt="2023-04-16T08:48:48.885" v="659" actId="1035"/>
+          <ac:grpSpMkLst>
+            <pc:docMk/>
+            <pc:sldMk cId="3641380263" sldId="257"/>
+            <ac:grpSpMk id="19" creationId="{C3F03C8C-5A39-7CF0-852D-A0EAE5465E1D}"/>
+          </ac:grpSpMkLst>
+        </pc:grpChg>
+        <pc:grpChg chg="add mod">
+          <ac:chgData name="Liam Tessendorf" userId="d92e1f4a661004b8" providerId="LiveId" clId="{A087FC97-5F64-4041-BF71-C4D022CEA3E5}" dt="2023-04-16T08:48:48.885" v="659" actId="1035"/>
+          <ac:grpSpMkLst>
+            <pc:docMk/>
+            <pc:sldMk cId="3641380263" sldId="257"/>
+            <ac:grpSpMk id="20" creationId="{0C8386EF-802E-0BE0-B89C-427433E16A57}"/>
+          </ac:grpSpMkLst>
+        </pc:grpChg>
+      </pc:sldChg>
+      <pc:sldChg chg="modSp mod">
+        <pc:chgData name="Liam Tessendorf" userId="d92e1f4a661004b8" providerId="LiveId" clId="{A087FC97-5F64-4041-BF71-C4D022CEA3E5}" dt="2023-04-16T08:49:19.792" v="690" actId="1035"/>
         <pc:sldMkLst>
           <pc:docMk/>
           <pc:sldMk cId="1194504425" sldId="258"/>
         </pc:sldMkLst>
         <pc:spChg chg="mod">
-          <ac:chgData name="Liam Tessendorf" userId="d92e1f4a661004b8" providerId="LiveId" clId="{A087FC97-5F64-4041-BF71-C4D022CEA3E5}" dt="2023-04-15T15:51:37.939" v="105" actId="20577"/>
+          <ac:chgData name="Liam Tessendorf" userId="d92e1f4a661004b8" providerId="LiveId" clId="{A087FC97-5F64-4041-BF71-C4D022CEA3E5}" dt="2023-04-16T08:16:36.700" v="138" actId="27636"/>
+          <ac:spMkLst>
+            <pc:docMk/>
+            <pc:sldMk cId="1194504425" sldId="258"/>
+            <ac:spMk id="3" creationId="{20EA7E20-7842-C5BC-A400-6D1A203EF11F}"/>
+          </ac:spMkLst>
+        </pc:spChg>
+        <pc:spChg chg="mod">
+          <ac:chgData name="Liam Tessendorf" userId="d92e1f4a661004b8" providerId="LiveId" clId="{A087FC97-5F64-4041-BF71-C4D022CEA3E5}" dt="2023-04-16T08:49:19.792" v="690" actId="1035"/>
           <ac:spMkLst>
             <pc:docMk/>
             <pc:sldMk cId="1194504425" sldId="258"/>
@@ -354,34 +624,168 @@
           </ac:spMkLst>
         </pc:spChg>
       </pc:sldChg>
-      <pc:sldChg chg="ord">
-        <pc:chgData name="Liam Tessendorf" userId="d92e1f4a661004b8" providerId="LiveId" clId="{A087FC97-5F64-4041-BF71-C4D022CEA3E5}" dt="2023-04-15T15:49:50.355" v="41"/>
+      <pc:sldChg chg="modSp mod ord">
+        <pc:chgData name="Liam Tessendorf" userId="d92e1f4a661004b8" providerId="LiveId" clId="{A087FC97-5F64-4041-BF71-C4D022CEA3E5}" dt="2023-04-16T08:16:50.100" v="140" actId="255"/>
         <pc:sldMkLst>
           <pc:docMk/>
           <pc:sldMk cId="2708936454" sldId="259"/>
         </pc:sldMkLst>
+        <pc:spChg chg="mod">
+          <ac:chgData name="Liam Tessendorf" userId="d92e1f4a661004b8" providerId="LiveId" clId="{A087FC97-5F64-4041-BF71-C4D022CEA3E5}" dt="2023-04-16T08:16:50.100" v="140" actId="255"/>
+          <ac:spMkLst>
+            <pc:docMk/>
+            <pc:sldMk cId="2708936454" sldId="259"/>
+            <ac:spMk id="4" creationId="{B354420D-908A-DA05-313E-13E61C4C1E73}"/>
+          </ac:spMkLst>
+        </pc:spChg>
       </pc:sldChg>
-      <pc:sldChg chg="modSp mod">
-        <pc:chgData name="Liam Tessendorf" userId="d92e1f4a661004b8" providerId="LiveId" clId="{A087FC97-5F64-4041-BF71-C4D022CEA3E5}" dt="2023-04-15T15:51:02.481" v="45" actId="403"/>
+      <pc:sldChg chg="addSp delSp modSp mod">
+        <pc:chgData name="Liam Tessendorf" userId="d92e1f4a661004b8" providerId="LiveId" clId="{A087FC97-5F64-4041-BF71-C4D022CEA3E5}" dt="2023-04-16T10:18:55.352" v="782" actId="20577"/>
         <pc:sldMkLst>
           <pc:docMk/>
           <pc:sldMk cId="399797033" sldId="260"/>
         </pc:sldMkLst>
         <pc:spChg chg="mod">
-          <ac:chgData name="Liam Tessendorf" userId="d92e1f4a661004b8" providerId="LiveId" clId="{A087FC97-5F64-4041-BF71-C4D022CEA3E5}" dt="2023-04-15T15:51:02.481" v="45" actId="403"/>
+          <ac:chgData name="Liam Tessendorf" userId="d92e1f4a661004b8" providerId="LiveId" clId="{A087FC97-5F64-4041-BF71-C4D022CEA3E5}" dt="2023-04-16T08:35:20.054" v="441" actId="404"/>
+          <ac:spMkLst>
+            <pc:docMk/>
+            <pc:sldMk cId="399797033" sldId="260"/>
+            <ac:spMk id="2" creationId="{60705361-B570-E5DC-3A44-78C6B2054EB8}"/>
+          </ac:spMkLst>
+        </pc:spChg>
+        <pc:spChg chg="mod">
+          <ac:chgData name="Liam Tessendorf" userId="d92e1f4a661004b8" providerId="LiveId" clId="{A087FC97-5F64-4041-BF71-C4D022CEA3E5}" dt="2023-04-16T10:18:55.352" v="782" actId="20577"/>
           <ac:spMkLst>
             <pc:docMk/>
             <pc:sldMk cId="399797033" sldId="260"/>
             <ac:spMk id="3" creationId="{A4069040-4E1C-59B1-A9A1-0CCB7A295F8D}"/>
           </ac:spMkLst>
         </pc:spChg>
+        <pc:spChg chg="del mod">
+          <ac:chgData name="Liam Tessendorf" userId="d92e1f4a661004b8" providerId="LiveId" clId="{A087FC97-5F64-4041-BF71-C4D022CEA3E5}" dt="2023-04-16T08:18:39.948" v="279" actId="478"/>
+          <ac:spMkLst>
+            <pc:docMk/>
+            <pc:sldMk cId="399797033" sldId="260"/>
+            <ac:spMk id="8" creationId="{B3D21A6E-F762-4D87-26D0-098F0D64F34C}"/>
+          </ac:spMkLst>
+        </pc:spChg>
+        <pc:spChg chg="add mod">
+          <ac:chgData name="Liam Tessendorf" userId="d92e1f4a661004b8" providerId="LiveId" clId="{A087FC97-5F64-4041-BF71-C4D022CEA3E5}" dt="2023-04-16T08:19:28.664" v="305" actId="14100"/>
+          <ac:spMkLst>
+            <pc:docMk/>
+            <pc:sldMk cId="399797033" sldId="260"/>
+            <ac:spMk id="10" creationId="{914A16AA-5803-4EF8-9D16-A9FFA42659B5}"/>
+          </ac:spMkLst>
+        </pc:spChg>
+        <pc:spChg chg="add mod">
+          <ac:chgData name="Liam Tessendorf" userId="d92e1f4a661004b8" providerId="LiveId" clId="{A087FC97-5F64-4041-BF71-C4D022CEA3E5}" dt="2023-04-16T08:50:43.997" v="693" actId="122"/>
+          <ac:spMkLst>
+            <pc:docMk/>
+            <pc:sldMk cId="399797033" sldId="260"/>
+            <ac:spMk id="11" creationId="{B852D148-45CB-91A3-1757-B0FF3E8E9E30}"/>
+          </ac:spMkLst>
+        </pc:spChg>
+        <pc:spChg chg="add mod">
+          <ac:chgData name="Liam Tessendorf" userId="d92e1f4a661004b8" providerId="LiveId" clId="{A087FC97-5F64-4041-BF71-C4D022CEA3E5}" dt="2023-04-16T08:50:43.997" v="693" actId="122"/>
+          <ac:spMkLst>
+            <pc:docMk/>
+            <pc:sldMk cId="399797033" sldId="260"/>
+            <ac:spMk id="12" creationId="{40F0A3AF-6763-3041-AA90-A6DCE3B1F3F1}"/>
+          </ac:spMkLst>
+        </pc:spChg>
+        <pc:grpChg chg="add mod">
+          <ac:chgData name="Liam Tessendorf" userId="d92e1f4a661004b8" providerId="LiveId" clId="{A087FC97-5F64-4041-BF71-C4D022CEA3E5}" dt="2023-04-16T08:31:02.309" v="375" actId="164"/>
+          <ac:grpSpMkLst>
+            <pc:docMk/>
+            <pc:sldMk cId="399797033" sldId="260"/>
+            <ac:grpSpMk id="13" creationId="{82CCFA42-9079-D97F-98DE-3680657CA02E}"/>
+          </ac:grpSpMkLst>
+        </pc:grpChg>
+        <pc:grpChg chg="add mod">
+          <ac:chgData name="Liam Tessendorf" userId="d92e1f4a661004b8" providerId="LiveId" clId="{A087FC97-5F64-4041-BF71-C4D022CEA3E5}" dt="2023-04-16T08:31:02.309" v="375" actId="164"/>
+          <ac:grpSpMkLst>
+            <pc:docMk/>
+            <pc:sldMk cId="399797033" sldId="260"/>
+            <ac:grpSpMk id="14" creationId="{B7BC3E55-CE5E-42BA-A53E-BECD9B204DDC}"/>
+          </ac:grpSpMkLst>
+        </pc:grpChg>
+        <pc:grpChg chg="add mod">
+          <ac:chgData name="Liam Tessendorf" userId="d92e1f4a661004b8" providerId="LiveId" clId="{A087FC97-5F64-4041-BF71-C4D022CEA3E5}" dt="2023-04-16T08:31:10.906" v="384" actId="1036"/>
+          <ac:grpSpMkLst>
+            <pc:docMk/>
+            <pc:sldMk cId="399797033" sldId="260"/>
+            <ac:grpSpMk id="15" creationId="{70CD164A-6C2C-7E37-41A5-AE9B0040DF1D}"/>
+          </ac:grpSpMkLst>
+        </pc:grpChg>
+        <pc:picChg chg="mod">
+          <ac:chgData name="Liam Tessendorf" userId="d92e1f4a661004b8" providerId="LiveId" clId="{A087FC97-5F64-4041-BF71-C4D022CEA3E5}" dt="2023-04-16T08:30:14.987" v="371" actId="164"/>
+          <ac:picMkLst>
+            <pc:docMk/>
+            <pc:sldMk cId="399797033" sldId="260"/>
+            <ac:picMk id="5" creationId="{D601E142-0857-47DD-0D80-A2EA6B6BED34}"/>
+          </ac:picMkLst>
+        </pc:picChg>
+        <pc:picChg chg="mod">
+          <ac:chgData name="Liam Tessendorf" userId="d92e1f4a661004b8" providerId="LiveId" clId="{A087FC97-5F64-4041-BF71-C4D022CEA3E5}" dt="2023-04-16T08:30:36.390" v="372" actId="164"/>
+          <ac:picMkLst>
+            <pc:docMk/>
+            <pc:sldMk cId="399797033" sldId="260"/>
+            <ac:picMk id="7" creationId="{7BF24E5D-A9D8-8468-52F8-B6D9CF64E654}"/>
+          </ac:picMkLst>
+        </pc:picChg>
       </pc:sldChg>
       <pc:sldChg chg="modSp mod">
-        <pc:chgData name="Liam Tessendorf" userId="d92e1f4a661004b8" providerId="LiveId" clId="{A087FC97-5F64-4041-BF71-C4D022CEA3E5}" dt="2023-04-15T15:50:31.001" v="43" actId="403"/>
+        <pc:chgData name="Liam Tessendorf" userId="d92e1f4a661004b8" providerId="LiveId" clId="{A087FC97-5F64-4041-BF71-C4D022CEA3E5}" dt="2023-04-16T08:17:12.501" v="170" actId="1036"/>
+        <pc:sldMkLst>
+          <pc:docMk/>
+          <pc:sldMk cId="1567278445" sldId="262"/>
+        </pc:sldMkLst>
+        <pc:spChg chg="mod">
+          <ac:chgData name="Liam Tessendorf" userId="d92e1f4a661004b8" providerId="LiveId" clId="{A087FC97-5F64-4041-BF71-C4D022CEA3E5}" dt="2023-04-16T08:16:58.979" v="142" actId="27636"/>
+          <ac:spMkLst>
+            <pc:docMk/>
+            <pc:sldMk cId="1567278445" sldId="262"/>
+            <ac:spMk id="6" creationId="{923C649C-DB87-B2CB-E283-4910FAFE7991}"/>
+          </ac:spMkLst>
+        </pc:spChg>
+        <pc:picChg chg="mod">
+          <ac:chgData name="Liam Tessendorf" userId="d92e1f4a661004b8" providerId="LiveId" clId="{A087FC97-5F64-4041-BF71-C4D022CEA3E5}" dt="2023-04-16T08:17:12.501" v="170" actId="1036"/>
+          <ac:picMkLst>
+            <pc:docMk/>
+            <pc:sldMk cId="1567278445" sldId="262"/>
+            <ac:picMk id="8" creationId="{09AD66B1-0720-8D22-0111-774A1911EECC}"/>
+          </ac:picMkLst>
+        </pc:picChg>
+      </pc:sldChg>
+      <pc:sldChg chg="modSp mod">
+        <pc:chgData name="Liam Tessendorf" userId="d92e1f4a661004b8" providerId="LiveId" clId="{A087FC97-5F64-4041-BF71-C4D022CEA3E5}" dt="2023-04-16T08:31:22.901" v="387" actId="6549"/>
+        <pc:sldMkLst>
+          <pc:docMk/>
+          <pc:sldMk cId="2586026922" sldId="263"/>
+        </pc:sldMkLst>
+        <pc:spChg chg="mod">
+          <ac:chgData name="Liam Tessendorf" userId="d92e1f4a661004b8" providerId="LiveId" clId="{A087FC97-5F64-4041-BF71-C4D022CEA3E5}" dt="2023-04-16T08:31:22.901" v="387" actId="6549"/>
+          <ac:spMkLst>
+            <pc:docMk/>
+            <pc:sldMk cId="2586026922" sldId="263"/>
+            <ac:spMk id="3" creationId="{8F8A2082-C7F6-3F64-3D89-844F9C79E41F}"/>
+          </ac:spMkLst>
+        </pc:spChg>
+      </pc:sldChg>
+      <pc:sldChg chg="modSp mod">
+        <pc:chgData name="Liam Tessendorf" userId="d92e1f4a661004b8" providerId="LiveId" clId="{A087FC97-5F64-4041-BF71-C4D022CEA3E5}" dt="2023-04-16T08:35:27.493" v="442" actId="404"/>
         <pc:sldMkLst>
           <pc:docMk/>
           <pc:sldMk cId="821306359" sldId="264"/>
         </pc:sldMkLst>
+        <pc:spChg chg="mod">
+          <ac:chgData name="Liam Tessendorf" userId="d92e1f4a661004b8" providerId="LiveId" clId="{A087FC97-5F64-4041-BF71-C4D022CEA3E5}" dt="2023-04-16T08:35:27.493" v="442" actId="404"/>
+          <ac:spMkLst>
+            <pc:docMk/>
+            <pc:sldMk cId="821306359" sldId="264"/>
+            <ac:spMk id="2" creationId="{EF47EC29-82A0-1EA2-1291-B2FDB1CF073A}"/>
+          </ac:spMkLst>
+        </pc:spChg>
         <pc:spChg chg="mod">
           <ac:chgData name="Liam Tessendorf" userId="d92e1f4a661004b8" providerId="LiveId" clId="{A087FC97-5F64-4041-BF71-C4D022CEA3E5}" dt="2023-04-15T15:50:31.001" v="43" actId="403"/>
           <ac:spMkLst>
@@ -392,7 +796,7 @@
         </pc:spChg>
       </pc:sldChg>
       <pc:sldChg chg="addSp delSp modSp mod">
-        <pc:chgData name="Liam Tessendorf" userId="d92e1f4a661004b8" providerId="LiveId" clId="{A087FC97-5F64-4041-BF71-C4D022CEA3E5}" dt="2023-04-15T15:53:03.041" v="112" actId="478"/>
+        <pc:chgData name="Liam Tessendorf" userId="d92e1f4a661004b8" providerId="LiveId" clId="{A087FC97-5F64-4041-BF71-C4D022CEA3E5}" dt="2023-04-16T08:50:33.992" v="692" actId="14100"/>
         <pc:sldMkLst>
           <pc:docMk/>
           <pc:sldMk cId="3540320419" sldId="265"/>
@@ -427,6 +831,22 @@
             <pc:docMk/>
             <pc:sldMk cId="3540320419" sldId="265"/>
             <ac:spMk id="17" creationId="{F2F67C36-7EFC-DB25-8BDC-D3015FD327AB}"/>
+          </ac:spMkLst>
+        </pc:spChg>
+        <pc:spChg chg="add mod">
+          <ac:chgData name="Liam Tessendorf" userId="d92e1f4a661004b8" providerId="LiveId" clId="{A087FC97-5F64-4041-BF71-C4D022CEA3E5}" dt="2023-04-16T08:50:29.736" v="691" actId="122"/>
+          <ac:spMkLst>
+            <pc:docMk/>
+            <pc:sldMk cId="3540320419" sldId="265"/>
+            <ac:spMk id="18" creationId="{725EAF47-32EF-DD2B-AD9C-80CA59D9582D}"/>
+          </ac:spMkLst>
+        </pc:spChg>
+        <pc:spChg chg="add mod">
+          <ac:chgData name="Liam Tessendorf" userId="d92e1f4a661004b8" providerId="LiveId" clId="{A087FC97-5F64-4041-BF71-C4D022CEA3E5}" dt="2023-04-16T08:50:33.992" v="692" actId="14100"/>
+          <ac:spMkLst>
+            <pc:docMk/>
+            <pc:sldMk cId="3540320419" sldId="265"/>
+            <ac:spMk id="19" creationId="{EC3A58E7-44D8-DFCF-1259-F592405C317B}"/>
           </ac:spMkLst>
         </pc:spChg>
         <pc:picChg chg="del">
@@ -470,6 +890,84 @@
           </ac:picMkLst>
         </pc:picChg>
       </pc:sldChg>
+      <pc:sldChg chg="add del">
+        <pc:chgData name="Liam Tessendorf" userId="d92e1f4a661004b8" providerId="LiveId" clId="{A087FC97-5F64-4041-BF71-C4D022CEA3E5}" dt="2023-04-16T08:45:53.336" v="626" actId="2696"/>
+        <pc:sldMkLst>
+          <pc:docMk/>
+          <pc:sldMk cId="2424313152" sldId="266"/>
+        </pc:sldMkLst>
+      </pc:sldChg>
+      <pc:sldChg chg="addSp delSp modSp new mod">
+        <pc:chgData name="Liam Tessendorf" userId="d92e1f4a661004b8" providerId="LiveId" clId="{A087FC97-5F64-4041-BF71-C4D022CEA3E5}" dt="2023-04-16T10:17:42.540" v="755" actId="113"/>
+        <pc:sldMkLst>
+          <pc:docMk/>
+          <pc:sldMk cId="2607819537" sldId="266"/>
+        </pc:sldMkLst>
+        <pc:spChg chg="mod">
+          <ac:chgData name="Liam Tessendorf" userId="d92e1f4a661004b8" providerId="LiveId" clId="{A087FC97-5F64-4041-BF71-C4D022CEA3E5}" dt="2023-04-16T10:16:09.676" v="724" actId="20577"/>
+          <ac:spMkLst>
+            <pc:docMk/>
+            <pc:sldMk cId="2607819537" sldId="266"/>
+            <ac:spMk id="2" creationId="{15B4C910-E1A5-8846-6C86-5E3C42B6095C}"/>
+          </ac:spMkLst>
+        </pc:spChg>
+        <pc:spChg chg="del">
+          <ac:chgData name="Liam Tessendorf" userId="d92e1f4a661004b8" providerId="LiveId" clId="{A087FC97-5F64-4041-BF71-C4D022CEA3E5}" dt="2023-04-16T10:16:20.967" v="725"/>
+          <ac:spMkLst>
+            <pc:docMk/>
+            <pc:sldMk cId="2607819537" sldId="266"/>
+            <ac:spMk id="3" creationId="{E76A7809-3E7E-7A2D-4DA8-5ECE566E794C}"/>
+          </ac:spMkLst>
+        </pc:spChg>
+        <pc:spChg chg="add del mod">
+          <ac:chgData name="Liam Tessendorf" userId="d92e1f4a661004b8" providerId="LiveId" clId="{A087FC97-5F64-4041-BF71-C4D022CEA3E5}" dt="2023-04-16T10:16:26.721" v="728" actId="478"/>
+          <ac:spMkLst>
+            <pc:docMk/>
+            <pc:sldMk cId="2607819537" sldId="266"/>
+            <ac:spMk id="6" creationId="{CE4160A6-AFDD-DA5A-16F7-6AB49649C04E}"/>
+          </ac:spMkLst>
+        </pc:spChg>
+        <pc:spChg chg="add mod">
+          <ac:chgData name="Liam Tessendorf" userId="d92e1f4a661004b8" providerId="LiveId" clId="{A087FC97-5F64-4041-BF71-C4D022CEA3E5}" dt="2023-04-16T10:17:42.540" v="755" actId="113"/>
+          <ac:spMkLst>
+            <pc:docMk/>
+            <pc:sldMk cId="2607819537" sldId="266"/>
+            <ac:spMk id="7" creationId="{63F59525-6E76-D9F5-3E1A-B36593AE7EA6}"/>
+          </ac:spMkLst>
+        </pc:spChg>
+        <pc:graphicFrameChg chg="add del mod">
+          <ac:chgData name="Liam Tessendorf" userId="d92e1f4a661004b8" providerId="LiveId" clId="{A087FC97-5F64-4041-BF71-C4D022CEA3E5}" dt="2023-04-16T10:16:26.721" v="728" actId="478"/>
+          <ac:graphicFrameMkLst>
+            <pc:docMk/>
+            <pc:sldMk cId="2607819537" sldId="266"/>
+            <ac:graphicFrameMk id="5" creationId="{049D3661-C0B3-0CC9-8650-BA14274F866B}"/>
+          </ac:graphicFrameMkLst>
+        </pc:graphicFrameChg>
+      </pc:sldChg>
+      <pc:sldMasterChg chg="modSldLayout">
+        <pc:chgData name="Liam Tessendorf" userId="d92e1f4a661004b8" providerId="LiveId" clId="{A087FC97-5F64-4041-BF71-C4D022CEA3E5}" dt="2023-04-16T08:34:46.276" v="440" actId="2711"/>
+        <pc:sldMasterMkLst>
+          <pc:docMk/>
+          <pc:sldMasterMk cId="2640135508" sldId="2147483648"/>
+        </pc:sldMasterMkLst>
+        <pc:sldLayoutChg chg="modSp">
+          <pc:chgData name="Liam Tessendorf" userId="d92e1f4a661004b8" providerId="LiveId" clId="{A087FC97-5F64-4041-BF71-C4D022CEA3E5}" dt="2023-04-16T08:34:46.276" v="440" actId="2711"/>
+          <pc:sldLayoutMkLst>
+            <pc:docMk/>
+            <pc:sldMasterMk cId="2640135508" sldId="2147483648"/>
+            <pc:sldLayoutMk cId="521129265" sldId="2147483650"/>
+          </pc:sldLayoutMkLst>
+          <pc:spChg chg="mod">
+            <ac:chgData name="Liam Tessendorf" userId="d92e1f4a661004b8" providerId="LiveId" clId="{A087FC97-5F64-4041-BF71-C4D022CEA3E5}" dt="2023-04-16T08:34:46.276" v="440" actId="2711"/>
+            <ac:spMkLst>
+              <pc:docMk/>
+              <pc:sldMasterMk cId="2640135508" sldId="2147483648"/>
+              <pc:sldLayoutMk cId="521129265" sldId="2147483650"/>
+              <ac:spMk id="2" creationId="{F82228B3-6BF7-241A-CE4D-6E9AAC5FE29B}"/>
+            </ac:spMkLst>
+          </pc:spChg>
+        </pc:sldLayoutChg>
+      </pc:sldMasterChg>
     </pc:docChg>
   </pc:docChgLst>
   <pc:docChgLst>
@@ -1899,15 +2397,16 @@
                 <a:solidFill>
                   <a:schemeClr val="bg1"/>
                 </a:solidFill>
+                <a:latin typeface="Bookman Old Style" panose="02050604050505020204" pitchFamily="18" charset="0"/>
               </a:defRPr>
             </a:lvl1pPr>
           </a:lstStyle>
           <a:p>
             <a:r>
-              <a:rPr lang="en-US"/>
+              <a:rPr lang="en-US" dirty="0"/>
               <a:t>Click to edit Master title style</a:t>
             </a:r>
-            <a:endParaRPr lang="en-GB"/>
+            <a:endParaRPr lang="en-GB" dirty="0"/>
           </a:p>
         </p:txBody>
       </p:sp>
@@ -4547,7 +5046,12 @@
             <p:ph type="ctrTitle"/>
           </p:nvPr>
         </p:nvSpPr>
-        <p:spPr/>
+        <p:spPr>
+          <a:xfrm>
+            <a:off x="1533330" y="1532911"/>
+            <a:ext cx="9144000" cy="2387600"/>
+          </a:xfrm>
+        </p:spPr>
         <p:txBody>
           <a:bodyPr/>
           <a:lstStyle/>
@@ -4557,6 +5061,9 @@
                 <a:solidFill>
                   <a:schemeClr val="bg1"/>
                 </a:solidFill>
+                <a:latin typeface="Bookman Old Style"/>
+                <a:ea typeface="Tahoma"/>
+                <a:cs typeface="Arial"/>
               </a:rPr>
               <a:t>Introduction</a:t>
             </a:r>
@@ -4565,6 +5072,9 @@
                 <a:solidFill>
                   <a:schemeClr val="bg1"/>
                 </a:solidFill>
+                <a:latin typeface="Bookman Old Style"/>
+                <a:ea typeface="Tahoma"/>
+                <a:cs typeface="Arial"/>
               </a:rPr>
               <a:t> </a:t>
             </a:r>
@@ -4573,6 +5083,9 @@
                 <a:solidFill>
                   <a:schemeClr val="bg1"/>
                 </a:solidFill>
+                <a:latin typeface="Bookman Old Style"/>
+                <a:ea typeface="Tahoma"/>
+                <a:cs typeface="Arial"/>
               </a:rPr>
               <a:t>to</a:t>
             </a:r>
@@ -4581,6 +5094,9 @@
                 <a:solidFill>
                   <a:schemeClr val="bg1"/>
                 </a:solidFill>
+                <a:latin typeface="Bookman Old Style"/>
+                <a:ea typeface="Tahoma"/>
+                <a:cs typeface="Arial"/>
               </a:rPr>
               <a:t> </a:t>
             </a:r>
@@ -4589,6 +5105,9 @@
                 <a:solidFill>
                   <a:schemeClr val="bg1"/>
                 </a:solidFill>
+                <a:latin typeface="Bookman Old Style"/>
+                <a:ea typeface="Tahoma"/>
+                <a:cs typeface="Arial"/>
               </a:rPr>
               <a:t>Machine</a:t>
             </a:r>
@@ -4597,6 +5116,9 @@
                 <a:solidFill>
                   <a:schemeClr val="bg1"/>
                 </a:solidFill>
+                <a:latin typeface="Bookman Old Style"/>
+                <a:ea typeface="Tahoma"/>
+                <a:cs typeface="Arial"/>
               </a:rPr>
               <a:t> Learning</a:t>
             </a:r>
@@ -4604,6 +5126,9 @@
               <a:solidFill>
                 <a:schemeClr val="bg1"/>
               </a:solidFill>
+              <a:latin typeface="Bookman Old Style"/>
+              <a:ea typeface="Tahoma"/>
+              <a:cs typeface="Arial"/>
             </a:endParaRPr>
           </a:p>
         </p:txBody>
@@ -4624,7 +5149,12 @@
             <p:ph type="subTitle" idx="1"/>
           </p:nvPr>
         </p:nvSpPr>
-        <p:spPr/>
+        <p:spPr>
+          <a:xfrm>
+            <a:off x="1533330" y="4012586"/>
+            <a:ext cx="9144000" cy="1655762"/>
+          </a:xfrm>
+        </p:spPr>
         <p:txBody>
           <a:bodyPr/>
           <a:lstStyle/>
@@ -4634,6 +5164,7 @@
                 <a:solidFill>
                   <a:schemeClr val="bg1"/>
                 </a:solidFill>
+                <a:latin typeface="Bookman Old Style" panose="02050604050505020204" pitchFamily="18" charset="0"/>
               </a:rPr>
               <a:t>Group 4</a:t>
             </a:r>
@@ -4673,6 +5204,270 @@
     <p:extLst>
       <p:ext uri="{BB962C8B-B14F-4D97-AF65-F5344CB8AC3E}">
         <p14:creationId xmlns:p14="http://schemas.microsoft.com/office/powerpoint/2010/main" val="4105117176"/>
+      </p:ext>
+    </p:extLst>
+  </p:cSld>
+  <p:clrMapOvr>
+    <a:masterClrMapping/>
+  </p:clrMapOvr>
+</p:sld>
+</file>
+
+<file path=ppt/slides/slide10.xml><?xml version="1.0" encoding="utf-8"?>
+<p:sld xmlns:a="http://schemas.openxmlformats.org/drawingml/2006/main" xmlns:r="http://schemas.openxmlformats.org/officeDocument/2006/relationships" xmlns:p="http://schemas.openxmlformats.org/presentationml/2006/main">
+  <p:cSld>
+    <p:spTree>
+      <p:nvGrpSpPr>
+        <p:cNvPr id="1" name=""/>
+        <p:cNvGrpSpPr/>
+        <p:nvPr/>
+      </p:nvGrpSpPr>
+      <p:grpSpPr>
+        <a:xfrm>
+          <a:off x="0" y="0"/>
+          <a:ext cx="0" cy="0"/>
+          <a:chOff x="0" y="0"/>
+          <a:chExt cx="0" cy="0"/>
+        </a:xfrm>
+      </p:grpSpPr>
+      <p:sp>
+        <p:nvSpPr>
+          <p:cNvPr id="2" name="Title 1">
+            <a:extLst>
+              <a:ext uri="{FF2B5EF4-FFF2-40B4-BE49-F238E27FC236}">
+                <a16:creationId xmlns:a16="http://schemas.microsoft.com/office/drawing/2014/main" id="{15B4C910-E1A5-8846-6C86-5E3C42B6095C}"/>
+              </a:ext>
+            </a:extLst>
+          </p:cNvPr>
+          <p:cNvSpPr>
+            <a:spLocks noGrp="1"/>
+          </p:cNvSpPr>
+          <p:nvPr>
+            <p:ph type="title"/>
+          </p:nvPr>
+        </p:nvSpPr>
+        <p:spPr/>
+        <p:txBody>
+          <a:bodyPr/>
+          <a:lstStyle/>
+          <a:p>
+            <a:r>
+              <a:rPr lang="de-CH" dirty="0"/>
+              <a:t>Performance (</a:t>
+            </a:r>
+            <a:r>
+              <a:rPr lang="de-CH" dirty="0" err="1"/>
+              <a:t>cont</a:t>
+            </a:r>
+            <a:r>
+              <a:rPr lang="de-CH" dirty="0"/>
+              <a:t>.)</a:t>
+            </a:r>
+            <a:endParaRPr lang="en-GB" dirty="0"/>
+          </a:p>
+        </p:txBody>
+      </p:sp>
+      <p:sp>
+        <p:nvSpPr>
+          <p:cNvPr id="4" name="Slide Number Placeholder 3">
+            <a:extLst>
+              <a:ext uri="{FF2B5EF4-FFF2-40B4-BE49-F238E27FC236}">
+                <a16:creationId xmlns:a16="http://schemas.microsoft.com/office/drawing/2014/main" id="{867689FE-7139-022C-3852-E6623B5EC467}"/>
+              </a:ext>
+            </a:extLst>
+          </p:cNvPr>
+          <p:cNvSpPr>
+            <a:spLocks noGrp="1"/>
+          </p:cNvSpPr>
+          <p:nvPr>
+            <p:ph type="sldNum" sz="quarter" idx="12"/>
+          </p:nvPr>
+        </p:nvSpPr>
+        <p:spPr/>
+        <p:txBody>
+          <a:bodyPr/>
+          <a:lstStyle/>
+          <a:p>
+            <a:fld id="{46E84E4D-1265-4096-AC26-30852459AEAB}" type="slidenum">
+              <a:rPr lang="en-GB" smtClean="0"/>
+              <a:t>10</a:t>
+            </a:fld>
+            <a:endParaRPr lang="en-GB"/>
+          </a:p>
+        </p:txBody>
+      </p:sp>
+      <p:sp>
+        <p:nvSpPr>
+          <p:cNvPr id="7" name="Content Placeholder 6">
+            <a:extLst>
+              <a:ext uri="{FF2B5EF4-FFF2-40B4-BE49-F238E27FC236}">
+                <a16:creationId xmlns:a16="http://schemas.microsoft.com/office/drawing/2014/main" id="{63F59525-6E76-D9F5-3E1A-B36593AE7EA6}"/>
+              </a:ext>
+            </a:extLst>
+          </p:cNvPr>
+          <p:cNvSpPr>
+            <a:spLocks noGrp="1"/>
+          </p:cNvSpPr>
+          <p:nvPr>
+            <p:ph idx="1"/>
+          </p:nvPr>
+        </p:nvSpPr>
+        <p:spPr/>
+        <p:txBody>
+          <a:bodyPr>
+            <a:normAutofit fontScale="92500" lnSpcReduction="20000"/>
+          </a:bodyPr>
+          <a:lstStyle/>
+          <a:p>
+            <a:r>
+              <a:rPr lang="en-GB" dirty="0"/>
+              <a:t>Without </a:t>
+            </a:r>
+            <a:r>
+              <a:rPr lang="en-GB" b="1" dirty="0"/>
+              <a:t>feature engineering</a:t>
+            </a:r>
+            <a:r>
+              <a:rPr lang="en-GB" dirty="0"/>
+              <a:t>:</a:t>
+            </a:r>
+          </a:p>
+          <a:p>
+            <a:pPr lvl="1"/>
+            <a:r>
+              <a:rPr lang="en-GB" dirty="0"/>
+              <a:t>weighted </a:t>
+            </a:r>
+            <a:r>
+              <a:rPr lang="en-GB" dirty="0" err="1"/>
+              <a:t>avg</a:t>
+            </a:r>
+            <a:r>
+              <a:rPr lang="en-GB" dirty="0"/>
+              <a:t>     0.8874    0.8870    0.8835       292</a:t>
+            </a:r>
+          </a:p>
+          <a:p>
+            <a:endParaRPr lang="en-GB" dirty="0"/>
+          </a:p>
+          <a:p>
+            <a:r>
+              <a:rPr lang="en-GB" dirty="0"/>
+              <a:t>Without </a:t>
+            </a:r>
+            <a:r>
+              <a:rPr lang="en-GB" b="1" dirty="0" err="1"/>
+              <a:t>upsampling</a:t>
+            </a:r>
+            <a:r>
+              <a:rPr lang="en-GB" dirty="0"/>
+              <a:t>:</a:t>
+            </a:r>
+          </a:p>
+          <a:p>
+            <a:pPr lvl="1"/>
+            <a:r>
+              <a:rPr lang="en-GB" dirty="0"/>
+              <a:t>weighted </a:t>
+            </a:r>
+            <a:r>
+              <a:rPr lang="en-GB" dirty="0" err="1"/>
+              <a:t>avg</a:t>
+            </a:r>
+            <a:r>
+              <a:rPr lang="en-GB" dirty="0"/>
+              <a:t>     0.8796    0.8801    0.8747       292</a:t>
+            </a:r>
+          </a:p>
+          <a:p>
+            <a:endParaRPr lang="en-GB" dirty="0"/>
+          </a:p>
+          <a:p>
+            <a:r>
+              <a:rPr lang="en-GB" dirty="0"/>
+              <a:t>Without </a:t>
+            </a:r>
+            <a:r>
+              <a:rPr lang="en-GB" b="1" dirty="0"/>
+              <a:t>feature engineering</a:t>
+            </a:r>
+            <a:r>
+              <a:rPr lang="en-GB" dirty="0"/>
+              <a:t> and </a:t>
+            </a:r>
+            <a:r>
+              <a:rPr lang="en-GB" b="1" dirty="0" err="1"/>
+              <a:t>upsampling</a:t>
+            </a:r>
+            <a:endParaRPr lang="en-GB" b="1" dirty="0"/>
+          </a:p>
+          <a:p>
+            <a:pPr lvl="1"/>
+            <a:r>
+              <a:rPr lang="en-GB" dirty="0"/>
+              <a:t>weighted </a:t>
+            </a:r>
+            <a:r>
+              <a:rPr lang="en-GB" dirty="0" err="1"/>
+              <a:t>avg</a:t>
+            </a:r>
+            <a:r>
+              <a:rPr lang="en-GB" dirty="0"/>
+              <a:t>     0.8780    0.8801    0.8751       292</a:t>
+            </a:r>
+          </a:p>
+          <a:p>
+            <a:endParaRPr lang="en-GB" dirty="0"/>
+          </a:p>
+          <a:p>
+            <a:r>
+              <a:rPr lang="en-GB" dirty="0"/>
+              <a:t>With </a:t>
+            </a:r>
+            <a:r>
+              <a:rPr lang="en-GB" b="1" dirty="0"/>
+              <a:t>feature engineering</a:t>
+            </a:r>
+            <a:r>
+              <a:rPr lang="en-GB" dirty="0"/>
+              <a:t> and </a:t>
+            </a:r>
+            <a:r>
+              <a:rPr lang="en-GB" b="1" dirty="0" err="1"/>
+              <a:t>upsampling</a:t>
+            </a:r>
+            <a:r>
+              <a:rPr lang="en-GB" dirty="0"/>
+              <a:t>:</a:t>
+            </a:r>
+          </a:p>
+          <a:p>
+            <a:pPr lvl="1"/>
+            <a:r>
+              <a:rPr lang="en-GB" dirty="0"/>
+              <a:t>weighted </a:t>
+            </a:r>
+            <a:r>
+              <a:rPr lang="en-GB" dirty="0" err="1"/>
+              <a:t>avg</a:t>
+            </a:r>
+            <a:r>
+              <a:rPr lang="en-GB" dirty="0"/>
+              <a:t>     0.9046    0.9041    0.9014       292</a:t>
+            </a:r>
+          </a:p>
+          <a:p>
+            <a:endParaRPr lang="en-GB" dirty="0"/>
+          </a:p>
+          <a:p>
+            <a:endParaRPr lang="en-GB" dirty="0"/>
+          </a:p>
+        </p:txBody>
+      </p:sp>
+    </p:spTree>
+    <p:extLst>
+      <p:ext uri="{BB962C8B-B14F-4D97-AF65-F5344CB8AC3E}">
+        <p14:creationId xmlns:p14="http://schemas.microsoft.com/office/powerpoint/2010/main" val="2607819537"/>
       </p:ext>
     </p:extLst>
   </p:cSld>
@@ -4758,7 +5553,7 @@
         </p:nvSpPr>
         <p:spPr>
           <a:xfrm>
-            <a:off x="838200" y="1825624"/>
+            <a:off x="838200" y="1612592"/>
             <a:ext cx="10515600" cy="2305504"/>
           </a:xfrm>
           <a:solidFill>
@@ -4777,7 +5572,7 @@
               <a:buNone/>
             </a:pPr>
             <a:r>
-              <a:rPr lang="en-GB" sz="1800" i="1">
+              <a:rPr lang="en-GB" sz="1800" i="1" dirty="0">
                 <a:solidFill>
                   <a:srgbClr val="586E75"/>
                 </a:solidFill>
@@ -4786,7 +5581,7 @@
               </a:rPr>
               <a:t># fill missing values with median column values</a:t>
             </a:r>
-            <a:endParaRPr lang="en-GB" sz="1800">
+            <a:endParaRPr lang="en-GB" sz="1800" dirty="0">
               <a:solidFill>
                 <a:srgbClr val="839496"/>
               </a:solidFill>
@@ -4799,7 +5594,7 @@
               <a:buNone/>
             </a:pPr>
             <a:r>
-              <a:rPr lang="en-GB" sz="1800" err="1">
+              <a:rPr lang="en-GB" sz="1800" dirty="0" err="1">
                 <a:solidFill>
                   <a:srgbClr val="268BD2"/>
                 </a:solidFill>
@@ -4809,7 +5604,7 @@
               <a:t>df</a:t>
             </a:r>
             <a:r>
-              <a:rPr lang="en-GB" sz="1800">
+              <a:rPr lang="en-GB" sz="1800" dirty="0">
                 <a:solidFill>
                   <a:srgbClr val="839496"/>
                 </a:solidFill>
@@ -4819,7 +5614,7 @@
               <a:t>[</a:t>
             </a:r>
             <a:r>
-              <a:rPr lang="en-GB" sz="1800" err="1">
+              <a:rPr lang="en-GB" sz="1800" dirty="0" err="1">
                 <a:solidFill>
                   <a:srgbClr val="268BD2"/>
                 </a:solidFill>
@@ -4829,7 +5624,7 @@
               <a:t>numerical_cols</a:t>
             </a:r>
             <a:r>
-              <a:rPr lang="en-GB" sz="1800">
+              <a:rPr lang="en-GB" sz="1800" dirty="0">
                 <a:solidFill>
                   <a:srgbClr val="839496"/>
                 </a:solidFill>
@@ -4839,7 +5634,7 @@
               <a:t>] </a:t>
             </a:r>
             <a:r>
-              <a:rPr lang="en-GB" sz="1800">
+              <a:rPr lang="en-GB" sz="1800" dirty="0">
                 <a:solidFill>
                   <a:srgbClr val="859900"/>
                 </a:solidFill>
@@ -4849,7 +5644,7 @@
               <a:t>=</a:t>
             </a:r>
             <a:r>
-              <a:rPr lang="en-GB" sz="1800">
+              <a:rPr lang="en-GB" sz="1800" dirty="0">
                 <a:solidFill>
                   <a:srgbClr val="839496"/>
                 </a:solidFill>
@@ -4859,7 +5654,7 @@
               <a:t> </a:t>
             </a:r>
             <a:r>
-              <a:rPr lang="en-GB" sz="1800" err="1">
+              <a:rPr lang="en-GB" sz="1800" dirty="0" err="1">
                 <a:solidFill>
                   <a:srgbClr val="268BD2"/>
                 </a:solidFill>
@@ -4869,7 +5664,7 @@
               <a:t>df</a:t>
             </a:r>
             <a:r>
-              <a:rPr lang="en-GB" sz="1800">
+              <a:rPr lang="en-GB" sz="1800" dirty="0">
                 <a:solidFill>
                   <a:srgbClr val="839496"/>
                 </a:solidFill>
@@ -4879,7 +5674,7 @@
               <a:t>[</a:t>
             </a:r>
             <a:r>
-              <a:rPr lang="en-GB" sz="1800" err="1">
+              <a:rPr lang="en-GB" sz="1800" dirty="0" err="1">
                 <a:solidFill>
                   <a:srgbClr val="268BD2"/>
                 </a:solidFill>
@@ -4889,7 +5684,7 @@
               <a:t>numerical_cols</a:t>
             </a:r>
             <a:r>
-              <a:rPr lang="en-GB" sz="1800">
+              <a:rPr lang="en-GB" sz="1800" dirty="0">
                 <a:solidFill>
                   <a:srgbClr val="839496"/>
                 </a:solidFill>
@@ -4899,7 +5694,7 @@
               <a:t>].</a:t>
             </a:r>
             <a:r>
-              <a:rPr lang="en-GB" sz="1800" err="1">
+              <a:rPr lang="en-GB" sz="1800" dirty="0" err="1">
                 <a:solidFill>
                   <a:srgbClr val="268BD2"/>
                 </a:solidFill>
@@ -4909,7 +5704,7 @@
               <a:t>fillna</a:t>
             </a:r>
             <a:r>
-              <a:rPr lang="en-GB" sz="1800">
+              <a:rPr lang="en-GB" sz="1800" dirty="0">
                 <a:solidFill>
                   <a:srgbClr val="839496"/>
                 </a:solidFill>
@@ -4919,7 +5714,7 @@
               <a:t>(</a:t>
             </a:r>
             <a:r>
-              <a:rPr lang="en-GB" sz="1800" err="1">
+              <a:rPr lang="en-GB" sz="1800" dirty="0" err="1">
                 <a:solidFill>
                   <a:srgbClr val="268BD2"/>
                 </a:solidFill>
@@ -4929,7 +5724,7 @@
               <a:t>df</a:t>
             </a:r>
             <a:r>
-              <a:rPr lang="en-GB" sz="1800">
+              <a:rPr lang="en-GB" sz="1800" dirty="0">
                 <a:solidFill>
                   <a:srgbClr val="839496"/>
                 </a:solidFill>
@@ -4939,7 +5734,7 @@
               <a:t>[</a:t>
             </a:r>
             <a:r>
-              <a:rPr lang="en-GB" sz="1800" err="1">
+              <a:rPr lang="en-GB" sz="1800" dirty="0" err="1">
                 <a:solidFill>
                   <a:srgbClr val="268BD2"/>
                 </a:solidFill>
@@ -4949,7 +5744,7 @@
               <a:t>numerical_cols</a:t>
             </a:r>
             <a:r>
-              <a:rPr lang="en-GB" sz="1800">
+              <a:rPr lang="en-GB" sz="1800" dirty="0">
                 <a:solidFill>
                   <a:srgbClr val="839496"/>
                 </a:solidFill>
@@ -4959,7 +5754,7 @@
               <a:t>].</a:t>
             </a:r>
             <a:r>
-              <a:rPr lang="en-GB" sz="1800">
+              <a:rPr lang="en-GB" sz="1800" dirty="0">
                 <a:solidFill>
                   <a:srgbClr val="268BD2"/>
                 </a:solidFill>
@@ -4969,7 +5764,7 @@
               <a:t>median</a:t>
             </a:r>
             <a:r>
-              <a:rPr lang="en-GB" sz="1800">
+              <a:rPr lang="en-GB" sz="1800" dirty="0">
                 <a:solidFill>
                   <a:srgbClr val="839496"/>
                 </a:solidFill>
@@ -4978,20 +5773,20 @@
               </a:rPr>
               <a:t>())</a:t>
             </a:r>
-            <a:endParaRPr lang="en-GB"/>
+            <a:endParaRPr lang="en-GB" dirty="0"/>
           </a:p>
           <a:p>
             <a:pPr marL="0" indent="0">
               <a:buNone/>
             </a:pPr>
             <a:br>
-              <a:rPr lang="en-GB" sz="1800">
+              <a:rPr lang="en-GB" sz="1800" dirty="0">
                 <a:latin typeface="Consolas"/>
                 <a:cs typeface="Arial"/>
               </a:rPr>
             </a:br>
             <a:r>
-              <a:rPr lang="en-GB" sz="1800" i="1">
+              <a:rPr lang="en-GB" sz="1800" i="1" dirty="0">
                 <a:solidFill>
                   <a:srgbClr val="586E75"/>
                 </a:solidFill>
@@ -5001,7 +5796,7 @@
               <a:t># </a:t>
             </a:r>
             <a:r>
-              <a:rPr lang="en-GB" sz="1800" b="0" i="1">
+              <a:rPr lang="en-GB" sz="1800" b="0" i="1" dirty="0">
                 <a:solidFill>
                   <a:srgbClr val="586E75"/>
                 </a:solidFill>
@@ -5012,7 +5807,7 @@
               <a:t>Replace missing values </a:t>
             </a:r>
             <a:r>
-              <a:rPr lang="en-GB" sz="1800" i="1">
+              <a:rPr lang="en-GB" sz="1800" i="1" dirty="0">
                 <a:solidFill>
                   <a:srgbClr val="586E75"/>
                 </a:solidFill>
@@ -5022,7 +5817,7 @@
               <a:t>in other categorical columns </a:t>
             </a:r>
             <a:r>
-              <a:rPr lang="en-GB" sz="1800" b="0" i="1">
+              <a:rPr lang="en-GB" sz="1800" b="0" i="1" dirty="0">
                 <a:solidFill>
                   <a:srgbClr val="586E75"/>
                 </a:solidFill>
@@ -5032,7 +5827,7 @@
               </a:rPr>
               <a:t>with 'Unknown'</a:t>
             </a:r>
-            <a:endParaRPr lang="en-GB" sz="1800" i="1">
+            <a:endParaRPr lang="en-GB" sz="1800" i="1" dirty="0">
               <a:solidFill>
                 <a:srgbClr val="586E75"/>
               </a:solidFill>
@@ -5044,7 +5839,7 @@
               <a:buNone/>
             </a:pPr>
             <a:r>
-              <a:rPr lang="en-GB" sz="1800">
+              <a:rPr lang="en-GB" sz="1800" dirty="0">
                 <a:solidFill>
                   <a:srgbClr val="859900"/>
                 </a:solidFill>
@@ -5054,7 +5849,7 @@
               <a:t>for</a:t>
             </a:r>
             <a:r>
-              <a:rPr lang="en-GB" sz="1800">
+              <a:rPr lang="en-GB" sz="1800" dirty="0">
                 <a:solidFill>
                   <a:srgbClr val="839496"/>
                 </a:solidFill>
@@ -5064,7 +5859,7 @@
               <a:t> </a:t>
             </a:r>
             <a:r>
-              <a:rPr lang="en-GB" sz="1800">
+              <a:rPr lang="en-GB" sz="1800" dirty="0">
                 <a:solidFill>
                   <a:srgbClr val="268BD2"/>
                 </a:solidFill>
@@ -5074,7 +5869,7 @@
               <a:t>col</a:t>
             </a:r>
             <a:r>
-              <a:rPr lang="en-GB" sz="1800">
+              <a:rPr lang="en-GB" sz="1800" dirty="0">
                 <a:solidFill>
                   <a:srgbClr val="839496"/>
                 </a:solidFill>
@@ -5084,7 +5879,7 @@
               <a:t> </a:t>
             </a:r>
             <a:r>
-              <a:rPr lang="en-GB" sz="1800">
+              <a:rPr lang="en-GB" sz="1800" dirty="0">
                 <a:solidFill>
                   <a:srgbClr val="859900"/>
                 </a:solidFill>
@@ -5094,7 +5889,7 @@
               <a:t>in</a:t>
             </a:r>
             <a:r>
-              <a:rPr lang="en-GB" sz="1800">
+              <a:rPr lang="en-GB" sz="1800" dirty="0">
                 <a:solidFill>
                   <a:srgbClr val="839496"/>
                 </a:solidFill>
@@ -5104,7 +5899,7 @@
               <a:t> </a:t>
             </a:r>
             <a:r>
-              <a:rPr lang="en-GB" sz="1800" err="1">
+              <a:rPr lang="en-GB" sz="1800" dirty="0" err="1">
                 <a:solidFill>
                   <a:srgbClr val="268BD2"/>
                 </a:solidFill>
@@ -5114,7 +5909,7 @@
               <a:t>categorical_cols</a:t>
             </a:r>
             <a:r>
-              <a:rPr lang="en-GB" sz="1800">
+              <a:rPr lang="en-GB" sz="1800" dirty="0">
                 <a:solidFill>
                   <a:srgbClr val="839496"/>
                 </a:solidFill>
@@ -5123,14 +5918,14 @@
               </a:rPr>
               <a:t>:</a:t>
             </a:r>
-            <a:endParaRPr lang="en-GB"/>
+            <a:endParaRPr lang="en-GB" dirty="0"/>
           </a:p>
           <a:p>
             <a:pPr marL="0" indent="0">
               <a:buNone/>
             </a:pPr>
             <a:r>
-              <a:rPr lang="en-GB" sz="1800">
+              <a:rPr lang="en-GB" sz="1800" dirty="0">
                 <a:solidFill>
                   <a:srgbClr val="839496"/>
                 </a:solidFill>
@@ -5140,7 +5935,7 @@
               <a:t>    </a:t>
             </a:r>
             <a:r>
-              <a:rPr lang="en-GB" sz="1800" err="1">
+              <a:rPr lang="en-GB" sz="1800" dirty="0" err="1">
                 <a:solidFill>
                   <a:srgbClr val="268BD2"/>
                 </a:solidFill>
@@ -5150,7 +5945,7 @@
               <a:t>df</a:t>
             </a:r>
             <a:r>
-              <a:rPr lang="en-GB" sz="1800">
+              <a:rPr lang="en-GB" sz="1800" dirty="0">
                 <a:solidFill>
                   <a:srgbClr val="839496"/>
                 </a:solidFill>
@@ -5160,7 +5955,7 @@
               <a:t>[</a:t>
             </a:r>
             <a:r>
-              <a:rPr lang="en-GB" sz="1800">
+              <a:rPr lang="en-GB" sz="1800" dirty="0">
                 <a:solidFill>
                   <a:srgbClr val="268BD2"/>
                 </a:solidFill>
@@ -5170,7 +5965,7 @@
               <a:t>col</a:t>
             </a:r>
             <a:r>
-              <a:rPr lang="en-GB" sz="1800">
+              <a:rPr lang="en-GB" sz="1800" dirty="0">
                 <a:solidFill>
                   <a:srgbClr val="839496"/>
                 </a:solidFill>
@@ -5180,7 +5975,7 @@
               <a:t>].</a:t>
             </a:r>
             <a:r>
-              <a:rPr lang="en-GB" sz="1800" err="1">
+              <a:rPr lang="en-GB" sz="1800" dirty="0" err="1">
                 <a:solidFill>
                   <a:srgbClr val="839496"/>
                 </a:solidFill>
@@ -5190,7 +5985,7 @@
               <a:t>fillna</a:t>
             </a:r>
             <a:r>
-              <a:rPr lang="en-GB" sz="1800">
+              <a:rPr lang="en-GB" sz="1800" dirty="0">
                 <a:solidFill>
                   <a:srgbClr val="839496"/>
                 </a:solidFill>
@@ -5200,7 +5995,7 @@
               <a:t>(</a:t>
             </a:r>
             <a:r>
-              <a:rPr lang="en-GB" sz="1800">
+              <a:rPr lang="en-GB" sz="1800" dirty="0">
                 <a:solidFill>
                   <a:srgbClr val="2AA198"/>
                 </a:solidFill>
@@ -5210,7 +6005,7 @@
               <a:t>"Unknown"</a:t>
             </a:r>
             <a:r>
-              <a:rPr lang="en-GB" sz="1800">
+              <a:rPr lang="en-GB" sz="1800" dirty="0">
                 <a:solidFill>
                   <a:srgbClr val="839496"/>
                 </a:solidFill>
@@ -5220,7 +6015,7 @@
               <a:t>, </a:t>
             </a:r>
             <a:r>
-              <a:rPr lang="en-GB" sz="1800" err="1">
+              <a:rPr lang="en-GB" sz="1800" dirty="0" err="1">
                 <a:solidFill>
                   <a:srgbClr val="839496"/>
                 </a:solidFill>
@@ -5230,7 +6025,7 @@
               <a:t>inplace</a:t>
             </a:r>
             <a:r>
-              <a:rPr lang="en-GB" sz="1800">
+              <a:rPr lang="en-GB" sz="1800" dirty="0">
                 <a:solidFill>
                   <a:srgbClr val="859900"/>
                 </a:solidFill>
@@ -5240,7 +6035,7 @@
               <a:t>=</a:t>
             </a:r>
             <a:r>
-              <a:rPr lang="en-GB" sz="1800">
+              <a:rPr lang="en-GB" sz="1800" dirty="0">
                 <a:solidFill>
                   <a:srgbClr val="B58900"/>
                 </a:solidFill>
@@ -5250,7 +6045,7 @@
               <a:t>True</a:t>
             </a:r>
             <a:r>
-              <a:rPr lang="en-GB" sz="1800">
+              <a:rPr lang="en-GB" sz="1800" dirty="0">
                 <a:solidFill>
                   <a:srgbClr val="839496"/>
                 </a:solidFill>
@@ -5259,668 +6054,7 @@
               </a:rPr>
               <a:t>)</a:t>
             </a:r>
-            <a:endParaRPr lang="en-GB"/>
-          </a:p>
-        </p:txBody>
-      </p:sp>
-      <p:sp>
-        <p:nvSpPr>
-          <p:cNvPr id="4" name="Content Placeholder 2">
-            <a:extLst>
-              <a:ext uri="{FF2B5EF4-FFF2-40B4-BE49-F238E27FC236}">
-                <a16:creationId xmlns:a16="http://schemas.microsoft.com/office/drawing/2014/main" id="{9F5E7E2F-115F-890E-A2D7-C8E9EAD40553}"/>
-              </a:ext>
-            </a:extLst>
-          </p:cNvPr>
-          <p:cNvSpPr txBox="1">
-            <a:spLocks/>
-          </p:cNvSpPr>
-          <p:nvPr/>
-        </p:nvSpPr>
-        <p:spPr>
-          <a:xfrm>
-            <a:off x="838200" y="4471183"/>
-            <a:ext cx="10852067" cy="1557337"/>
-          </a:xfrm>
-          <a:prstGeom prst="rect">
-            <a:avLst/>
-          </a:prstGeom>
-        </p:spPr>
-        <p:txBody>
-          <a:bodyPr vert="horz" lIns="91440" tIns="45720" rIns="91440" bIns="45720" rtlCol="0" anchor="t">
-            <a:noAutofit/>
-          </a:bodyPr>
-          <a:lstStyle>
-            <a:lvl1pPr marL="228600" indent="-228600" algn="l" defTabSz="914400" rtl="0" eaLnBrk="1" latinLnBrk="0" hangingPunct="1">
-              <a:lnSpc>
-                <a:spcPct val="90000"/>
-              </a:lnSpc>
-              <a:spcBef>
-                <a:spcPts val="1000"/>
-              </a:spcBef>
-              <a:buFont typeface="Arial" panose="020B0604020202020204" pitchFamily="34" charset="0"/>
-              <a:buChar char="•"/>
-              <a:defRPr sz="2800" kern="1200">
-                <a:solidFill>
-                  <a:schemeClr val="tx1"/>
-                </a:solidFill>
-                <a:latin typeface="+mn-lt"/>
-                <a:ea typeface="+mn-ea"/>
-                <a:cs typeface="+mn-cs"/>
-              </a:defRPr>
-            </a:lvl1pPr>
-            <a:lvl2pPr marL="685800" indent="-228600" algn="l" defTabSz="914400" rtl="0" eaLnBrk="1" latinLnBrk="0" hangingPunct="1">
-              <a:lnSpc>
-                <a:spcPct val="90000"/>
-              </a:lnSpc>
-              <a:spcBef>
-                <a:spcPts val="500"/>
-              </a:spcBef>
-              <a:buFont typeface="Arial" panose="020B0604020202020204" pitchFamily="34" charset="0"/>
-              <a:buChar char="•"/>
-              <a:defRPr sz="2400" kern="1200">
-                <a:solidFill>
-                  <a:schemeClr val="tx1"/>
-                </a:solidFill>
-                <a:latin typeface="+mn-lt"/>
-                <a:ea typeface="+mn-ea"/>
-                <a:cs typeface="+mn-cs"/>
-              </a:defRPr>
-            </a:lvl2pPr>
-            <a:lvl3pPr marL="1143000" indent="-228600" algn="l" defTabSz="914400" rtl="0" eaLnBrk="1" latinLnBrk="0" hangingPunct="1">
-              <a:lnSpc>
-                <a:spcPct val="90000"/>
-              </a:lnSpc>
-              <a:spcBef>
-                <a:spcPts val="500"/>
-              </a:spcBef>
-              <a:buFont typeface="Arial" panose="020B0604020202020204" pitchFamily="34" charset="0"/>
-              <a:buChar char="•"/>
-              <a:defRPr sz="2000" kern="1200">
-                <a:solidFill>
-                  <a:schemeClr val="tx1"/>
-                </a:solidFill>
-                <a:latin typeface="+mn-lt"/>
-                <a:ea typeface="+mn-ea"/>
-                <a:cs typeface="+mn-cs"/>
-              </a:defRPr>
-            </a:lvl3pPr>
-            <a:lvl4pPr marL="1600200" indent="-228600" algn="l" defTabSz="914400" rtl="0" eaLnBrk="1" latinLnBrk="0" hangingPunct="1">
-              <a:lnSpc>
-                <a:spcPct val="90000"/>
-              </a:lnSpc>
-              <a:spcBef>
-                <a:spcPts val="500"/>
-              </a:spcBef>
-              <a:buFont typeface="Arial" panose="020B0604020202020204" pitchFamily="34" charset="0"/>
-              <a:buChar char="•"/>
-              <a:defRPr sz="1800" kern="1200">
-                <a:solidFill>
-                  <a:schemeClr val="tx1"/>
-                </a:solidFill>
-                <a:latin typeface="+mn-lt"/>
-                <a:ea typeface="+mn-ea"/>
-                <a:cs typeface="+mn-cs"/>
-              </a:defRPr>
-            </a:lvl4pPr>
-            <a:lvl5pPr marL="2057400" indent="-228600" algn="l" defTabSz="914400" rtl="0" eaLnBrk="1" latinLnBrk="0" hangingPunct="1">
-              <a:lnSpc>
-                <a:spcPct val="90000"/>
-              </a:lnSpc>
-              <a:spcBef>
-                <a:spcPts val="500"/>
-              </a:spcBef>
-              <a:buFont typeface="Arial" panose="020B0604020202020204" pitchFamily="34" charset="0"/>
-              <a:buChar char="•"/>
-              <a:defRPr sz="1800" kern="1200">
-                <a:solidFill>
-                  <a:schemeClr val="tx1"/>
-                </a:solidFill>
-                <a:latin typeface="+mn-lt"/>
-                <a:ea typeface="+mn-ea"/>
-                <a:cs typeface="+mn-cs"/>
-              </a:defRPr>
-            </a:lvl5pPr>
-            <a:lvl6pPr marL="2514600" indent="-228600" algn="l" defTabSz="914400" rtl="0" eaLnBrk="1" latinLnBrk="0" hangingPunct="1">
-              <a:lnSpc>
-                <a:spcPct val="90000"/>
-              </a:lnSpc>
-              <a:spcBef>
-                <a:spcPts val="500"/>
-              </a:spcBef>
-              <a:buFont typeface="Arial" panose="020B0604020202020204" pitchFamily="34" charset="0"/>
-              <a:buChar char="•"/>
-              <a:defRPr sz="1800" kern="1200">
-                <a:solidFill>
-                  <a:schemeClr val="tx1"/>
-                </a:solidFill>
-                <a:latin typeface="+mn-lt"/>
-                <a:ea typeface="+mn-ea"/>
-                <a:cs typeface="+mn-cs"/>
-              </a:defRPr>
-            </a:lvl6pPr>
-            <a:lvl7pPr marL="2971800" indent="-228600" algn="l" defTabSz="914400" rtl="0" eaLnBrk="1" latinLnBrk="0" hangingPunct="1">
-              <a:lnSpc>
-                <a:spcPct val="90000"/>
-              </a:lnSpc>
-              <a:spcBef>
-                <a:spcPts val="500"/>
-              </a:spcBef>
-              <a:buFont typeface="Arial" panose="020B0604020202020204" pitchFamily="34" charset="0"/>
-              <a:buChar char="•"/>
-              <a:defRPr sz="1800" kern="1200">
-                <a:solidFill>
-                  <a:schemeClr val="tx1"/>
-                </a:solidFill>
-                <a:latin typeface="+mn-lt"/>
-                <a:ea typeface="+mn-ea"/>
-                <a:cs typeface="+mn-cs"/>
-              </a:defRPr>
-            </a:lvl7pPr>
-            <a:lvl8pPr marL="3429000" indent="-228600" algn="l" defTabSz="914400" rtl="0" eaLnBrk="1" latinLnBrk="0" hangingPunct="1">
-              <a:lnSpc>
-                <a:spcPct val="90000"/>
-              </a:lnSpc>
-              <a:spcBef>
-                <a:spcPts val="500"/>
-              </a:spcBef>
-              <a:buFont typeface="Arial" panose="020B0604020202020204" pitchFamily="34" charset="0"/>
-              <a:buChar char="•"/>
-              <a:defRPr sz="1800" kern="1200">
-                <a:solidFill>
-                  <a:schemeClr val="tx1"/>
-                </a:solidFill>
-                <a:latin typeface="+mn-lt"/>
-                <a:ea typeface="+mn-ea"/>
-                <a:cs typeface="+mn-cs"/>
-              </a:defRPr>
-            </a:lvl8pPr>
-            <a:lvl9pPr marL="3886200" indent="-228600" algn="l" defTabSz="914400" rtl="0" eaLnBrk="1" latinLnBrk="0" hangingPunct="1">
-              <a:lnSpc>
-                <a:spcPct val="90000"/>
-              </a:lnSpc>
-              <a:spcBef>
-                <a:spcPts val="500"/>
-              </a:spcBef>
-              <a:buFont typeface="Arial" panose="020B0604020202020204" pitchFamily="34" charset="0"/>
-              <a:buChar char="•"/>
-              <a:defRPr sz="1800" kern="1200">
-                <a:solidFill>
-                  <a:schemeClr val="tx1"/>
-                </a:solidFill>
-                <a:latin typeface="+mn-lt"/>
-                <a:ea typeface="+mn-ea"/>
-                <a:cs typeface="+mn-cs"/>
-              </a:defRPr>
-            </a:lvl9pPr>
-          </a:lstStyle>
-          <a:p>
-            <a:pPr>
-              <a:buFont typeface="Arial"/>
-              <a:buChar char="•"/>
-            </a:pPr>
-            <a:r>
-              <a:rPr lang="de-CH" sz="2000" dirty="0" err="1">
-                <a:solidFill>
-                  <a:schemeClr val="bg1"/>
-                </a:solidFill>
-              </a:rPr>
-              <a:t>Numerical</a:t>
-            </a:r>
-            <a:r>
-              <a:rPr lang="de-CH" sz="2000" dirty="0">
-                <a:solidFill>
-                  <a:schemeClr val="bg1"/>
-                </a:solidFill>
-              </a:rPr>
-              <a:t> </a:t>
-            </a:r>
-            <a:r>
-              <a:rPr lang="de-CH" sz="2000" dirty="0" err="1">
-                <a:solidFill>
-                  <a:schemeClr val="bg1"/>
-                </a:solidFill>
-              </a:rPr>
-              <a:t>columns</a:t>
-            </a:r>
-            <a:r>
-              <a:rPr lang="de-CH" sz="2000" dirty="0">
-                <a:solidFill>
-                  <a:schemeClr val="bg1"/>
-                </a:solidFill>
-              </a:rPr>
-              <a:t>: </a:t>
-            </a:r>
-            <a:r>
-              <a:rPr lang="de-CH" sz="2000" dirty="0" err="1">
-                <a:solidFill>
-                  <a:schemeClr val="bg1"/>
-                </a:solidFill>
-              </a:rPr>
-              <a:t>Replace</a:t>
-            </a:r>
-            <a:r>
-              <a:rPr lang="de-CH" sz="2000" dirty="0">
-                <a:solidFill>
-                  <a:schemeClr val="bg1"/>
-                </a:solidFill>
-              </a:rPr>
-              <a:t> </a:t>
-            </a:r>
-            <a:r>
-              <a:rPr lang="de-CH" sz="2000" dirty="0" err="1">
-                <a:solidFill>
-                  <a:schemeClr val="bg1"/>
-                </a:solidFill>
-              </a:rPr>
-              <a:t>missing</a:t>
-            </a:r>
-            <a:r>
-              <a:rPr lang="de-CH" sz="2000" dirty="0">
-                <a:solidFill>
-                  <a:schemeClr val="bg1"/>
-                </a:solidFill>
-              </a:rPr>
-              <a:t> </a:t>
-            </a:r>
-            <a:r>
-              <a:rPr lang="de-CH" sz="2000" dirty="0" err="1">
-                <a:solidFill>
-                  <a:schemeClr val="bg1"/>
-                </a:solidFill>
-              </a:rPr>
-              <a:t>values</a:t>
-            </a:r>
-            <a:r>
-              <a:rPr lang="de-CH" sz="2000" dirty="0">
-                <a:solidFill>
-                  <a:schemeClr val="bg1"/>
-                </a:solidFill>
-              </a:rPr>
-              <a:t> </a:t>
-            </a:r>
-            <a:r>
-              <a:rPr lang="de-CH" sz="2000" dirty="0" err="1">
-                <a:solidFill>
-                  <a:schemeClr val="bg1"/>
-                </a:solidFill>
-              </a:rPr>
-              <a:t>with</a:t>
-            </a:r>
-            <a:r>
-              <a:rPr lang="de-CH" sz="2000" dirty="0">
-                <a:solidFill>
-                  <a:schemeClr val="bg1"/>
-                </a:solidFill>
-              </a:rPr>
-              <a:t> </a:t>
-            </a:r>
-            <a:r>
-              <a:rPr lang="de-CH" sz="2000" dirty="0">
-                <a:solidFill>
-                  <a:schemeClr val="bg1"/>
-                </a:solidFill>
-                <a:latin typeface="Calibri"/>
-                <a:cs typeface="Calibri"/>
-              </a:rPr>
-              <a:t>median</a:t>
-            </a:r>
-            <a:endParaRPr lang="en-US" sz="2000" dirty="0">
-              <a:solidFill>
-                <a:schemeClr val="bg1"/>
-              </a:solidFill>
-              <a:latin typeface="Calibri"/>
-              <a:cs typeface="Calibri"/>
-            </a:endParaRPr>
-          </a:p>
-          <a:p>
-            <a:pPr>
-              <a:buFont typeface="Arial"/>
-              <a:buChar char="•"/>
-            </a:pPr>
-            <a:r>
-              <a:rPr lang="de-CH" sz="2000" dirty="0" err="1">
-                <a:solidFill>
-                  <a:schemeClr val="bg1"/>
-                </a:solidFill>
-              </a:rPr>
-              <a:t>Categorical</a:t>
-            </a:r>
-            <a:r>
-              <a:rPr lang="de-CH" sz="2000" dirty="0">
-                <a:solidFill>
-                  <a:schemeClr val="bg1"/>
-                </a:solidFill>
-              </a:rPr>
-              <a:t> </a:t>
-            </a:r>
-            <a:r>
-              <a:rPr lang="de-CH" sz="2000" dirty="0" err="1">
-                <a:solidFill>
-                  <a:schemeClr val="bg1"/>
-                </a:solidFill>
-              </a:rPr>
-              <a:t>columns</a:t>
-            </a:r>
-            <a:r>
-              <a:rPr lang="de-CH" sz="2000" dirty="0">
-                <a:solidFill>
-                  <a:schemeClr val="bg1"/>
-                </a:solidFill>
-              </a:rPr>
-              <a:t>: </a:t>
-            </a:r>
-            <a:r>
-              <a:rPr lang="de-CH" sz="2000" dirty="0" err="1">
-                <a:solidFill>
-                  <a:schemeClr val="bg1"/>
-                </a:solidFill>
-              </a:rPr>
-              <a:t>Replace</a:t>
-            </a:r>
-            <a:r>
-              <a:rPr lang="de-CH" sz="2000" dirty="0">
-                <a:solidFill>
-                  <a:schemeClr val="bg1"/>
-                </a:solidFill>
-              </a:rPr>
-              <a:t> </a:t>
-            </a:r>
-            <a:r>
-              <a:rPr lang="de-CH" sz="2000" dirty="0" err="1">
-                <a:solidFill>
-                  <a:schemeClr val="bg1"/>
-                </a:solidFill>
-              </a:rPr>
-              <a:t>missing</a:t>
-            </a:r>
-            <a:r>
-              <a:rPr lang="de-CH" sz="2000" dirty="0">
-                <a:solidFill>
-                  <a:schemeClr val="bg1"/>
-                </a:solidFill>
-              </a:rPr>
-              <a:t> </a:t>
-            </a:r>
-            <a:r>
-              <a:rPr lang="de-CH" sz="2000" dirty="0" err="1">
-                <a:solidFill>
-                  <a:schemeClr val="bg1"/>
-                </a:solidFill>
-              </a:rPr>
-              <a:t>values</a:t>
-            </a:r>
-            <a:r>
-              <a:rPr lang="de-CH" sz="2000" dirty="0">
-                <a:solidFill>
-                  <a:schemeClr val="bg1"/>
-                </a:solidFill>
-              </a:rPr>
-              <a:t> </a:t>
-            </a:r>
-            <a:r>
-              <a:rPr lang="de-CH" sz="2000" dirty="0" err="1">
-                <a:solidFill>
-                  <a:schemeClr val="bg1"/>
-                </a:solidFill>
-              </a:rPr>
-              <a:t>with</a:t>
-            </a:r>
-            <a:r>
-              <a:rPr lang="de-CH" sz="2000" dirty="0">
-                <a:solidFill>
-                  <a:schemeClr val="bg1"/>
-                </a:solidFill>
-              </a:rPr>
-              <a:t> </a:t>
-            </a:r>
-            <a:r>
-              <a:rPr lang="de-CH" sz="2000" dirty="0">
-                <a:solidFill>
-                  <a:schemeClr val="bg1"/>
-                </a:solidFill>
-                <a:latin typeface="Calibri"/>
-                <a:cs typeface="Calibri"/>
-              </a:rPr>
-              <a:t>'</a:t>
-            </a:r>
-            <a:r>
-              <a:rPr lang="de-CH" sz="2000" dirty="0" err="1">
-                <a:solidFill>
-                  <a:schemeClr val="bg1"/>
-                </a:solidFill>
-                <a:latin typeface="Calibri"/>
-                <a:cs typeface="Calibri"/>
-              </a:rPr>
-              <a:t>Unknown</a:t>
-            </a:r>
-            <a:r>
-              <a:rPr lang="de-CH" sz="2000" dirty="0">
-                <a:solidFill>
-                  <a:schemeClr val="bg1"/>
-                </a:solidFill>
-                <a:latin typeface="Calibri"/>
-                <a:cs typeface="Calibri"/>
-              </a:rPr>
-              <a:t>'</a:t>
-            </a:r>
-            <a:r>
-              <a:rPr lang="de-CH" sz="2000" dirty="0">
-                <a:solidFill>
-                  <a:schemeClr val="bg1"/>
-                </a:solidFill>
-              </a:rPr>
-              <a:t> and </a:t>
-            </a:r>
-            <a:r>
-              <a:rPr lang="de-CH" sz="2000" dirty="0">
-                <a:solidFill>
-                  <a:schemeClr val="bg1"/>
-                </a:solidFill>
-                <a:latin typeface="Calibri"/>
-                <a:cs typeface="Calibri"/>
-              </a:rPr>
-              <a:t>'NA'</a:t>
-            </a:r>
-          </a:p>
-          <a:p>
-            <a:r>
-              <a:rPr lang="de-CH" sz="2000" dirty="0" err="1">
-                <a:solidFill>
-                  <a:schemeClr val="bg1"/>
-                </a:solidFill>
-              </a:rPr>
-              <a:t>We</a:t>
-            </a:r>
-            <a:r>
-              <a:rPr lang="de-CH" sz="2000" dirty="0">
-                <a:solidFill>
-                  <a:schemeClr val="bg1"/>
-                </a:solidFill>
-              </a:rPr>
-              <a:t> </a:t>
-            </a:r>
-            <a:r>
-              <a:rPr lang="de-CH" sz="2000" dirty="0" err="1">
-                <a:solidFill>
-                  <a:schemeClr val="bg1"/>
-                </a:solidFill>
-              </a:rPr>
-              <a:t>tried</a:t>
-            </a:r>
-            <a:r>
-              <a:rPr lang="de-CH" sz="2000" dirty="0">
-                <a:solidFill>
-                  <a:schemeClr val="bg1"/>
-                </a:solidFill>
-              </a:rPr>
-              <a:t> </a:t>
-            </a:r>
-            <a:r>
-              <a:rPr lang="de-CH" sz="2000" dirty="0" err="1">
-                <a:solidFill>
-                  <a:schemeClr val="bg1"/>
-                </a:solidFill>
-              </a:rPr>
-              <a:t>handling</a:t>
-            </a:r>
-            <a:r>
-              <a:rPr lang="de-CH" sz="2000" dirty="0">
-                <a:solidFill>
-                  <a:schemeClr val="bg1"/>
-                </a:solidFill>
-              </a:rPr>
-              <a:t> </a:t>
-            </a:r>
-            <a:r>
-              <a:rPr lang="de-CH" sz="2000" dirty="0" err="1">
-                <a:solidFill>
-                  <a:schemeClr val="bg1"/>
-                </a:solidFill>
-              </a:rPr>
-              <a:t>categorical</a:t>
-            </a:r>
-            <a:r>
-              <a:rPr lang="de-CH" sz="2000" dirty="0">
-                <a:solidFill>
-                  <a:schemeClr val="bg1"/>
-                </a:solidFill>
-              </a:rPr>
-              <a:t> </a:t>
-            </a:r>
-            <a:r>
-              <a:rPr lang="de-CH" sz="2000" dirty="0" err="1">
-                <a:solidFill>
-                  <a:schemeClr val="bg1"/>
-                </a:solidFill>
-              </a:rPr>
-              <a:t>missing</a:t>
-            </a:r>
-            <a:r>
-              <a:rPr lang="de-CH" sz="2000" dirty="0">
-                <a:solidFill>
-                  <a:schemeClr val="bg1"/>
-                </a:solidFill>
-              </a:rPr>
-              <a:t> </a:t>
-            </a:r>
-            <a:r>
-              <a:rPr lang="de-CH" sz="2000" dirty="0" err="1">
-                <a:solidFill>
-                  <a:schemeClr val="bg1"/>
-                </a:solidFill>
-              </a:rPr>
-              <a:t>values</a:t>
-            </a:r>
-            <a:r>
-              <a:rPr lang="de-CH" sz="2000" dirty="0">
-                <a:solidFill>
-                  <a:schemeClr val="bg1"/>
-                </a:solidFill>
-              </a:rPr>
-              <a:t> </a:t>
-            </a:r>
-            <a:r>
-              <a:rPr lang="de-CH" sz="2000" dirty="0" err="1">
-                <a:solidFill>
-                  <a:schemeClr val="bg1"/>
-                </a:solidFill>
-              </a:rPr>
-              <a:t>by</a:t>
-            </a:r>
-            <a:r>
-              <a:rPr lang="de-CH" sz="2000" dirty="0">
-                <a:solidFill>
-                  <a:schemeClr val="bg1"/>
-                </a:solidFill>
-              </a:rPr>
-              <a:t> </a:t>
-            </a:r>
-            <a:r>
-              <a:rPr lang="de-CH" sz="2000" dirty="0" err="1">
-                <a:solidFill>
-                  <a:schemeClr val="bg1"/>
-                </a:solidFill>
-              </a:rPr>
-              <a:t>using</a:t>
-            </a:r>
-            <a:r>
-              <a:rPr lang="de-CH" sz="2000" dirty="0">
-                <a:solidFill>
-                  <a:schemeClr val="bg1"/>
-                </a:solidFill>
-              </a:rPr>
-              <a:t>: </a:t>
-            </a:r>
-            <a:r>
-              <a:rPr lang="en-GB" sz="2000" dirty="0" err="1">
-                <a:solidFill>
-                  <a:srgbClr val="CB4B16"/>
-                </a:solidFill>
-                <a:latin typeface="Consolas"/>
-              </a:rPr>
-              <a:t>SimpleImputer</a:t>
-            </a:r>
-            <a:r>
-              <a:rPr lang="en-GB" sz="2000" dirty="0">
-                <a:solidFill>
-                  <a:srgbClr val="839496"/>
-                </a:solidFill>
-                <a:latin typeface="Consolas"/>
-              </a:rPr>
-              <a:t>(strategy</a:t>
-            </a:r>
-            <a:r>
-              <a:rPr lang="en-GB" sz="2000" dirty="0">
-                <a:solidFill>
-                  <a:srgbClr val="859900"/>
-                </a:solidFill>
-                <a:latin typeface="Consolas"/>
-              </a:rPr>
-              <a:t>=</a:t>
-            </a:r>
-            <a:r>
-              <a:rPr lang="en-GB" sz="2000" dirty="0">
-                <a:solidFill>
-                  <a:srgbClr val="2AA198"/>
-                </a:solidFill>
-                <a:latin typeface="Consolas"/>
-              </a:rPr>
-              <a:t>'</a:t>
-            </a:r>
-            <a:r>
-              <a:rPr lang="en-GB" sz="2000" dirty="0" err="1">
-                <a:solidFill>
-                  <a:srgbClr val="2AA198"/>
-                </a:solidFill>
-                <a:latin typeface="Consolas"/>
-              </a:rPr>
-              <a:t>most_frequent</a:t>
-            </a:r>
-            <a:r>
-              <a:rPr lang="en-GB" sz="2000" dirty="0">
-                <a:solidFill>
-                  <a:srgbClr val="2AA198"/>
-                </a:solidFill>
-                <a:latin typeface="Consolas"/>
-              </a:rPr>
-              <a:t>’</a:t>
-            </a:r>
-            <a:r>
-              <a:rPr lang="en-GB" sz="2000" dirty="0">
-                <a:solidFill>
-                  <a:srgbClr val="839496"/>
-                </a:solidFill>
-                <a:latin typeface="Consolas"/>
-              </a:rPr>
-              <a:t>)</a:t>
-            </a:r>
-            <a:endParaRPr lang="en-GB" sz="2000" dirty="0">
-              <a:solidFill>
-                <a:schemeClr val="bg1"/>
-              </a:solidFill>
-              <a:cs typeface="Calibri"/>
-            </a:endParaRPr>
+            <a:endParaRPr lang="en-GB" dirty="0"/>
           </a:p>
         </p:txBody>
       </p:sp>
@@ -5950,6 +6084,775 @@
               <a:t>2</a:t>
             </a:fld>
             <a:endParaRPr lang="en-GB"/>
+          </a:p>
+        </p:txBody>
+      </p:sp>
+      <p:grpSp>
+        <p:nvGrpSpPr>
+          <p:cNvPr id="19" name="Group 18">
+            <a:extLst>
+              <a:ext uri="{FF2B5EF4-FFF2-40B4-BE49-F238E27FC236}">
+                <a16:creationId xmlns:a16="http://schemas.microsoft.com/office/drawing/2014/main" id="{C3F03C8C-5A39-7CF0-852D-A0EAE5465E1D}"/>
+              </a:ext>
+            </a:extLst>
+          </p:cNvPr>
+          <p:cNvGrpSpPr/>
+          <p:nvPr/>
+        </p:nvGrpSpPr>
+        <p:grpSpPr>
+          <a:xfrm>
+            <a:off x="838198" y="4023847"/>
+            <a:ext cx="5148000" cy="1457123"/>
+            <a:chOff x="838198" y="4439058"/>
+            <a:chExt cx="4320000" cy="1980000"/>
+          </a:xfrm>
+        </p:grpSpPr>
+        <p:sp>
+          <p:nvSpPr>
+            <p:cNvPr id="9" name="Rectangle 8">
+              <a:extLst>
+                <a:ext uri="{FF2B5EF4-FFF2-40B4-BE49-F238E27FC236}">
+                  <a16:creationId xmlns:a16="http://schemas.microsoft.com/office/drawing/2014/main" id="{B6A66FDC-0EAF-ED7C-831C-3DDCA911F6D3}"/>
+                </a:ext>
+              </a:extLst>
+            </p:cNvPr>
+            <p:cNvSpPr/>
+            <p:nvPr/>
+          </p:nvSpPr>
+          <p:spPr>
+            <a:xfrm>
+              <a:off x="838198" y="4439058"/>
+              <a:ext cx="4320000" cy="1980000"/>
+            </a:xfrm>
+            <a:prstGeom prst="rect">
+              <a:avLst/>
+            </a:prstGeom>
+            <a:solidFill>
+              <a:schemeClr val="tx2">
+                <a:lumMod val="50000"/>
+              </a:schemeClr>
+            </a:solidFill>
+            <a:ln>
+              <a:noFill/>
+            </a:ln>
+          </p:spPr>
+          <p:style>
+            <a:lnRef idx="2">
+              <a:schemeClr val="accent1">
+                <a:shade val="50000"/>
+              </a:schemeClr>
+            </a:lnRef>
+            <a:fillRef idx="1">
+              <a:schemeClr val="accent1"/>
+            </a:fillRef>
+            <a:effectRef idx="0">
+              <a:schemeClr val="accent1"/>
+            </a:effectRef>
+            <a:fontRef idx="minor">
+              <a:schemeClr val="lt1"/>
+            </a:fontRef>
+          </p:style>
+          <p:txBody>
+            <a:bodyPr rtlCol="0" anchor="ctr"/>
+            <a:lstStyle/>
+            <a:p>
+              <a:pPr algn="ctr"/>
+              <a:endParaRPr lang="en-US"/>
+            </a:p>
+          </p:txBody>
+        </p:sp>
+        <p:sp>
+          <p:nvSpPr>
+            <p:cNvPr id="12" name="TextBox 11">
+              <a:extLst>
+                <a:ext uri="{FF2B5EF4-FFF2-40B4-BE49-F238E27FC236}">
+                  <a16:creationId xmlns:a16="http://schemas.microsoft.com/office/drawing/2014/main" id="{DB1899D3-D2F4-86EF-77D8-BE7A05639FF8}"/>
+                </a:ext>
+              </a:extLst>
+            </p:cNvPr>
+            <p:cNvSpPr txBox="1"/>
+            <p:nvPr/>
+          </p:nvSpPr>
+          <p:spPr>
+            <a:xfrm>
+              <a:off x="1350903" y="4906210"/>
+              <a:ext cx="3294589" cy="1045549"/>
+            </a:xfrm>
+            <a:prstGeom prst="rect">
+              <a:avLst/>
+            </a:prstGeom>
+            <a:solidFill>
+              <a:schemeClr val="tx2">
+                <a:lumMod val="50000"/>
+              </a:schemeClr>
+            </a:solidFill>
+            <a:ln>
+              <a:noFill/>
+            </a:ln>
+          </p:spPr>
+          <p:txBody>
+            <a:bodyPr rot="0" spcFirstLastPara="0" vertOverflow="overflow" horzOverflow="overflow" vert="horz" wrap="square" lIns="91440" tIns="45720" rIns="91440" bIns="45720" numCol="1" spcCol="0" rtlCol="0" fromWordArt="0" anchor="t" anchorCtr="0" forceAA="0" compatLnSpc="1">
+              <a:prstTxWarp prst="textNoShape">
+                <a:avLst/>
+              </a:prstTxWarp>
+              <a:spAutoFit/>
+            </a:bodyPr>
+            <a:lstStyle/>
+            <a:p>
+              <a:pPr algn="ctr"/>
+              <a:r>
+                <a:rPr lang="de-CH" sz="2400" dirty="0" err="1">
+                  <a:solidFill>
+                    <a:srgbClr val="FFFFFF"/>
+                  </a:solidFill>
+                  <a:cs typeface="Calibri"/>
+                </a:rPr>
+                <a:t>Numerical</a:t>
+              </a:r>
+              <a:r>
+                <a:rPr lang="de-CH" sz="2400" dirty="0">
+                  <a:solidFill>
+                    <a:srgbClr val="FFFFFF"/>
+                  </a:solidFill>
+                  <a:cs typeface="Calibri"/>
+                </a:rPr>
+                <a:t> Columns:</a:t>
+              </a:r>
+            </a:p>
+            <a:p>
+              <a:pPr algn="ctr"/>
+              <a:r>
+                <a:rPr lang="de-CH" sz="2000" dirty="0" err="1">
+                  <a:solidFill>
+                    <a:srgbClr val="FFFFFF"/>
+                  </a:solidFill>
+                  <a:cs typeface="Calibri"/>
+                </a:rPr>
+                <a:t>Replace</a:t>
+              </a:r>
+              <a:r>
+                <a:rPr lang="de-CH" sz="2000" dirty="0">
+                  <a:solidFill>
+                    <a:srgbClr val="FFFFFF"/>
+                  </a:solidFill>
+                  <a:cs typeface="Calibri"/>
+                </a:rPr>
+                <a:t> </a:t>
+              </a:r>
+              <a:r>
+                <a:rPr lang="de-CH" sz="2000" dirty="0" err="1">
+                  <a:solidFill>
+                    <a:srgbClr val="FFFFFF"/>
+                  </a:solidFill>
+                  <a:cs typeface="Calibri"/>
+                </a:rPr>
+                <a:t>missing</a:t>
+              </a:r>
+              <a:r>
+                <a:rPr lang="de-CH" sz="2000" dirty="0">
+                  <a:solidFill>
+                    <a:srgbClr val="FFFFFF"/>
+                  </a:solidFill>
+                  <a:cs typeface="Calibri"/>
+                </a:rPr>
+                <a:t> </a:t>
+              </a:r>
+              <a:r>
+                <a:rPr lang="de-CH" sz="2000" dirty="0" err="1">
+                  <a:solidFill>
+                    <a:srgbClr val="FFFFFF"/>
+                  </a:solidFill>
+                  <a:cs typeface="Calibri"/>
+                </a:rPr>
+                <a:t>values</a:t>
+              </a:r>
+              <a:r>
+                <a:rPr lang="de-CH" sz="2000" dirty="0">
+                  <a:solidFill>
+                    <a:srgbClr val="FFFFFF"/>
+                  </a:solidFill>
+                  <a:cs typeface="Calibri"/>
+                </a:rPr>
+                <a:t> </a:t>
+              </a:r>
+              <a:r>
+                <a:rPr lang="de-CH" sz="2000" dirty="0" err="1">
+                  <a:solidFill>
+                    <a:srgbClr val="FFFFFF"/>
+                  </a:solidFill>
+                  <a:cs typeface="Calibri"/>
+                </a:rPr>
+                <a:t>with</a:t>
+              </a:r>
+              <a:r>
+                <a:rPr lang="de-CH" sz="2000" dirty="0">
+                  <a:solidFill>
+                    <a:srgbClr val="FFFFFF"/>
+                  </a:solidFill>
+                  <a:cs typeface="Calibri"/>
+                </a:rPr>
+                <a:t> median</a:t>
+              </a:r>
+              <a:endParaRPr lang="en-US" dirty="0">
+                <a:cs typeface="Calibri" panose="020F0502020204030204"/>
+              </a:endParaRPr>
+            </a:p>
+          </p:txBody>
+        </p:sp>
+      </p:grpSp>
+      <p:grpSp>
+        <p:nvGrpSpPr>
+          <p:cNvPr id="20" name="Group 19">
+            <a:extLst>
+              <a:ext uri="{FF2B5EF4-FFF2-40B4-BE49-F238E27FC236}">
+                <a16:creationId xmlns:a16="http://schemas.microsoft.com/office/drawing/2014/main" id="{0C8386EF-802E-0BE0-B89C-427433E16A57}"/>
+              </a:ext>
+            </a:extLst>
+          </p:cNvPr>
+          <p:cNvGrpSpPr/>
+          <p:nvPr/>
+        </p:nvGrpSpPr>
+        <p:grpSpPr>
+          <a:xfrm>
+            <a:off x="6205798" y="4023794"/>
+            <a:ext cx="5148000" cy="1457123"/>
+            <a:chOff x="7125938" y="4440385"/>
+            <a:chExt cx="4320000" cy="1980000"/>
+          </a:xfrm>
+        </p:grpSpPr>
+        <p:sp>
+          <p:nvSpPr>
+            <p:cNvPr id="17" name="Rectangle 16">
+              <a:extLst>
+                <a:ext uri="{FF2B5EF4-FFF2-40B4-BE49-F238E27FC236}">
+                  <a16:creationId xmlns:a16="http://schemas.microsoft.com/office/drawing/2014/main" id="{BE65F652-3311-FE59-F2BB-2EBECB55BFF1}"/>
+                </a:ext>
+              </a:extLst>
+            </p:cNvPr>
+            <p:cNvSpPr/>
+            <p:nvPr/>
+          </p:nvSpPr>
+          <p:spPr>
+            <a:xfrm>
+              <a:off x="7125938" y="4440385"/>
+              <a:ext cx="4320000" cy="1980000"/>
+            </a:xfrm>
+            <a:prstGeom prst="rect">
+              <a:avLst/>
+            </a:prstGeom>
+            <a:solidFill>
+              <a:schemeClr val="tx2">
+                <a:lumMod val="50000"/>
+              </a:schemeClr>
+            </a:solidFill>
+            <a:ln>
+              <a:noFill/>
+            </a:ln>
+          </p:spPr>
+          <p:style>
+            <a:lnRef idx="2">
+              <a:schemeClr val="accent1">
+                <a:shade val="50000"/>
+              </a:schemeClr>
+            </a:lnRef>
+            <a:fillRef idx="1">
+              <a:schemeClr val="accent1"/>
+            </a:fillRef>
+            <a:effectRef idx="0">
+              <a:schemeClr val="accent1"/>
+            </a:effectRef>
+            <a:fontRef idx="minor">
+              <a:schemeClr val="lt1"/>
+            </a:fontRef>
+          </p:style>
+          <p:txBody>
+            <a:bodyPr rtlCol="0" anchor="ctr"/>
+            <a:lstStyle/>
+            <a:p>
+              <a:pPr algn="ctr"/>
+              <a:endParaRPr lang="en-US"/>
+            </a:p>
+          </p:txBody>
+        </p:sp>
+        <p:sp>
+          <p:nvSpPr>
+            <p:cNvPr id="18" name="TextBox 17">
+              <a:extLst>
+                <a:ext uri="{FF2B5EF4-FFF2-40B4-BE49-F238E27FC236}">
+                  <a16:creationId xmlns:a16="http://schemas.microsoft.com/office/drawing/2014/main" id="{92FB8A66-1B18-F3E8-7753-A028C090BC8C}"/>
+                </a:ext>
+              </a:extLst>
+            </p:cNvPr>
+            <p:cNvSpPr txBox="1"/>
+            <p:nvPr/>
+          </p:nvSpPr>
+          <p:spPr>
+            <a:xfrm>
+              <a:off x="7420537" y="4698498"/>
+              <a:ext cx="3730801" cy="1463769"/>
+            </a:xfrm>
+            <a:prstGeom prst="rect">
+              <a:avLst/>
+            </a:prstGeom>
+            <a:solidFill>
+              <a:schemeClr val="tx2">
+                <a:lumMod val="50000"/>
+              </a:schemeClr>
+            </a:solidFill>
+            <a:ln>
+              <a:noFill/>
+            </a:ln>
+          </p:spPr>
+          <p:txBody>
+            <a:bodyPr rot="0" spcFirstLastPara="0" vertOverflow="overflow" horzOverflow="overflow" vert="horz" wrap="square" lIns="91440" tIns="45720" rIns="91440" bIns="45720" numCol="1" spcCol="0" rtlCol="0" fromWordArt="0" anchor="t" anchorCtr="0" forceAA="0" compatLnSpc="1">
+              <a:prstTxWarp prst="textNoShape">
+                <a:avLst/>
+              </a:prstTxWarp>
+              <a:spAutoFit/>
+            </a:bodyPr>
+            <a:lstStyle/>
+            <a:p>
+              <a:pPr algn="ctr"/>
+              <a:r>
+                <a:rPr lang="de-CH" sz="2400" dirty="0" err="1">
+                  <a:solidFill>
+                    <a:schemeClr val="bg1"/>
+                  </a:solidFill>
+                </a:rPr>
+                <a:t>Categorical</a:t>
+              </a:r>
+              <a:r>
+                <a:rPr lang="de-CH" sz="2400" dirty="0">
+                  <a:solidFill>
+                    <a:schemeClr val="bg1"/>
+                  </a:solidFill>
+                </a:rPr>
+                <a:t> </a:t>
+              </a:r>
+              <a:r>
+                <a:rPr lang="de-CH" sz="2400" dirty="0" err="1">
+                  <a:solidFill>
+                    <a:schemeClr val="bg1"/>
+                  </a:solidFill>
+                </a:rPr>
+                <a:t>columns</a:t>
+              </a:r>
+              <a:r>
+                <a:rPr lang="de-CH" sz="2400" dirty="0">
+                  <a:solidFill>
+                    <a:schemeClr val="bg1"/>
+                  </a:solidFill>
+                </a:rPr>
+                <a:t>: </a:t>
+              </a:r>
+            </a:p>
+            <a:p>
+              <a:pPr algn="ctr"/>
+              <a:r>
+                <a:rPr lang="de-CH" sz="2000" dirty="0" err="1">
+                  <a:solidFill>
+                    <a:srgbClr val="FFFFFF"/>
+                  </a:solidFill>
+                  <a:cs typeface="Calibri"/>
+                </a:rPr>
+                <a:t>Replace</a:t>
+              </a:r>
+              <a:r>
+                <a:rPr lang="de-CH" sz="2000" dirty="0">
+                  <a:solidFill>
+                    <a:srgbClr val="FFFFFF"/>
+                  </a:solidFill>
+                  <a:cs typeface="Calibri"/>
+                </a:rPr>
+                <a:t> </a:t>
+              </a:r>
+              <a:r>
+                <a:rPr lang="de-CH" sz="2000" dirty="0" err="1">
+                  <a:solidFill>
+                    <a:srgbClr val="FFFFFF"/>
+                  </a:solidFill>
+                  <a:cs typeface="Calibri"/>
+                </a:rPr>
+                <a:t>missing</a:t>
+              </a:r>
+              <a:r>
+                <a:rPr lang="de-CH" sz="2000" dirty="0">
+                  <a:solidFill>
+                    <a:srgbClr val="FFFFFF"/>
+                  </a:solidFill>
+                  <a:cs typeface="Calibri"/>
+                </a:rPr>
+                <a:t> </a:t>
+              </a:r>
+              <a:r>
+                <a:rPr lang="de-CH" sz="2000" dirty="0" err="1">
+                  <a:solidFill>
+                    <a:srgbClr val="FFFFFF"/>
+                  </a:solidFill>
+                  <a:cs typeface="Calibri"/>
+                </a:rPr>
+                <a:t>values</a:t>
+              </a:r>
+              <a:r>
+                <a:rPr lang="de-CH" sz="2000" dirty="0">
+                  <a:solidFill>
+                    <a:srgbClr val="FFFFFF"/>
+                  </a:solidFill>
+                  <a:cs typeface="Calibri"/>
+                </a:rPr>
+                <a:t> </a:t>
+              </a:r>
+              <a:r>
+                <a:rPr lang="de-CH" sz="2000" dirty="0" err="1">
+                  <a:solidFill>
+                    <a:srgbClr val="FFFFFF"/>
+                  </a:solidFill>
+                  <a:cs typeface="Calibri"/>
+                </a:rPr>
+                <a:t>with</a:t>
+              </a:r>
+              <a:r>
+                <a:rPr lang="de-CH" sz="2000" dirty="0">
+                  <a:solidFill>
+                    <a:srgbClr val="FFFFFF"/>
+                  </a:solidFill>
+                  <a:cs typeface="Calibri"/>
+                </a:rPr>
+                <a:t> '</a:t>
+              </a:r>
+              <a:r>
+                <a:rPr lang="de-CH" sz="2000" dirty="0" err="1">
+                  <a:solidFill>
+                    <a:srgbClr val="FFFFFF"/>
+                  </a:solidFill>
+                  <a:cs typeface="Calibri"/>
+                </a:rPr>
+                <a:t>Unknown</a:t>
+              </a:r>
+              <a:r>
+                <a:rPr lang="de-CH" sz="2000" dirty="0">
+                  <a:solidFill>
+                    <a:srgbClr val="FFFFFF"/>
+                  </a:solidFill>
+                  <a:cs typeface="Calibri"/>
+                </a:rPr>
+                <a:t>' and 'NA'</a:t>
+              </a:r>
+              <a:endParaRPr lang="de-CH" sz="2400" dirty="0">
+                <a:solidFill>
+                  <a:srgbClr val="FFFFFF"/>
+                </a:solidFill>
+                <a:cs typeface="Calibri"/>
+              </a:endParaRPr>
+            </a:p>
+          </p:txBody>
+        </p:sp>
+      </p:grpSp>
+      <p:sp>
+        <p:nvSpPr>
+          <p:cNvPr id="22" name="TextBox 21">
+            <a:extLst>
+              <a:ext uri="{FF2B5EF4-FFF2-40B4-BE49-F238E27FC236}">
+                <a16:creationId xmlns:a16="http://schemas.microsoft.com/office/drawing/2014/main" id="{01FD920B-DFE5-39BF-1D9C-4ACB89405E28}"/>
+              </a:ext>
+            </a:extLst>
+          </p:cNvPr>
+          <p:cNvSpPr txBox="1"/>
+          <p:nvPr/>
+        </p:nvSpPr>
+        <p:spPr>
+          <a:xfrm>
+            <a:off x="838198" y="5626046"/>
+            <a:ext cx="10515600" cy="707886"/>
+          </a:xfrm>
+          <a:prstGeom prst="rect">
+            <a:avLst/>
+          </a:prstGeom>
+          <a:noFill/>
+        </p:spPr>
+        <p:txBody>
+          <a:bodyPr wrap="square">
+            <a:spAutoFit/>
+          </a:bodyPr>
+          <a:lstStyle/>
+          <a:p>
+            <a:r>
+              <a:rPr lang="de-CH" sz="2000" dirty="0" err="1">
+                <a:solidFill>
+                  <a:schemeClr val="bg1"/>
+                </a:solidFill>
+              </a:rPr>
+              <a:t>We</a:t>
+            </a:r>
+            <a:r>
+              <a:rPr lang="de-CH" sz="2000" dirty="0">
+                <a:solidFill>
+                  <a:schemeClr val="bg1"/>
+                </a:solidFill>
+              </a:rPr>
+              <a:t> </a:t>
+            </a:r>
+            <a:r>
+              <a:rPr lang="de-CH" sz="2000" dirty="0" err="1">
+                <a:solidFill>
+                  <a:schemeClr val="bg1"/>
+                </a:solidFill>
+              </a:rPr>
+              <a:t>tried</a:t>
+            </a:r>
+            <a:r>
+              <a:rPr lang="de-CH" sz="2000" dirty="0">
+                <a:solidFill>
+                  <a:schemeClr val="bg1"/>
+                </a:solidFill>
+              </a:rPr>
+              <a:t> </a:t>
+            </a:r>
+            <a:r>
+              <a:rPr lang="de-CH" sz="2000" dirty="0" err="1">
+                <a:solidFill>
+                  <a:schemeClr val="bg1"/>
+                </a:solidFill>
+              </a:rPr>
+              <a:t>handling</a:t>
+            </a:r>
+            <a:r>
+              <a:rPr lang="de-CH" sz="2000" dirty="0">
+                <a:solidFill>
+                  <a:schemeClr val="bg1"/>
+                </a:solidFill>
+              </a:rPr>
+              <a:t> </a:t>
+            </a:r>
+            <a:r>
+              <a:rPr lang="de-CH" sz="2000" dirty="0" err="1">
+                <a:solidFill>
+                  <a:schemeClr val="bg1"/>
+                </a:solidFill>
+              </a:rPr>
+              <a:t>categorical</a:t>
+            </a:r>
+            <a:r>
+              <a:rPr lang="de-CH" sz="2000" dirty="0">
+                <a:solidFill>
+                  <a:schemeClr val="bg1"/>
+                </a:solidFill>
+              </a:rPr>
+              <a:t> </a:t>
+            </a:r>
+            <a:r>
+              <a:rPr lang="de-CH" sz="2000" dirty="0" err="1">
+                <a:solidFill>
+                  <a:schemeClr val="bg1"/>
+                </a:solidFill>
+              </a:rPr>
+              <a:t>missing</a:t>
+            </a:r>
+            <a:r>
+              <a:rPr lang="de-CH" sz="2000" dirty="0">
+                <a:solidFill>
+                  <a:schemeClr val="bg1"/>
+                </a:solidFill>
+              </a:rPr>
+              <a:t> </a:t>
+            </a:r>
+            <a:r>
+              <a:rPr lang="de-CH" sz="2000" dirty="0" err="1">
+                <a:solidFill>
+                  <a:schemeClr val="bg1"/>
+                </a:solidFill>
+              </a:rPr>
+              <a:t>values</a:t>
+            </a:r>
+            <a:r>
+              <a:rPr lang="de-CH" sz="2000" dirty="0">
+                <a:solidFill>
+                  <a:schemeClr val="bg1"/>
+                </a:solidFill>
+              </a:rPr>
+              <a:t> </a:t>
+            </a:r>
+            <a:r>
+              <a:rPr lang="de-CH" sz="2000" dirty="0" err="1">
+                <a:solidFill>
+                  <a:schemeClr val="bg1"/>
+                </a:solidFill>
+              </a:rPr>
+              <a:t>by</a:t>
+            </a:r>
+            <a:r>
+              <a:rPr lang="de-CH" sz="2000" dirty="0">
+                <a:solidFill>
+                  <a:schemeClr val="bg1"/>
+                </a:solidFill>
+              </a:rPr>
+              <a:t> </a:t>
+            </a:r>
+            <a:r>
+              <a:rPr lang="de-CH" sz="2000" dirty="0" err="1">
+                <a:solidFill>
+                  <a:schemeClr val="bg1"/>
+                </a:solidFill>
+              </a:rPr>
+              <a:t>using</a:t>
+            </a:r>
+            <a:r>
+              <a:rPr lang="de-CH" sz="2000" dirty="0">
+                <a:solidFill>
+                  <a:schemeClr val="bg1"/>
+                </a:solidFill>
+              </a:rPr>
+              <a:t>: </a:t>
+            </a:r>
+            <a:r>
+              <a:rPr lang="en-GB" sz="2000" dirty="0" err="1">
+                <a:solidFill>
+                  <a:srgbClr val="CB4B16"/>
+                </a:solidFill>
+                <a:latin typeface="Consolas"/>
+              </a:rPr>
+              <a:t>SimpleImputer</a:t>
+            </a:r>
+            <a:r>
+              <a:rPr lang="en-GB" sz="2000" dirty="0">
+                <a:solidFill>
+                  <a:srgbClr val="839496"/>
+                </a:solidFill>
+                <a:latin typeface="Consolas"/>
+              </a:rPr>
+              <a:t>(strategy</a:t>
+            </a:r>
+            <a:r>
+              <a:rPr lang="en-GB" sz="2000" dirty="0">
+                <a:solidFill>
+                  <a:srgbClr val="859900"/>
+                </a:solidFill>
+                <a:latin typeface="Consolas"/>
+              </a:rPr>
+              <a:t>=</a:t>
+            </a:r>
+            <a:r>
+              <a:rPr lang="en-GB" sz="2000" dirty="0">
+                <a:solidFill>
+                  <a:srgbClr val="2AA198"/>
+                </a:solidFill>
+                <a:latin typeface="Consolas"/>
+              </a:rPr>
+              <a:t>'</a:t>
+            </a:r>
+            <a:r>
+              <a:rPr lang="en-GB" sz="2000" dirty="0" err="1">
+                <a:solidFill>
+                  <a:srgbClr val="2AA198"/>
+                </a:solidFill>
+                <a:latin typeface="Consolas"/>
+              </a:rPr>
+              <a:t>most_frequent</a:t>
+            </a:r>
+            <a:r>
+              <a:rPr lang="en-GB" sz="2000" dirty="0">
+                <a:solidFill>
+                  <a:srgbClr val="2AA198"/>
+                </a:solidFill>
+                <a:latin typeface="Consolas"/>
+              </a:rPr>
+              <a:t>’</a:t>
+            </a:r>
+            <a:r>
+              <a:rPr lang="en-GB" sz="2000" dirty="0">
+                <a:solidFill>
+                  <a:srgbClr val="839496"/>
+                </a:solidFill>
+                <a:latin typeface="Consolas"/>
+              </a:rPr>
+              <a:t>)</a:t>
+            </a:r>
+            <a:r>
+              <a:rPr lang="de-CH" sz="2000" dirty="0">
+                <a:solidFill>
+                  <a:schemeClr val="bg1"/>
+                </a:solidFill>
+              </a:rPr>
+              <a:t> but </a:t>
+            </a:r>
+            <a:r>
+              <a:rPr lang="de-CH" sz="2000" dirty="0" err="1">
+                <a:solidFill>
+                  <a:schemeClr val="bg1"/>
+                </a:solidFill>
+              </a:rPr>
+              <a:t>this</a:t>
+            </a:r>
+            <a:r>
+              <a:rPr lang="de-CH" sz="2000" dirty="0">
+                <a:solidFill>
+                  <a:schemeClr val="bg1"/>
+                </a:solidFill>
+              </a:rPr>
+              <a:t> </a:t>
+            </a:r>
+            <a:r>
+              <a:rPr lang="de-CH" sz="2000" dirty="0" err="1">
+                <a:solidFill>
+                  <a:schemeClr val="bg1"/>
+                </a:solidFill>
+              </a:rPr>
+              <a:t>lead</a:t>
+            </a:r>
+            <a:r>
+              <a:rPr lang="de-CH" sz="2000" dirty="0">
+                <a:solidFill>
+                  <a:schemeClr val="bg1"/>
+                </a:solidFill>
+              </a:rPr>
+              <a:t> </a:t>
+            </a:r>
+            <a:r>
+              <a:rPr lang="de-CH" sz="2000" dirty="0" err="1">
+                <a:solidFill>
+                  <a:schemeClr val="bg1"/>
+                </a:solidFill>
+              </a:rPr>
+              <a:t>to</a:t>
+            </a:r>
+            <a:r>
+              <a:rPr lang="de-CH" sz="2000" dirty="0">
+                <a:solidFill>
+                  <a:schemeClr val="bg1"/>
+                </a:solidFill>
+              </a:rPr>
+              <a:t> a </a:t>
+            </a:r>
+            <a:r>
+              <a:rPr lang="de-CH" sz="2000" dirty="0" err="1">
+                <a:solidFill>
+                  <a:schemeClr val="bg1"/>
+                </a:solidFill>
+              </a:rPr>
+              <a:t>worse</a:t>
+            </a:r>
+            <a:r>
+              <a:rPr lang="de-CH" sz="2000" dirty="0">
+                <a:solidFill>
+                  <a:schemeClr val="bg1"/>
+                </a:solidFill>
+              </a:rPr>
+              <a:t> </a:t>
+            </a:r>
+            <a:r>
+              <a:rPr lang="de-CH" sz="2000" dirty="0" err="1">
+                <a:solidFill>
+                  <a:schemeClr val="bg1"/>
+                </a:solidFill>
+              </a:rPr>
+              <a:t>performance</a:t>
+            </a:r>
+            <a:endParaRPr lang="en-GB" sz="2000" dirty="0">
+              <a:solidFill>
+                <a:schemeClr val="bg1"/>
+              </a:solidFill>
+              <a:cs typeface="Calibri"/>
+            </a:endParaRPr>
           </a:p>
         </p:txBody>
       </p:sp>
@@ -6049,7 +6952,7 @@
         </p:spPr>
         <p:txBody>
           <a:bodyPr vert="horz" lIns="91440" tIns="45720" rIns="91440" bIns="45720" rtlCol="0" anchor="t">
-            <a:normAutofit/>
+            <a:normAutofit fontScale="92500"/>
           </a:bodyPr>
           <a:lstStyle/>
           <a:p>
@@ -6057,7 +6960,7 @@
               <a:buNone/>
             </a:pPr>
             <a:r>
-              <a:rPr lang="en-GB" sz="1800" b="0" i="1">
+              <a:rPr lang="en-GB" sz="2400" b="0" i="1" dirty="0">
                 <a:solidFill>
                   <a:srgbClr val="586E75"/>
                 </a:solidFill>
@@ -6068,7 +6971,7 @@
               <a:t># Convert categorical columns to numeric using </a:t>
             </a:r>
             <a:r>
-              <a:rPr lang="en-GB" sz="1800" b="0" i="1" err="1">
+              <a:rPr lang="en-GB" sz="2400" b="0" i="1" dirty="0" err="1">
                 <a:solidFill>
                   <a:srgbClr val="586E75"/>
                 </a:solidFill>
@@ -6079,7 +6982,7 @@
               <a:t>get_dummies</a:t>
             </a:r>
             <a:r>
-              <a:rPr lang="en-GB" sz="1800" b="0" i="1">
+              <a:rPr lang="en-GB" sz="2400" b="0" i="1" dirty="0">
                 <a:solidFill>
                   <a:srgbClr val="586E75"/>
                 </a:solidFill>
@@ -6089,7 +6992,7 @@
               </a:rPr>
               <a:t> encoding</a:t>
             </a:r>
-            <a:endParaRPr lang="en-GB" sz="1800" b="0">
+            <a:endParaRPr lang="en-GB" sz="2400" b="0" dirty="0">
               <a:solidFill>
                 <a:srgbClr val="839496"/>
               </a:solidFill>
@@ -6103,7 +7006,7 @@
               <a:buNone/>
             </a:pPr>
             <a:r>
-              <a:rPr lang="en-GB" sz="1800" b="0" err="1">
+              <a:rPr lang="en-GB" sz="2400" b="0" dirty="0" err="1">
                 <a:solidFill>
                   <a:srgbClr val="268BD2"/>
                 </a:solidFill>
@@ -6114,7 +7017,7 @@
               <a:t>df</a:t>
             </a:r>
             <a:r>
-              <a:rPr lang="en-GB" sz="1800" b="0">
+              <a:rPr lang="en-GB" sz="2400" b="0" dirty="0">
                 <a:solidFill>
                   <a:srgbClr val="839496"/>
                 </a:solidFill>
@@ -6125,7 +7028,7 @@
               <a:t> </a:t>
             </a:r>
             <a:r>
-              <a:rPr lang="en-GB" sz="1800" b="0">
+              <a:rPr lang="en-GB" sz="2400" b="0" dirty="0">
                 <a:solidFill>
                   <a:srgbClr val="859900"/>
                 </a:solidFill>
@@ -6136,7 +7039,7 @@
               <a:t>=</a:t>
             </a:r>
             <a:r>
-              <a:rPr lang="en-GB" sz="1800" b="0">
+              <a:rPr lang="en-GB" sz="2400" b="0" dirty="0">
                 <a:solidFill>
                   <a:srgbClr val="839496"/>
                 </a:solidFill>
@@ -6147,7 +7050,7 @@
               <a:t> </a:t>
             </a:r>
             <a:r>
-              <a:rPr lang="en-GB" sz="1800" b="0" err="1">
+              <a:rPr lang="en-GB" sz="2400" b="0" dirty="0" err="1">
                 <a:solidFill>
                   <a:srgbClr val="CB4B16"/>
                 </a:solidFill>
@@ -6158,7 +7061,7 @@
               <a:t>pd</a:t>
             </a:r>
             <a:r>
-              <a:rPr lang="en-GB" sz="1800" b="0" err="1">
+              <a:rPr lang="en-GB" sz="2400" b="0" dirty="0" err="1">
                 <a:solidFill>
                   <a:srgbClr val="839496"/>
                 </a:solidFill>
@@ -6169,7 +7072,7 @@
               <a:t>.</a:t>
             </a:r>
             <a:r>
-              <a:rPr lang="en-GB" sz="1800" b="0" err="1">
+              <a:rPr lang="en-GB" sz="2400" b="0" dirty="0" err="1">
                 <a:solidFill>
                   <a:srgbClr val="268BD2"/>
                 </a:solidFill>
@@ -6180,7 +7083,7 @@
               <a:t>get_dummies</a:t>
             </a:r>
             <a:r>
-              <a:rPr lang="en-GB" sz="1800" b="0">
+              <a:rPr lang="en-GB" sz="2400" b="0" dirty="0">
                 <a:solidFill>
                   <a:srgbClr val="839496"/>
                 </a:solidFill>
@@ -6191,7 +7094,7 @@
               <a:t>(</a:t>
             </a:r>
             <a:r>
-              <a:rPr lang="en-GB" sz="1800" b="0" err="1">
+              <a:rPr lang="en-GB" sz="2400" b="0" dirty="0" err="1">
                 <a:solidFill>
                   <a:srgbClr val="268BD2"/>
                 </a:solidFill>
@@ -6202,7 +7105,7 @@
               <a:t>df</a:t>
             </a:r>
             <a:r>
-              <a:rPr lang="en-GB" sz="1800" b="0">
+              <a:rPr lang="en-GB" sz="2400" b="0" dirty="0">
                 <a:solidFill>
                   <a:srgbClr val="839496"/>
                 </a:solidFill>
@@ -6213,7 +7116,7 @@
               <a:t>, columns</a:t>
             </a:r>
             <a:r>
-              <a:rPr lang="en-GB" sz="1800" b="0">
+              <a:rPr lang="en-GB" sz="2400" b="0" dirty="0">
                 <a:solidFill>
                   <a:srgbClr val="859900"/>
                 </a:solidFill>
@@ -6224,7 +7127,7 @@
               <a:t>=</a:t>
             </a:r>
             <a:r>
-              <a:rPr lang="en-GB" sz="1800" b="0" err="1">
+              <a:rPr lang="en-GB" sz="2400" b="0" dirty="0" err="1">
                 <a:solidFill>
                   <a:srgbClr val="268BD2"/>
                 </a:solidFill>
@@ -6235,7 +7138,7 @@
               <a:t>categorical_cols</a:t>
             </a:r>
             <a:r>
-              <a:rPr lang="en-GB" sz="1800" b="0">
+              <a:rPr lang="en-GB" sz="2400" b="0" dirty="0">
                 <a:solidFill>
                   <a:srgbClr val="839496"/>
                 </a:solidFill>
@@ -6264,7 +7167,7 @@
         </p:nvSpPr>
         <p:spPr>
           <a:xfrm>
-            <a:off x="838200" y="3563937"/>
+            <a:off x="838200" y="3027429"/>
             <a:ext cx="10515600" cy="2613025"/>
           </a:xfrm>
           <a:prstGeom prst="rect">
@@ -6441,7 +7344,7 @@
           </a:lstStyle>
           <a:p>
             <a:r>
-              <a:rPr lang="de-CH" sz="2000" dirty="0" err="1">
+              <a:rPr lang="de-CH" sz="2400" dirty="0" err="1">
                 <a:solidFill>
                   <a:schemeClr val="bg1"/>
                 </a:solidFill>
@@ -6450,7 +7353,7 @@
               <a:t>We</a:t>
             </a:r>
             <a:r>
-              <a:rPr lang="de-CH" sz="2000" dirty="0">
+              <a:rPr lang="de-CH" sz="2400" dirty="0">
                 <a:solidFill>
                   <a:schemeClr val="bg1"/>
                 </a:solidFill>
@@ -6459,7 +7362,7 @@
               <a:t> end </a:t>
             </a:r>
             <a:r>
-              <a:rPr lang="de-CH" sz="2000" dirty="0" err="1">
+              <a:rPr lang="de-CH" sz="2400" dirty="0" err="1">
                 <a:solidFill>
                   <a:schemeClr val="bg1"/>
                 </a:solidFill>
@@ -6468,7 +7371,7 @@
               <a:t>up</a:t>
             </a:r>
             <a:r>
-              <a:rPr lang="de-CH" sz="2000" dirty="0">
+              <a:rPr lang="de-CH" sz="2400" dirty="0">
                 <a:solidFill>
                   <a:schemeClr val="bg1"/>
                 </a:solidFill>
@@ -6477,7 +7380,7 @@
               <a:t> </a:t>
             </a:r>
             <a:r>
-              <a:rPr lang="de-CH" sz="2000" dirty="0" err="1">
+              <a:rPr lang="de-CH" sz="2400" dirty="0" err="1">
                 <a:solidFill>
                   <a:schemeClr val="bg1"/>
                 </a:solidFill>
@@ -6486,7 +7389,7 @@
               <a:t>with</a:t>
             </a:r>
             <a:r>
-              <a:rPr lang="de-CH" sz="2000" dirty="0">
+              <a:rPr lang="de-CH" sz="2400" dirty="0">
                 <a:solidFill>
                   <a:schemeClr val="bg1"/>
                 </a:solidFill>
@@ -6495,7 +7398,7 @@
               <a:t> 305 </a:t>
             </a:r>
             <a:r>
-              <a:rPr lang="de-CH" sz="2000" dirty="0" err="1">
+              <a:rPr lang="de-CH" sz="2400" dirty="0" err="1">
                 <a:solidFill>
                   <a:schemeClr val="bg1"/>
                 </a:solidFill>
@@ -6503,7 +7406,7 @@
               </a:rPr>
               <a:t>columns</a:t>
             </a:r>
-            <a:endParaRPr lang="de-CH" sz="2000" dirty="0">
+            <a:endParaRPr lang="de-CH" sz="2400" dirty="0">
               <a:solidFill>
                 <a:schemeClr val="bg1"/>
               </a:solidFill>
@@ -6512,7 +7415,7 @@
           </a:p>
           <a:p>
             <a:r>
-              <a:rPr lang="de-CH" sz="2000" dirty="0" err="1">
+              <a:rPr lang="de-CH" sz="2400" dirty="0" err="1">
                 <a:solidFill>
                   <a:schemeClr val="bg1"/>
                 </a:solidFill>
@@ -6521,7 +7424,7 @@
               <a:t>Tried</a:t>
             </a:r>
             <a:r>
-              <a:rPr lang="de-CH" sz="2000" dirty="0">
+              <a:rPr lang="de-CH" sz="2400" dirty="0">
                 <a:solidFill>
                   <a:schemeClr val="bg1"/>
                 </a:solidFill>
@@ -6530,7 +7433,7 @@
               <a:t> </a:t>
             </a:r>
             <a:r>
-              <a:rPr lang="de-CH" sz="2000" dirty="0" err="1">
+              <a:rPr lang="de-CH" sz="2400" dirty="0" err="1">
                 <a:solidFill>
                   <a:schemeClr val="bg1"/>
                 </a:solidFill>
@@ -6539,7 +7442,7 @@
               <a:t>classifying</a:t>
             </a:r>
             <a:r>
-              <a:rPr lang="de-CH" sz="2000" dirty="0">
+              <a:rPr lang="de-CH" sz="2400" dirty="0">
                 <a:solidFill>
                   <a:schemeClr val="bg1"/>
                 </a:solidFill>
@@ -6548,7 +7451,7 @@
               <a:t> </a:t>
             </a:r>
             <a:r>
-              <a:rPr lang="en-GB" sz="2000" b="0" dirty="0">
+              <a:rPr lang="en-GB" sz="2400" b="0" dirty="0">
                 <a:solidFill>
                   <a:srgbClr val="839496"/>
                 </a:solidFill>
@@ -6558,7 +7461,7 @@
               <a:t>[</a:t>
             </a:r>
             <a:r>
-              <a:rPr lang="en-GB" sz="2000" b="0" dirty="0">
+              <a:rPr lang="en-GB" sz="2400" b="0" dirty="0">
                 <a:solidFill>
                   <a:srgbClr val="2AA198"/>
                 </a:solidFill>
@@ -6568,7 +7471,7 @@
               <a:t>'</a:t>
             </a:r>
             <a:r>
-              <a:rPr lang="en-GB" sz="2000" b="0" dirty="0" err="1">
+              <a:rPr lang="en-GB" sz="2400" b="0" dirty="0" err="1">
                 <a:solidFill>
                   <a:srgbClr val="2AA198"/>
                 </a:solidFill>
@@ -6578,7 +7481,7 @@
               <a:t>MSSubClass</a:t>
             </a:r>
             <a:r>
-              <a:rPr lang="en-GB" sz="2000" b="0" dirty="0">
+              <a:rPr lang="en-GB" sz="2400" b="0" dirty="0">
                 <a:solidFill>
                   <a:srgbClr val="2AA198"/>
                 </a:solidFill>
@@ -6588,7 +7491,7 @@
               <a:t>'</a:t>
             </a:r>
             <a:r>
-              <a:rPr lang="en-GB" sz="2000" b="0" dirty="0">
+              <a:rPr lang="en-GB" sz="2400" b="0" dirty="0">
                 <a:solidFill>
                   <a:srgbClr val="839496"/>
                 </a:solidFill>
@@ -6598,7 +7501,7 @@
               <a:t>, </a:t>
             </a:r>
             <a:r>
-              <a:rPr lang="en-GB" sz="2000" b="0" dirty="0">
+              <a:rPr lang="en-GB" sz="2400" b="0" dirty="0">
                 <a:solidFill>
                   <a:srgbClr val="2AA198"/>
                 </a:solidFill>
@@ -6608,7 +7511,7 @@
               <a:t>'</a:t>
             </a:r>
             <a:r>
-              <a:rPr lang="en-GB" sz="2000" b="0" dirty="0" err="1">
+              <a:rPr lang="en-GB" sz="2400" b="0" dirty="0" err="1">
                 <a:solidFill>
                   <a:srgbClr val="2AA198"/>
                 </a:solidFill>
@@ -6618,7 +7521,7 @@
               <a:t>OverallQual</a:t>
             </a:r>
             <a:r>
-              <a:rPr lang="en-GB" sz="2000" b="0" dirty="0">
+              <a:rPr lang="en-GB" sz="2400" b="0" dirty="0">
                 <a:solidFill>
                   <a:srgbClr val="2AA198"/>
                 </a:solidFill>
@@ -6628,7 +7531,7 @@
               <a:t>'</a:t>
             </a:r>
             <a:r>
-              <a:rPr lang="en-GB" sz="2000" b="0" dirty="0">
+              <a:rPr lang="en-GB" sz="2400" b="0" dirty="0">
                 <a:solidFill>
                   <a:srgbClr val="839496"/>
                 </a:solidFill>
@@ -6638,7 +7541,7 @@
               <a:t>, </a:t>
             </a:r>
             <a:r>
-              <a:rPr lang="en-GB" sz="2000" b="0" dirty="0">
+              <a:rPr lang="en-GB" sz="2400" b="0" dirty="0">
                 <a:solidFill>
                   <a:srgbClr val="2AA198"/>
                 </a:solidFill>
@@ -6648,7 +7551,7 @@
               <a:t>'</a:t>
             </a:r>
             <a:r>
-              <a:rPr lang="en-GB" sz="2000" b="0" dirty="0" err="1">
+              <a:rPr lang="en-GB" sz="2400" b="0" dirty="0" err="1">
                 <a:solidFill>
                   <a:srgbClr val="2AA198"/>
                 </a:solidFill>
@@ -6658,7 +7561,7 @@
               <a:t>OverallCond</a:t>
             </a:r>
             <a:r>
-              <a:rPr lang="en-GB" sz="2000" b="0" dirty="0">
+              <a:rPr lang="en-GB" sz="2400" b="0" dirty="0">
                 <a:solidFill>
                   <a:srgbClr val="2AA198"/>
                 </a:solidFill>
@@ -6668,7 +7571,7 @@
               <a:t>’</a:t>
             </a:r>
             <a:r>
-              <a:rPr lang="en-GB" sz="2000" b="0" dirty="0">
+              <a:rPr lang="en-GB" sz="2400" b="0" dirty="0">
                 <a:solidFill>
                   <a:srgbClr val="839496"/>
                 </a:solidFill>
@@ -6678,14 +7581,14 @@
               <a:t>]</a:t>
             </a:r>
             <a:r>
-              <a:rPr lang="en-GB" sz="2000" dirty="0">
+              <a:rPr lang="en-GB" sz="2400" dirty="0">
                 <a:solidFill>
                   <a:schemeClr val="bg1"/>
                 </a:solidFill>
               </a:rPr>
               <a:t> as categorical values, but this lead to a worse performance</a:t>
             </a:r>
-            <a:endParaRPr lang="en-GB" sz="2000" dirty="0">
+            <a:endParaRPr lang="en-GB" sz="2400" dirty="0">
               <a:solidFill>
                 <a:schemeClr val="bg1"/>
               </a:solidFill>
@@ -6693,15 +7596,10 @@
             </a:endParaRPr>
           </a:p>
           <a:p>
-            <a:endParaRPr lang="en-GB" sz="2000" dirty="0">
-              <a:solidFill>
-                <a:schemeClr val="bg1"/>
-              </a:solidFill>
-              <a:cs typeface="Calibri"/>
-            </a:endParaRPr>
-          </a:p>
-          <a:p>
-            <a:endParaRPr lang="en-GB" dirty="0">
+            <a:pPr marL="0" indent="0">
+              <a:buNone/>
+            </a:pPr>
+            <a:endParaRPr lang="en-GB" sz="3200" dirty="0">
               <a:cs typeface="Calibri" panose="020F0502020204030204"/>
             </a:endParaRPr>
           </a:p>
@@ -9503,7 +10401,7 @@
           <a:p>
             <a:pPr marL="342900" indent="-342900"/>
             <a:r>
-              <a:rPr lang="de-CH" sz="2000">
+              <a:rPr lang="de-CH" sz="2400" dirty="0">
                 <a:solidFill>
                   <a:schemeClr val="bg1"/>
                 </a:solidFill>
@@ -9512,7 +10410,7 @@
               <a:t>8 </a:t>
             </a:r>
             <a:r>
-              <a:rPr lang="de-CH" sz="2000" err="1">
+              <a:rPr lang="de-CH" sz="2400" dirty="0" err="1">
                 <a:solidFill>
                   <a:schemeClr val="bg1"/>
                 </a:solidFill>
@@ -9521,7 +10419,7 @@
               <a:t>new</a:t>
             </a:r>
             <a:r>
-              <a:rPr lang="de-CH" sz="2000">
+              <a:rPr lang="de-CH" sz="2400" dirty="0">
                 <a:solidFill>
                   <a:schemeClr val="bg1"/>
                 </a:solidFill>
@@ -9530,7 +10428,7 @@
               <a:t> </a:t>
             </a:r>
             <a:r>
-              <a:rPr lang="de-CH" sz="2000" err="1">
+              <a:rPr lang="de-CH" sz="2400" dirty="0" err="1">
                 <a:solidFill>
                   <a:schemeClr val="bg1"/>
                 </a:solidFill>
@@ -9538,7 +10436,7 @@
               </a:rPr>
               <a:t>features</a:t>
             </a:r>
-            <a:endParaRPr lang="en-GB" sz="2000">
+            <a:endParaRPr lang="en-GB" sz="2400" dirty="0">
               <a:solidFill>
                 <a:schemeClr val="bg1"/>
               </a:solidFill>
@@ -9667,102 +10565,102 @@
         </p:spPr>
         <p:txBody>
           <a:bodyPr vert="horz" lIns="91440" tIns="45720" rIns="91440" bIns="45720" rtlCol="0" anchor="t">
-            <a:normAutofit/>
+            <a:normAutofit fontScale="92500" lnSpcReduction="10000"/>
           </a:bodyPr>
           <a:lstStyle/>
           <a:p>
             <a:r>
-              <a:rPr lang="de-CH" sz="2000" dirty="0" err="1">
+              <a:rPr lang="de-CH" sz="2400" dirty="0" err="1">
                 <a:latin typeface="+mn-lt"/>
                 <a:cs typeface="+mn-cs"/>
               </a:rPr>
               <a:t>Combined</a:t>
             </a:r>
             <a:r>
-              <a:rPr lang="de-CH" sz="2000" dirty="0">
+              <a:rPr lang="de-CH" sz="2400" dirty="0">
                 <a:latin typeface="+mn-lt"/>
                 <a:cs typeface="+mn-cs"/>
               </a:rPr>
               <a:t> </a:t>
             </a:r>
             <a:r>
-              <a:rPr lang="de-CH" sz="2000" dirty="0" err="1">
+              <a:rPr lang="de-CH" sz="2400" dirty="0" err="1">
                 <a:latin typeface="+mn-lt"/>
                 <a:cs typeface="+mn-cs"/>
               </a:rPr>
               <a:t>existing</a:t>
             </a:r>
             <a:r>
-              <a:rPr lang="de-CH" sz="2000" dirty="0">
+              <a:rPr lang="de-CH" sz="2400" dirty="0">
                 <a:latin typeface="+mn-lt"/>
                 <a:cs typeface="+mn-cs"/>
               </a:rPr>
               <a:t> </a:t>
             </a:r>
             <a:r>
-              <a:rPr lang="de-CH" sz="2000" dirty="0" err="1">
+              <a:rPr lang="de-CH" sz="2400" dirty="0" err="1">
                 <a:latin typeface="+mn-lt"/>
                 <a:cs typeface="+mn-cs"/>
               </a:rPr>
               <a:t>features</a:t>
             </a:r>
             <a:r>
-              <a:rPr lang="de-CH" sz="2000" dirty="0">
+              <a:rPr lang="de-CH" sz="2400" dirty="0">
                 <a:latin typeface="+mn-lt"/>
                 <a:cs typeface="+mn-cs"/>
               </a:rPr>
               <a:t> </a:t>
             </a:r>
             <a:r>
-              <a:rPr lang="de-CH" sz="2000" dirty="0" err="1">
+              <a:rPr lang="de-CH" sz="2400" dirty="0" err="1">
                 <a:latin typeface="+mn-lt"/>
                 <a:cs typeface="+mn-cs"/>
               </a:rPr>
               <a:t>to</a:t>
             </a:r>
             <a:r>
-              <a:rPr lang="de-CH" sz="2000" dirty="0">
+              <a:rPr lang="de-CH" sz="2400" dirty="0">
                 <a:latin typeface="+mn-lt"/>
                 <a:cs typeface="+mn-cs"/>
               </a:rPr>
               <a:t> </a:t>
             </a:r>
             <a:r>
-              <a:rPr lang="de-CH" sz="2000" dirty="0" err="1">
+              <a:rPr lang="de-CH" sz="2400" dirty="0" err="1">
                 <a:latin typeface="+mn-lt"/>
                 <a:cs typeface="+mn-cs"/>
               </a:rPr>
               <a:t>create</a:t>
             </a:r>
             <a:r>
-              <a:rPr lang="de-CH" sz="2000" dirty="0">
+              <a:rPr lang="de-CH" sz="2400" dirty="0">
                 <a:latin typeface="+mn-lt"/>
                 <a:cs typeface="+mn-cs"/>
               </a:rPr>
               <a:t> 8 </a:t>
             </a:r>
             <a:r>
-              <a:rPr lang="de-CH" sz="2000" dirty="0" err="1">
+              <a:rPr lang="de-CH" sz="2400" dirty="0" err="1">
                 <a:latin typeface="+mn-lt"/>
                 <a:cs typeface="+mn-cs"/>
               </a:rPr>
               <a:t>new</a:t>
             </a:r>
             <a:r>
-              <a:rPr lang="de-CH" sz="2000" dirty="0">
+              <a:rPr lang="de-CH" sz="2400" dirty="0">
                 <a:latin typeface="+mn-lt"/>
                 <a:cs typeface="+mn-cs"/>
               </a:rPr>
               <a:t> </a:t>
             </a:r>
             <a:r>
-              <a:rPr lang="de-CH" sz="2000" dirty="0" err="1">
+              <a:rPr lang="de-CH" sz="2400" dirty="0" err="1">
                 <a:latin typeface="+mn-lt"/>
                 <a:cs typeface="+mn-cs"/>
               </a:rPr>
               <a:t>features</a:t>
             </a:r>
-            <a:endParaRPr lang="de-CH" sz="2000" dirty="0">
+            <a:endParaRPr lang="de-CH" sz="2400" dirty="0">
               <a:latin typeface="+mn-lt"/>
               <a:cs typeface="Calibri"/>
             </a:endParaRPr>
@@ -9770,395 +10668,81 @@
           <a:p>
             <a:pPr lvl="1"/>
             <a:r>
-              <a:rPr lang="de-CH" sz="2000" dirty="0">
-                <a:latin typeface="+mn-lt"/>
-                <a:cs typeface="+mn-cs"/>
-              </a:rPr>
-              <a:t>3 "Total" </a:t>
-            </a:r>
-            <a:r>
-              <a:rPr lang="de-CH" sz="2000" dirty="0" err="1">
-                <a:latin typeface="+mn-lt"/>
-                <a:cs typeface="+mn-cs"/>
-              </a:rPr>
-              <a:t>features</a:t>
-            </a:r>
-            <a:r>
-              <a:rPr lang="de-CH" sz="2000" dirty="0">
-                <a:latin typeface="+mn-lt"/>
-                <a:cs typeface="+mn-cs"/>
-              </a:rPr>
-              <a:t> (</a:t>
-            </a:r>
-            <a:r>
-              <a:rPr lang="de-CH" sz="2000" dirty="0" err="1">
-                <a:latin typeface="+mn-lt"/>
-                <a:cs typeface="+mn-cs"/>
-              </a:rPr>
-              <a:t>summation</a:t>
-            </a:r>
-            <a:r>
-              <a:rPr lang="de-CH" sz="2000" dirty="0">
-                <a:latin typeface="+mn-lt"/>
-                <a:cs typeface="+mn-cs"/>
-              </a:rPr>
-              <a:t> </a:t>
-            </a:r>
-            <a:r>
-              <a:rPr lang="de-CH" sz="2000" dirty="0" err="1">
-                <a:latin typeface="+mn-lt"/>
-                <a:cs typeface="+mn-cs"/>
-              </a:rPr>
-              <a:t>of</a:t>
-            </a:r>
-            <a:r>
-              <a:rPr lang="de-CH" sz="2000" dirty="0">
-                <a:latin typeface="+mn-lt"/>
-                <a:cs typeface="+mn-cs"/>
-              </a:rPr>
-              <a:t> </a:t>
-            </a:r>
-            <a:r>
-              <a:rPr lang="de-CH" sz="2000" dirty="0" err="1">
-                <a:latin typeface="+mn-lt"/>
-                <a:cs typeface="+mn-cs"/>
-              </a:rPr>
-              <a:t>related</a:t>
-            </a:r>
-            <a:r>
-              <a:rPr lang="de-CH" sz="2000" dirty="0">
-                <a:latin typeface="+mn-lt"/>
-                <a:cs typeface="+mn-cs"/>
-              </a:rPr>
-              <a:t> </a:t>
-            </a:r>
-            <a:r>
-              <a:rPr lang="de-CH" sz="2000" dirty="0" err="1">
-                <a:latin typeface="+mn-lt"/>
-                <a:cs typeface="+mn-cs"/>
-              </a:rPr>
-              <a:t>features</a:t>
-            </a:r>
-            <a:r>
-              <a:rPr lang="de-CH" sz="2000" dirty="0">
-                <a:latin typeface="+mn-lt"/>
-                <a:cs typeface="+mn-cs"/>
-              </a:rPr>
-              <a:t>)</a:t>
-            </a:r>
-            <a:endParaRPr lang="de-CH" sz="2000" dirty="0">
-              <a:latin typeface="+mn-lt"/>
-              <a:cs typeface="Calibri"/>
-            </a:endParaRPr>
-          </a:p>
-          <a:p>
-            <a:pPr lvl="1"/>
-            <a:r>
-              <a:rPr lang="de-CH" sz="2000" dirty="0">
-                <a:latin typeface="+mn-lt"/>
-                <a:cs typeface="+mn-cs"/>
-              </a:rPr>
-              <a:t>4 </a:t>
-            </a:r>
-            <a:r>
-              <a:rPr lang="de-CH" sz="2000" dirty="0" err="1">
-                <a:latin typeface="+mn-lt"/>
-                <a:cs typeface="+mn-cs"/>
-              </a:rPr>
-              <a:t>binary</a:t>
-            </a:r>
-            <a:r>
-              <a:rPr lang="de-CH" sz="2000" dirty="0">
-                <a:latin typeface="+mn-lt"/>
-                <a:cs typeface="+mn-cs"/>
-              </a:rPr>
-              <a:t> </a:t>
-            </a:r>
-            <a:r>
-              <a:rPr lang="de-CH" sz="2000" dirty="0" err="1">
-                <a:latin typeface="+mn-lt"/>
-                <a:cs typeface="+mn-cs"/>
-              </a:rPr>
-              <a:t>features</a:t>
-            </a:r>
-            <a:r>
-              <a:rPr lang="de-CH" sz="2000" dirty="0">
-                <a:latin typeface="+mn-lt"/>
-                <a:cs typeface="+mn-cs"/>
-              </a:rPr>
-              <a:t> (1 </a:t>
-            </a:r>
-            <a:r>
-              <a:rPr lang="de-CH" sz="2000" dirty="0" err="1">
-                <a:latin typeface="+mn-lt"/>
-                <a:cs typeface="+mn-cs"/>
-              </a:rPr>
-              <a:t>if</a:t>
-            </a:r>
-            <a:r>
-              <a:rPr lang="de-CH" sz="2000" dirty="0">
-                <a:latin typeface="+mn-lt"/>
-                <a:cs typeface="+mn-cs"/>
-              </a:rPr>
-              <a:t> feature </a:t>
-            </a:r>
-            <a:r>
-              <a:rPr lang="de-CH" sz="2000" dirty="0" err="1">
-                <a:latin typeface="+mn-lt"/>
-                <a:cs typeface="+mn-cs"/>
-              </a:rPr>
-              <a:t>exists</a:t>
-            </a:r>
-            <a:r>
-              <a:rPr lang="de-CH" sz="2000" dirty="0">
-                <a:latin typeface="+mn-lt"/>
-                <a:cs typeface="+mn-cs"/>
-              </a:rPr>
-              <a:t>, 0 </a:t>
-            </a:r>
-            <a:r>
-              <a:rPr lang="de-CH" sz="2000" dirty="0" err="1">
-                <a:latin typeface="+mn-lt"/>
-                <a:cs typeface="+mn-cs"/>
-              </a:rPr>
-              <a:t>if</a:t>
-            </a:r>
-            <a:r>
-              <a:rPr lang="de-CH" sz="2000" dirty="0">
-                <a:latin typeface="+mn-lt"/>
-                <a:cs typeface="+mn-cs"/>
-              </a:rPr>
-              <a:t> not)</a:t>
-            </a:r>
-            <a:endParaRPr lang="de-CH" sz="2000" dirty="0">
-              <a:latin typeface="+mn-lt"/>
-              <a:cs typeface="Calibri"/>
-            </a:endParaRPr>
-          </a:p>
-          <a:p>
-            <a:pPr lvl="1"/>
-            <a:r>
-              <a:rPr lang="de-CH" sz="2000" dirty="0">
-                <a:latin typeface="+mn-lt"/>
-                <a:cs typeface="+mn-cs"/>
-              </a:rPr>
-              <a:t>1 feature </a:t>
-            </a:r>
-            <a:r>
-              <a:rPr lang="de-CH" sz="2000" dirty="0" err="1">
-                <a:latin typeface="+mn-lt"/>
-                <a:cs typeface="+mn-cs"/>
-              </a:rPr>
-              <a:t>for</a:t>
-            </a:r>
-            <a:r>
-              <a:rPr lang="de-CH" sz="2000" dirty="0">
-                <a:latin typeface="+mn-lt"/>
-                <a:cs typeface="+mn-cs"/>
-              </a:rPr>
-              <a:t> </a:t>
-            </a:r>
-            <a:r>
-              <a:rPr lang="de-CH" sz="2000" dirty="0" err="1">
-                <a:latin typeface="+mn-lt"/>
-                <a:cs typeface="+mn-cs"/>
-              </a:rPr>
-              <a:t>remodeling</a:t>
-            </a:r>
-            <a:r>
-              <a:rPr lang="de-CH" sz="2000" dirty="0">
-                <a:latin typeface="+mn-lt"/>
-                <a:cs typeface="+mn-cs"/>
-              </a:rPr>
-              <a:t> and </a:t>
-            </a:r>
-            <a:r>
-              <a:rPr lang="de-CH" sz="2000" dirty="0" err="1">
-                <a:latin typeface="+mn-lt"/>
-                <a:cs typeface="+mn-cs"/>
-              </a:rPr>
-              <a:t>building</a:t>
-            </a:r>
-            <a:r>
-              <a:rPr lang="de-CH" sz="2000" dirty="0">
-                <a:latin typeface="+mn-lt"/>
-                <a:cs typeface="+mn-cs"/>
-              </a:rPr>
-              <a:t> </a:t>
-            </a:r>
-            <a:r>
-              <a:rPr lang="de-CH" sz="2000" dirty="0" err="1">
-                <a:latin typeface="+mn-lt"/>
-                <a:cs typeface="+mn-cs"/>
-              </a:rPr>
-              <a:t>dates</a:t>
-            </a:r>
-            <a:endParaRPr lang="de-CH" sz="2000" dirty="0">
-              <a:latin typeface="+mn-lt"/>
-              <a:cs typeface="Calibri"/>
-            </a:endParaRPr>
-          </a:p>
-          <a:p>
-            <a:r>
-              <a:rPr lang="de-CH" sz="2000" dirty="0" err="1">
-                <a:latin typeface="+mn-lt"/>
-                <a:cs typeface="+mn-cs"/>
-              </a:rPr>
-              <a:t>Correlation</a:t>
-            </a:r>
-            <a:r>
-              <a:rPr lang="de-CH" sz="2000" dirty="0">
-                <a:latin typeface="+mn-lt"/>
-                <a:cs typeface="+mn-cs"/>
-              </a:rPr>
-              <a:t> </a:t>
-            </a:r>
-            <a:r>
-              <a:rPr lang="de-CH" sz="2000" dirty="0" err="1">
-                <a:latin typeface="+mn-lt"/>
-                <a:cs typeface="+mn-cs"/>
-              </a:rPr>
-              <a:t>checks</a:t>
-            </a:r>
-            <a:r>
-              <a:rPr lang="de-CH" sz="2000" dirty="0">
-                <a:latin typeface="+mn-lt"/>
-                <a:cs typeface="+mn-cs"/>
-              </a:rPr>
-              <a:t> </a:t>
-            </a:r>
-            <a:r>
-              <a:rPr lang="de-CH" sz="2000" dirty="0" err="1">
-                <a:latin typeface="+mn-lt"/>
-                <a:cs typeface="+mn-cs"/>
-              </a:rPr>
-              <a:t>conducted</a:t>
-            </a:r>
-            <a:r>
-              <a:rPr lang="de-CH" sz="2000" dirty="0">
-                <a:latin typeface="+mn-lt"/>
-                <a:cs typeface="+mn-cs"/>
-              </a:rPr>
-              <a:t> </a:t>
-            </a:r>
-            <a:r>
-              <a:rPr lang="de-CH" sz="2000" dirty="0" err="1">
-                <a:latin typeface="+mn-lt"/>
-                <a:cs typeface="+mn-cs"/>
-              </a:rPr>
-              <a:t>to</a:t>
-            </a:r>
-            <a:r>
-              <a:rPr lang="de-CH" sz="2000" dirty="0">
-                <a:latin typeface="+mn-lt"/>
-                <a:cs typeface="+mn-cs"/>
-              </a:rPr>
-              <a:t> </a:t>
-            </a:r>
-            <a:r>
-              <a:rPr lang="de-CH" sz="2000" dirty="0" err="1">
-                <a:latin typeface="+mn-lt"/>
-                <a:cs typeface="+mn-cs"/>
-              </a:rPr>
-              <a:t>assess</a:t>
-            </a:r>
-            <a:r>
-              <a:rPr lang="de-CH" sz="2000" dirty="0">
-                <a:latin typeface="+mn-lt"/>
-                <a:cs typeface="+mn-cs"/>
-              </a:rPr>
-              <a:t> </a:t>
-            </a:r>
-            <a:r>
-              <a:rPr lang="de-CH" sz="2000" dirty="0" err="1">
-                <a:latin typeface="+mn-lt"/>
-                <a:cs typeface="+mn-cs"/>
-              </a:rPr>
-              <a:t>usefulness</a:t>
-            </a:r>
-            <a:endParaRPr lang="de-CH" sz="2000" dirty="0">
-              <a:latin typeface="+mn-lt"/>
-              <a:cs typeface="Calibri"/>
-            </a:endParaRPr>
-          </a:p>
-          <a:p>
-            <a:pPr lvl="1"/>
-            <a:r>
-              <a:rPr lang="de-CH" sz="2000" dirty="0">
-                <a:latin typeface="+mn-lt"/>
-                <a:cs typeface="+mn-cs"/>
-              </a:rPr>
-              <a:t>Top </a:t>
-            </a:r>
-            <a:r>
-              <a:rPr lang="de-CH" sz="2000" dirty="0" err="1">
-                <a:latin typeface="+mn-lt"/>
-                <a:cs typeface="+mn-cs"/>
-              </a:rPr>
-              <a:t>correlated</a:t>
-            </a:r>
-            <a:r>
-              <a:rPr lang="de-CH" sz="2000" dirty="0">
-                <a:latin typeface="+mn-lt"/>
-                <a:cs typeface="+mn-cs"/>
-              </a:rPr>
-              <a:t> </a:t>
-            </a:r>
-            <a:r>
-              <a:rPr lang="de-CH" sz="2000" dirty="0" err="1">
-                <a:latin typeface="+mn-lt"/>
-                <a:cs typeface="+mn-cs"/>
-              </a:rPr>
-              <a:t>features</a:t>
-            </a:r>
-            <a:r>
-              <a:rPr lang="de-CH" sz="2000" dirty="0">
-                <a:latin typeface="+mn-lt"/>
-                <a:cs typeface="+mn-cs"/>
-              </a:rPr>
-              <a:t> </a:t>
-            </a:r>
-            <a:r>
-              <a:rPr lang="de-CH" sz="2000" dirty="0" err="1">
-                <a:latin typeface="+mn-lt"/>
-                <a:cs typeface="+mn-cs"/>
-              </a:rPr>
-              <a:t>with</a:t>
-            </a:r>
-            <a:r>
-              <a:rPr lang="de-CH" sz="2000" dirty="0">
-                <a:latin typeface="+mn-lt"/>
-                <a:cs typeface="+mn-cs"/>
-              </a:rPr>
-              <a:t> "Class":</a:t>
-            </a:r>
-            <a:endParaRPr lang="de-CH" sz="2000" dirty="0">
-              <a:latin typeface="+mn-lt"/>
-              <a:cs typeface="Calibri"/>
-            </a:endParaRPr>
-          </a:p>
-          <a:p>
-            <a:pPr lvl="2"/>
-            <a:r>
               <a:rPr lang="de-CH" dirty="0">
                 <a:latin typeface="+mn-lt"/>
                 <a:cs typeface="+mn-cs"/>
               </a:rPr>
-              <a:t>"</a:t>
+              <a:t>3 "Total" </a:t>
             </a:r>
             <a:r>
               <a:rPr lang="de-CH" dirty="0" err="1">
                 <a:latin typeface="+mn-lt"/>
                 <a:cs typeface="+mn-cs"/>
               </a:rPr>
-              <a:t>TotalSF</a:t>
+              <a:t>features</a:t>
             </a:r>
             <a:r>
               <a:rPr lang="de-CH" dirty="0">
                 <a:latin typeface="+mn-lt"/>
                 <a:cs typeface="+mn-cs"/>
               </a:rPr>
-              <a:t>"</a:t>
+              <a:t> (</a:t>
+            </a:r>
+            <a:r>
+              <a:rPr lang="de-CH" dirty="0" err="1">
+                <a:latin typeface="+mn-lt"/>
+                <a:cs typeface="+mn-cs"/>
+              </a:rPr>
+              <a:t>summation</a:t>
+            </a:r>
+            <a:r>
+              <a:rPr lang="de-CH" dirty="0">
+                <a:latin typeface="+mn-lt"/>
+                <a:cs typeface="+mn-cs"/>
+              </a:rPr>
+              <a:t> </a:t>
+            </a:r>
+            <a:r>
+              <a:rPr lang="de-CH" dirty="0" err="1">
+                <a:latin typeface="+mn-lt"/>
+                <a:cs typeface="+mn-cs"/>
+              </a:rPr>
+              <a:t>of</a:t>
+            </a:r>
+            <a:r>
+              <a:rPr lang="de-CH" dirty="0">
+                <a:latin typeface="+mn-lt"/>
+                <a:cs typeface="+mn-cs"/>
+              </a:rPr>
+              <a:t> </a:t>
+            </a:r>
+            <a:r>
+              <a:rPr lang="de-CH" dirty="0" err="1">
+                <a:latin typeface="+mn-lt"/>
+                <a:cs typeface="+mn-cs"/>
+              </a:rPr>
+              <a:t>related</a:t>
+            </a:r>
+            <a:r>
+              <a:rPr lang="de-CH" dirty="0">
+                <a:latin typeface="+mn-lt"/>
+                <a:cs typeface="+mn-cs"/>
+              </a:rPr>
+              <a:t> </a:t>
+            </a:r>
+            <a:r>
+              <a:rPr lang="de-CH" dirty="0" err="1">
+                <a:latin typeface="+mn-lt"/>
+                <a:cs typeface="+mn-cs"/>
+              </a:rPr>
+              <a:t>features</a:t>
+            </a:r>
+            <a:r>
+              <a:rPr lang="de-CH" dirty="0">
+                <a:latin typeface="+mn-lt"/>
+                <a:cs typeface="+mn-cs"/>
+              </a:rPr>
+              <a:t>)</a:t>
             </a:r>
             <a:endParaRPr lang="de-CH" dirty="0">
               <a:latin typeface="+mn-lt"/>
@@ -10166,27 +10750,83 @@
             </a:endParaRPr>
           </a:p>
           <a:p>
-            <a:pPr lvl="2"/>
+            <a:pPr lvl="1"/>
             <a:r>
               <a:rPr lang="de-CH" dirty="0">
                 <a:latin typeface="+mn-lt"/>
                 <a:cs typeface="+mn-cs"/>
               </a:rPr>
-              <a:t>"</a:t>
+              <a:t>4 </a:t>
             </a:r>
             <a:r>
               <a:rPr lang="de-CH" dirty="0" err="1">
                 <a:latin typeface="+mn-lt"/>
                 <a:cs typeface="+mn-cs"/>
               </a:rPr>
-              <a:t>TotalBath</a:t>
+              <a:t>binary</a:t>
             </a:r>
             <a:r>
               <a:rPr lang="de-CH" dirty="0">
                 <a:latin typeface="+mn-lt"/>
                 <a:cs typeface="+mn-cs"/>
               </a:rPr>
-              <a:t>"</a:t>
+              <a:t> </a:t>
+            </a:r>
+            <a:r>
+              <a:rPr lang="de-CH" dirty="0" err="1">
+                <a:latin typeface="+mn-lt"/>
+                <a:cs typeface="+mn-cs"/>
+              </a:rPr>
+              <a:t>features</a:t>
+            </a:r>
+            <a:r>
+              <a:rPr lang="de-CH" dirty="0">
+                <a:latin typeface="+mn-lt"/>
+                <a:cs typeface="+mn-cs"/>
+              </a:rPr>
+              <a:t> (1 </a:t>
+            </a:r>
+            <a:r>
+              <a:rPr lang="de-CH" dirty="0" err="1">
+                <a:latin typeface="+mn-lt"/>
+                <a:cs typeface="+mn-cs"/>
+              </a:rPr>
+              <a:t>if</a:t>
+            </a:r>
+            <a:r>
+              <a:rPr lang="de-CH" dirty="0">
+                <a:latin typeface="+mn-lt"/>
+                <a:cs typeface="+mn-cs"/>
+              </a:rPr>
+              <a:t> feature </a:t>
+            </a:r>
+            <a:r>
+              <a:rPr lang="de-CH" dirty="0" err="1">
+                <a:latin typeface="+mn-lt"/>
+                <a:cs typeface="+mn-cs"/>
+              </a:rPr>
+              <a:t>exists</a:t>
+            </a:r>
+            <a:r>
+              <a:rPr lang="de-CH" dirty="0">
+                <a:latin typeface="+mn-lt"/>
+                <a:cs typeface="+mn-cs"/>
+              </a:rPr>
+              <a:t>, 0 </a:t>
+            </a:r>
+            <a:r>
+              <a:rPr lang="de-CH" dirty="0" err="1">
+                <a:latin typeface="+mn-lt"/>
+                <a:cs typeface="+mn-cs"/>
+              </a:rPr>
+              <a:t>if</a:t>
+            </a:r>
+            <a:r>
+              <a:rPr lang="de-CH" dirty="0">
+                <a:latin typeface="+mn-lt"/>
+                <a:cs typeface="+mn-cs"/>
+              </a:rPr>
+              <a:t> not)</a:t>
             </a:r>
             <a:endParaRPr lang="de-CH" dirty="0">
               <a:latin typeface="+mn-lt"/>
@@ -10194,27 +10834,62 @@
             </a:endParaRPr>
           </a:p>
           <a:p>
-            <a:pPr lvl="2"/>
+            <a:pPr lvl="1"/>
             <a:r>
               <a:rPr lang="de-CH" dirty="0">
                 <a:latin typeface="+mn-lt"/>
                 <a:cs typeface="+mn-cs"/>
               </a:rPr>
-              <a:t>"</a:t>
+              <a:t>1 feature </a:t>
             </a:r>
             <a:r>
               <a:rPr lang="de-CH" dirty="0" err="1">
                 <a:latin typeface="+mn-lt"/>
                 <a:cs typeface="+mn-cs"/>
               </a:rPr>
-              <a:t>HasFireplace</a:t>
+              <a:t>for</a:t>
             </a:r>
             <a:r>
               <a:rPr lang="de-CH" dirty="0">
                 <a:latin typeface="+mn-lt"/>
                 <a:cs typeface="+mn-cs"/>
               </a:rPr>
-              <a:t>"</a:t>
+              <a:t> </a:t>
+            </a:r>
+            <a:r>
+              <a:rPr lang="de-CH" dirty="0" err="1">
+                <a:latin typeface="+mn-lt"/>
+                <a:cs typeface="+mn-cs"/>
+              </a:rPr>
+              <a:t>remodeling</a:t>
+            </a:r>
+            <a:r>
+              <a:rPr lang="de-CH" dirty="0">
+                <a:latin typeface="+mn-lt"/>
+                <a:cs typeface="+mn-cs"/>
+              </a:rPr>
+              <a:t> and </a:t>
+            </a:r>
+            <a:r>
+              <a:rPr lang="de-CH" dirty="0" err="1">
+                <a:latin typeface="+mn-lt"/>
+                <a:cs typeface="+mn-cs"/>
+              </a:rPr>
+              <a:t>building</a:t>
+            </a:r>
+            <a:r>
+              <a:rPr lang="de-CH" dirty="0">
+                <a:latin typeface="+mn-lt"/>
+                <a:cs typeface="+mn-cs"/>
+              </a:rPr>
+              <a:t> </a:t>
+            </a:r>
+            <a:r>
+              <a:rPr lang="de-CH" dirty="0" err="1">
+                <a:latin typeface="+mn-lt"/>
+                <a:cs typeface="+mn-cs"/>
+              </a:rPr>
+              <a:t>dates</a:t>
             </a:r>
             <a:endParaRPr lang="de-CH" dirty="0">
               <a:latin typeface="+mn-lt"/>
@@ -10222,8 +10897,231 @@
             </a:endParaRPr>
           </a:p>
           <a:p>
+            <a:r>
+              <a:rPr lang="de-CH" sz="2400" dirty="0" err="1">
+                <a:latin typeface="+mn-lt"/>
+                <a:cs typeface="+mn-cs"/>
+              </a:rPr>
+              <a:t>Correlation</a:t>
+            </a:r>
+            <a:r>
+              <a:rPr lang="de-CH" sz="2400" dirty="0">
+                <a:latin typeface="+mn-lt"/>
+                <a:cs typeface="+mn-cs"/>
+              </a:rPr>
+              <a:t> </a:t>
+            </a:r>
+            <a:r>
+              <a:rPr lang="de-CH" sz="2400" dirty="0" err="1">
+                <a:latin typeface="+mn-lt"/>
+                <a:cs typeface="+mn-cs"/>
+              </a:rPr>
+              <a:t>checks</a:t>
+            </a:r>
+            <a:r>
+              <a:rPr lang="de-CH" sz="2400" dirty="0">
+                <a:latin typeface="+mn-lt"/>
+                <a:cs typeface="+mn-cs"/>
+              </a:rPr>
+              <a:t> </a:t>
+            </a:r>
+            <a:r>
+              <a:rPr lang="de-CH" sz="2400" dirty="0" err="1">
+                <a:latin typeface="+mn-lt"/>
+                <a:cs typeface="+mn-cs"/>
+              </a:rPr>
+              <a:t>conducted</a:t>
+            </a:r>
+            <a:r>
+              <a:rPr lang="de-CH" sz="2400" dirty="0">
+                <a:latin typeface="+mn-lt"/>
+                <a:cs typeface="+mn-cs"/>
+              </a:rPr>
+              <a:t> </a:t>
+            </a:r>
+            <a:r>
+              <a:rPr lang="de-CH" sz="2400" dirty="0" err="1">
+                <a:latin typeface="+mn-lt"/>
+                <a:cs typeface="+mn-cs"/>
+              </a:rPr>
+              <a:t>to</a:t>
+            </a:r>
+            <a:r>
+              <a:rPr lang="de-CH" sz="2400" dirty="0">
+                <a:latin typeface="+mn-lt"/>
+                <a:cs typeface="+mn-cs"/>
+              </a:rPr>
+              <a:t> </a:t>
+            </a:r>
+            <a:r>
+              <a:rPr lang="de-CH" sz="2400" dirty="0" err="1">
+                <a:latin typeface="+mn-lt"/>
+                <a:cs typeface="+mn-cs"/>
+              </a:rPr>
+              <a:t>assess</a:t>
+            </a:r>
+            <a:r>
+              <a:rPr lang="de-CH" sz="2400" dirty="0">
+                <a:latin typeface="+mn-lt"/>
+                <a:cs typeface="+mn-cs"/>
+              </a:rPr>
+              <a:t> </a:t>
+            </a:r>
+            <a:r>
+              <a:rPr lang="de-CH" sz="2400" dirty="0" err="1">
+                <a:latin typeface="+mn-lt"/>
+                <a:cs typeface="+mn-cs"/>
+              </a:rPr>
+              <a:t>usefulness</a:t>
+            </a:r>
+            <a:endParaRPr lang="de-CH" sz="2400" dirty="0">
+              <a:latin typeface="+mn-lt"/>
+              <a:cs typeface="Calibri"/>
+            </a:endParaRPr>
+          </a:p>
+          <a:p>
             <a:pPr lvl="1"/>
-            <a:endParaRPr lang="en-GB" sz="2000" dirty="0">
+            <a:r>
+              <a:rPr lang="de-CH" dirty="0">
+                <a:latin typeface="+mn-lt"/>
+                <a:cs typeface="+mn-cs"/>
+              </a:rPr>
+              <a:t>Top </a:t>
+            </a:r>
+            <a:r>
+              <a:rPr lang="de-CH" dirty="0" err="1">
+                <a:latin typeface="+mn-lt"/>
+                <a:cs typeface="+mn-cs"/>
+              </a:rPr>
+              <a:t>correlated</a:t>
+            </a:r>
+            <a:r>
+              <a:rPr lang="de-CH" dirty="0">
+                <a:latin typeface="+mn-lt"/>
+                <a:cs typeface="+mn-cs"/>
+              </a:rPr>
+              <a:t> </a:t>
+            </a:r>
+            <a:r>
+              <a:rPr lang="de-CH" dirty="0" err="1">
+                <a:latin typeface="+mn-lt"/>
+                <a:cs typeface="+mn-cs"/>
+              </a:rPr>
+              <a:t>features</a:t>
+            </a:r>
+            <a:r>
+              <a:rPr lang="de-CH" dirty="0">
+                <a:latin typeface="+mn-lt"/>
+                <a:cs typeface="+mn-cs"/>
+              </a:rPr>
+              <a:t> </a:t>
+            </a:r>
+            <a:r>
+              <a:rPr lang="de-CH" dirty="0" err="1">
+                <a:latin typeface="+mn-lt"/>
+                <a:cs typeface="+mn-cs"/>
+              </a:rPr>
+              <a:t>with</a:t>
+            </a:r>
+            <a:r>
+              <a:rPr lang="de-CH" dirty="0">
+                <a:latin typeface="+mn-lt"/>
+                <a:cs typeface="+mn-cs"/>
+              </a:rPr>
+              <a:t> "Class":</a:t>
+            </a:r>
+            <a:endParaRPr lang="de-CH" dirty="0">
+              <a:latin typeface="+mn-lt"/>
+              <a:cs typeface="Calibri"/>
+            </a:endParaRPr>
+          </a:p>
+          <a:p>
+            <a:pPr lvl="2"/>
+            <a:r>
+              <a:rPr lang="de-CH" sz="2400" dirty="0">
+                <a:latin typeface="+mn-lt"/>
+                <a:cs typeface="+mn-cs"/>
+              </a:rPr>
+              <a:t>"</a:t>
+            </a:r>
+            <a:r>
+              <a:rPr lang="de-CH" sz="2400" dirty="0" err="1">
+                <a:latin typeface="+mn-lt"/>
+                <a:cs typeface="+mn-cs"/>
+              </a:rPr>
+              <a:t>TotalSF</a:t>
+            </a:r>
+            <a:r>
+              <a:rPr lang="de-CH" sz="2400" dirty="0">
+                <a:latin typeface="+mn-lt"/>
+                <a:cs typeface="+mn-cs"/>
+              </a:rPr>
+              <a:t>"</a:t>
+            </a:r>
+            <a:endParaRPr lang="de-CH" sz="2400" dirty="0">
+              <a:latin typeface="+mn-lt"/>
+              <a:cs typeface="Calibri"/>
+            </a:endParaRPr>
+          </a:p>
+          <a:p>
+            <a:pPr lvl="2"/>
+            <a:r>
+              <a:rPr lang="de-CH" sz="2400" dirty="0">
+                <a:latin typeface="+mn-lt"/>
+                <a:cs typeface="+mn-cs"/>
+              </a:rPr>
+              <a:t>"</a:t>
+            </a:r>
+            <a:r>
+              <a:rPr lang="de-CH" sz="2400" dirty="0" err="1">
+                <a:latin typeface="+mn-lt"/>
+                <a:cs typeface="+mn-cs"/>
+              </a:rPr>
+              <a:t>TotalBath</a:t>
+            </a:r>
+            <a:r>
+              <a:rPr lang="de-CH" sz="2400" dirty="0">
+                <a:latin typeface="+mn-lt"/>
+                <a:cs typeface="+mn-cs"/>
+              </a:rPr>
+              <a:t>"</a:t>
+            </a:r>
+            <a:endParaRPr lang="de-CH" sz="2400" dirty="0">
+              <a:latin typeface="+mn-lt"/>
+              <a:cs typeface="Calibri"/>
+            </a:endParaRPr>
+          </a:p>
+          <a:p>
+            <a:pPr lvl="2"/>
+            <a:r>
+              <a:rPr lang="de-CH" sz="2400" dirty="0">
+                <a:latin typeface="+mn-lt"/>
+                <a:cs typeface="+mn-cs"/>
+              </a:rPr>
+              <a:t>"</a:t>
+            </a:r>
+            <a:r>
+              <a:rPr lang="de-CH" sz="2400" dirty="0" err="1">
+                <a:latin typeface="+mn-lt"/>
+                <a:cs typeface="+mn-cs"/>
+              </a:rPr>
+              <a:t>HasFireplace</a:t>
+            </a:r>
+            <a:r>
+              <a:rPr lang="de-CH" sz="2400" dirty="0">
+                <a:latin typeface="+mn-lt"/>
+                <a:cs typeface="+mn-cs"/>
+              </a:rPr>
+              <a:t>"</a:t>
+            </a:r>
+            <a:endParaRPr lang="de-CH" sz="2400" dirty="0">
+              <a:latin typeface="+mn-lt"/>
+              <a:cs typeface="Calibri"/>
+            </a:endParaRPr>
+          </a:p>
+          <a:p>
+            <a:pPr lvl="1"/>
+            <a:endParaRPr lang="en-GB" dirty="0">
               <a:latin typeface="Arial"/>
               <a:cs typeface="Arial"/>
             </a:endParaRPr>
@@ -10252,8 +11150,8 @@
         </p:blipFill>
         <p:spPr>
           <a:xfrm>
-            <a:off x="6652705" y="1518216"/>
-            <a:ext cx="5263069" cy="4720660"/>
+            <a:off x="6889242" y="1737483"/>
+            <a:ext cx="5026532" cy="4508500"/>
           </a:xfrm>
           <a:prstGeom prst="rect">
             <a:avLst/>
@@ -10337,30 +11235,32 @@
         </p:nvSpPr>
         <p:spPr/>
         <p:txBody>
-          <a:bodyPr/>
+          <a:bodyPr>
+            <a:normAutofit/>
+          </a:bodyPr>
           <a:lstStyle/>
           <a:p>
             <a:r>
-              <a:rPr lang="de-CH" dirty="0" err="1"/>
+              <a:rPr lang="de-CH" sz="4000" dirty="0" err="1"/>
               <a:t>Balancing</a:t>
             </a:r>
             <a:r>
-              <a:rPr lang="de-CH" dirty="0"/>
+              <a:rPr lang="de-CH" sz="4000" dirty="0"/>
               <a:t> Dataset </a:t>
             </a:r>
             <a:r>
-              <a:rPr lang="de-CH" dirty="0" err="1"/>
+              <a:rPr lang="de-CH" sz="4000" dirty="0" err="1"/>
               <a:t>through</a:t>
             </a:r>
             <a:r>
-              <a:rPr lang="de-CH" dirty="0"/>
+              <a:rPr lang="de-CH" sz="4000" dirty="0"/>
               <a:t> </a:t>
             </a:r>
             <a:r>
-              <a:rPr lang="de-CH" dirty="0" err="1"/>
+              <a:rPr lang="de-CH" sz="4000" dirty="0" err="1"/>
               <a:t>Upsampling</a:t>
             </a:r>
-            <a:endParaRPr lang="en-GB" dirty="0"/>
+            <a:endParaRPr lang="en-GB" sz="4000" dirty="0"/>
           </a:p>
         </p:txBody>
       </p:sp>
@@ -10382,643 +11282,131 @@
         </p:nvSpPr>
         <p:spPr>
           <a:xfrm>
-            <a:off x="838200" y="3562349"/>
-            <a:ext cx="7353299" cy="2614613"/>
+            <a:off x="838200" y="3128476"/>
+            <a:ext cx="10515600" cy="851031"/>
           </a:xfrm>
         </p:spPr>
         <p:txBody>
           <a:bodyPr vert="horz" lIns="91440" tIns="45720" rIns="91440" bIns="45720" rtlCol="0" anchor="t">
-            <a:normAutofit/>
+            <a:normAutofit lnSpcReduction="10000"/>
           </a:bodyPr>
           <a:lstStyle/>
           <a:p>
-            <a:endParaRPr lang="de-CH" sz="2000" dirty="0">
-              <a:latin typeface="Arial"/>
-              <a:cs typeface="Arial"/>
-            </a:endParaRPr>
-          </a:p>
-          <a:p>
-            <a:r>
-              <a:rPr lang="de-CH" sz="2000" dirty="0">
+            <a:r>
+              <a:rPr lang="de-CH" sz="2400" dirty="0">
                 <a:latin typeface="+mn-lt"/>
                 <a:cs typeface="+mn-cs"/>
               </a:rPr>
               <a:t>Class 1 </a:t>
             </a:r>
             <a:r>
-              <a:rPr lang="de-CH" sz="2000" dirty="0" err="1">
+              <a:rPr lang="de-CH" sz="2400" dirty="0" err="1">
                 <a:latin typeface="+mn-lt"/>
                 <a:cs typeface="+mn-cs"/>
               </a:rPr>
               <a:t>is</a:t>
             </a:r>
             <a:r>
-              <a:rPr lang="de-CH" sz="2000" dirty="0">
+              <a:rPr lang="de-CH" sz="2400" dirty="0">
                 <a:latin typeface="+mn-lt"/>
                 <a:cs typeface="+mn-cs"/>
               </a:rPr>
               <a:t> </a:t>
             </a:r>
             <a:r>
-              <a:rPr lang="de-CH" sz="2000" dirty="0" err="1">
+              <a:rPr lang="de-CH" sz="2400" dirty="0" err="1">
                 <a:latin typeface="+mn-lt"/>
                 <a:cs typeface="+mn-cs"/>
               </a:rPr>
               <a:t>overrepresented</a:t>
             </a:r>
-            <a:endParaRPr lang="de-CH" sz="2000" dirty="0">
+            <a:endParaRPr lang="de-CH" sz="2400" dirty="0">
               <a:latin typeface="+mn-lt"/>
               <a:cs typeface="+mn-cs"/>
             </a:endParaRPr>
           </a:p>
           <a:p>
             <a:r>
-              <a:rPr lang="de-CH" sz="2000" dirty="0" err="1">
+              <a:rPr lang="de-CH" sz="2400" dirty="0" err="1">
                 <a:latin typeface="+mn-lt"/>
                 <a:cs typeface="+mn-cs"/>
               </a:rPr>
               <a:t>Upsampling</a:t>
             </a:r>
             <a:r>
-              <a:rPr lang="de-CH" sz="2000" dirty="0">
+              <a:rPr lang="de-CH" sz="2400" dirty="0">
                 <a:latin typeface="+mn-lt"/>
                 <a:cs typeface="+mn-cs"/>
               </a:rPr>
               <a:t> </a:t>
             </a:r>
             <a:r>
-              <a:rPr lang="de-CH" sz="2000" dirty="0" err="1">
+              <a:rPr lang="de-CH" sz="2400" dirty="0" err="1">
                 <a:latin typeface="+mn-lt"/>
                 <a:cs typeface="+mn-cs"/>
               </a:rPr>
               <a:t>with</a:t>
             </a:r>
             <a:r>
-              <a:rPr lang="de-CH" sz="2000" dirty="0">
+              <a:rPr lang="de-CH" sz="2400" dirty="0">
                 <a:latin typeface="+mn-lt"/>
                 <a:cs typeface="+mn-cs"/>
               </a:rPr>
-              <a:t> SMOTE</a:t>
-            </a:r>
-          </a:p>
-          <a:p>
-            <a:r>
-              <a:rPr lang="de-CH" sz="2000" dirty="0">
+              <a:t> SMOTE (</a:t>
+            </a:r>
+            <a:r>
+              <a:rPr lang="de-CH" sz="2400" dirty="0" err="1">
                 <a:latin typeface="+mn-lt"/>
                 <a:cs typeface="+mn-cs"/>
               </a:rPr>
-              <a:t>Fig 1 </a:t>
-            </a:r>
-            <a:r>
-              <a:rPr lang="de-CH" sz="2000" dirty="0" err="1">
+              <a:t>only</a:t>
+            </a:r>
+            <a:r>
+              <a:rPr lang="de-CH" sz="2400" dirty="0">
                 <a:latin typeface="+mn-lt"/>
                 <a:cs typeface="+mn-cs"/>
               </a:rPr>
-              <a:t>before</a:t>
-            </a:r>
-            <a:r>
-              <a:rPr lang="de-CH" sz="2000" dirty="0">
+              <a:t> on </a:t>
+            </a:r>
+            <a:r>
+              <a:rPr lang="de-CH" sz="2400" dirty="0" err="1">
                 <a:latin typeface="+mn-lt"/>
                 <a:cs typeface="+mn-cs"/>
               </a:rPr>
-              <a:t> Sampling</a:t>
-            </a:r>
-          </a:p>
-          <a:p>
-            <a:r>
-              <a:rPr lang="de-CH" sz="2000" dirty="0">
+              <a:t>the</a:t>
+            </a:r>
+            <a:r>
+              <a:rPr lang="de-CH" sz="2400" dirty="0">
                 <a:latin typeface="+mn-lt"/>
                 <a:cs typeface="+mn-cs"/>
               </a:rPr>
-              <a:t>Fig 2 after Sampling</a:t>
-            </a:r>
-          </a:p>
-        </p:txBody>
-      </p:sp>
-      <p:pic>
-        <p:nvPicPr>
-          <p:cNvPr id="5" name="Picture 4">
-            <a:extLst>
-              <a:ext uri="{FF2B5EF4-FFF2-40B4-BE49-F238E27FC236}">
-                <a16:creationId xmlns:a16="http://schemas.microsoft.com/office/drawing/2014/main" id="{D601E142-0857-47DD-0D80-A2EA6B6BED34}"/>
-              </a:ext>
-            </a:extLst>
-          </p:cNvPr>
-          <p:cNvPicPr>
-            <a:picLocks noChangeAspect="1"/>
-          </p:cNvPicPr>
-          <p:nvPr/>
-        </p:nvPicPr>
-        <p:blipFill>
-          <a:blip r:embed="rId2"/>
-          <a:stretch>
-            <a:fillRect/>
-          </a:stretch>
-        </p:blipFill>
-        <p:spPr>
-          <a:xfrm>
-            <a:off x="8438995" y="1772444"/>
-            <a:ext cx="3514725" cy="2324100"/>
-          </a:xfrm>
-          <a:prstGeom prst="rect">
-            <a:avLst/>
-          </a:prstGeom>
-        </p:spPr>
-      </p:pic>
-      <p:pic>
-        <p:nvPicPr>
-          <p:cNvPr id="7" name="Picture 6">
-            <a:extLst>
-              <a:ext uri="{FF2B5EF4-FFF2-40B4-BE49-F238E27FC236}">
-                <a16:creationId xmlns:a16="http://schemas.microsoft.com/office/drawing/2014/main" id="{7BF24E5D-A9D8-8468-52F8-B6D9CF64E654}"/>
-              </a:ext>
-            </a:extLst>
-          </p:cNvPr>
-          <p:cNvPicPr>
-            <a:picLocks noChangeAspect="1"/>
-          </p:cNvPicPr>
-          <p:nvPr/>
-        </p:nvPicPr>
-        <p:blipFill>
-          <a:blip r:embed="rId3"/>
-          <a:stretch>
-            <a:fillRect/>
-          </a:stretch>
-        </p:blipFill>
-        <p:spPr>
-          <a:xfrm>
-            <a:off x="8438995" y="4176715"/>
-            <a:ext cx="3514725" cy="2324100"/>
-          </a:xfrm>
-          <a:prstGeom prst="rect">
-            <a:avLst/>
-          </a:prstGeom>
-        </p:spPr>
-      </p:pic>
-      <p:sp>
-        <p:nvSpPr>
-          <p:cNvPr id="8" name="Content Placeholder 2">
-            <a:extLst>
-              <a:ext uri="{FF2B5EF4-FFF2-40B4-BE49-F238E27FC236}">
-                <a16:creationId xmlns:a16="http://schemas.microsoft.com/office/drawing/2014/main" id="{B3D21A6E-F762-4D87-26D0-098F0D64F34C}"/>
-              </a:ext>
-            </a:extLst>
-          </p:cNvPr>
-          <p:cNvSpPr txBox="1">
-            <a:spLocks/>
-          </p:cNvSpPr>
-          <p:nvPr/>
-        </p:nvSpPr>
-        <p:spPr>
-          <a:xfrm>
-            <a:off x="838201" y="1825625"/>
-            <a:ext cx="7353299" cy="1603375"/>
-          </a:xfrm>
-          <a:prstGeom prst="rect">
-            <a:avLst/>
-          </a:prstGeom>
-          <a:solidFill>
-            <a:schemeClr val="tx2">
-              <a:lumMod val="50000"/>
-            </a:schemeClr>
-          </a:solidFill>
-        </p:spPr>
-        <p:txBody>
-          <a:bodyPr vert="horz" lIns="91440" tIns="45720" rIns="91440" bIns="45720" rtlCol="0">
-            <a:normAutofit/>
-          </a:bodyPr>
-          <a:lstStyle>
-            <a:lvl1pPr marL="228600" indent="-228600" algn="l" defTabSz="914400" rtl="0" eaLnBrk="1" latinLnBrk="0" hangingPunct="1">
-              <a:lnSpc>
-                <a:spcPct val="90000"/>
-              </a:lnSpc>
-              <a:spcBef>
-                <a:spcPts val="1000"/>
-              </a:spcBef>
-              <a:buFont typeface="Arial" panose="020B0604020202020204" pitchFamily="34" charset="0"/>
-              <a:buChar char="•"/>
-              <a:defRPr sz="2800" kern="1200">
-                <a:solidFill>
-                  <a:schemeClr val="tx1"/>
-                </a:solidFill>
+              <a:t> </a:t>
+            </a:r>
+            <a:r>
+              <a:rPr lang="de-CH" sz="2400" dirty="0" err="1">
                 <a:latin typeface="+mn-lt"/>
-                <a:ea typeface="+mn-ea"/>
                 <a:cs typeface="+mn-cs"/>
-              </a:defRPr>
-            </a:lvl1pPr>
-            <a:lvl2pPr marL="685800" indent="-228600" algn="l" defTabSz="914400" rtl="0" eaLnBrk="1" latinLnBrk="0" hangingPunct="1">
-              <a:lnSpc>
-                <a:spcPct val="90000"/>
-              </a:lnSpc>
-              <a:spcBef>
-                <a:spcPts val="500"/>
-              </a:spcBef>
-              <a:buFont typeface="Arial" panose="020B0604020202020204" pitchFamily="34" charset="0"/>
-              <a:buChar char="•"/>
-              <a:defRPr sz="2400" kern="1200">
-                <a:solidFill>
-                  <a:schemeClr val="tx1"/>
-                </a:solidFill>
+              </a:rPr>
+              <a:t>training</a:t>
+            </a:r>
+            <a:r>
+              <a:rPr lang="de-CH" sz="2400" dirty="0">
                 <a:latin typeface="+mn-lt"/>
-                <a:ea typeface="+mn-ea"/>
                 <a:cs typeface="+mn-cs"/>
-              </a:defRPr>
-            </a:lvl2pPr>
-            <a:lvl3pPr marL="1143000" indent="-228600" algn="l" defTabSz="914400" rtl="0" eaLnBrk="1" latinLnBrk="0" hangingPunct="1">
-              <a:lnSpc>
-                <a:spcPct val="90000"/>
-              </a:lnSpc>
-              <a:spcBef>
-                <a:spcPts val="500"/>
-              </a:spcBef>
-              <a:buFont typeface="Arial" panose="020B0604020202020204" pitchFamily="34" charset="0"/>
-              <a:buChar char="•"/>
-              <a:defRPr sz="2000" kern="1200">
-                <a:solidFill>
-                  <a:schemeClr val="tx1"/>
-                </a:solidFill>
+              </a:rPr>
+              <a:t> </a:t>
+            </a:r>
+            <a:r>
+              <a:rPr lang="de-CH" sz="2400" dirty="0" err="1">
                 <a:latin typeface="+mn-lt"/>
-                <a:ea typeface="+mn-ea"/>
                 <a:cs typeface="+mn-cs"/>
-              </a:defRPr>
-            </a:lvl3pPr>
-            <a:lvl4pPr marL="1600200" indent="-228600" algn="l" defTabSz="914400" rtl="0" eaLnBrk="1" latinLnBrk="0" hangingPunct="1">
-              <a:lnSpc>
-                <a:spcPct val="90000"/>
-              </a:lnSpc>
-              <a:spcBef>
-                <a:spcPts val="500"/>
-              </a:spcBef>
-              <a:buFont typeface="Arial" panose="020B0604020202020204" pitchFamily="34" charset="0"/>
-              <a:buChar char="•"/>
-              <a:defRPr sz="1800" kern="1200">
-                <a:solidFill>
-                  <a:schemeClr val="tx1"/>
-                </a:solidFill>
+              </a:rPr>
+              <a:t>set</a:t>
+            </a:r>
+            <a:r>
+              <a:rPr lang="de-CH" sz="2400" dirty="0">
                 <a:latin typeface="+mn-lt"/>
-                <a:ea typeface="+mn-ea"/>
                 <a:cs typeface="+mn-cs"/>
-              </a:defRPr>
-            </a:lvl4pPr>
-            <a:lvl5pPr marL="2057400" indent="-228600" algn="l" defTabSz="914400" rtl="0" eaLnBrk="1" latinLnBrk="0" hangingPunct="1">
-              <a:lnSpc>
-                <a:spcPct val="90000"/>
-              </a:lnSpc>
-              <a:spcBef>
-                <a:spcPts val="500"/>
-              </a:spcBef>
-              <a:buFont typeface="Arial" panose="020B0604020202020204" pitchFamily="34" charset="0"/>
-              <a:buChar char="•"/>
-              <a:defRPr sz="1800" kern="1200">
-                <a:solidFill>
-                  <a:schemeClr val="tx1"/>
-                </a:solidFill>
-                <a:latin typeface="+mn-lt"/>
-                <a:ea typeface="+mn-ea"/>
-                <a:cs typeface="+mn-cs"/>
-              </a:defRPr>
-            </a:lvl5pPr>
-            <a:lvl6pPr marL="2514600" indent="-228600" algn="l" defTabSz="914400" rtl="0" eaLnBrk="1" latinLnBrk="0" hangingPunct="1">
-              <a:lnSpc>
-                <a:spcPct val="90000"/>
-              </a:lnSpc>
-              <a:spcBef>
-                <a:spcPts val="500"/>
-              </a:spcBef>
-              <a:buFont typeface="Arial" panose="020B0604020202020204" pitchFamily="34" charset="0"/>
-              <a:buChar char="•"/>
-              <a:defRPr sz="1800" kern="1200">
-                <a:solidFill>
-                  <a:schemeClr val="tx1"/>
-                </a:solidFill>
-                <a:latin typeface="+mn-lt"/>
-                <a:ea typeface="+mn-ea"/>
-                <a:cs typeface="+mn-cs"/>
-              </a:defRPr>
-            </a:lvl6pPr>
-            <a:lvl7pPr marL="2971800" indent="-228600" algn="l" defTabSz="914400" rtl="0" eaLnBrk="1" latinLnBrk="0" hangingPunct="1">
-              <a:lnSpc>
-                <a:spcPct val="90000"/>
-              </a:lnSpc>
-              <a:spcBef>
-                <a:spcPts val="500"/>
-              </a:spcBef>
-              <a:buFont typeface="Arial" panose="020B0604020202020204" pitchFamily="34" charset="0"/>
-              <a:buChar char="•"/>
-              <a:defRPr sz="1800" kern="1200">
-                <a:solidFill>
-                  <a:schemeClr val="tx1"/>
-                </a:solidFill>
-                <a:latin typeface="+mn-lt"/>
-                <a:ea typeface="+mn-ea"/>
-                <a:cs typeface="+mn-cs"/>
-              </a:defRPr>
-            </a:lvl7pPr>
-            <a:lvl8pPr marL="3429000" indent="-228600" algn="l" defTabSz="914400" rtl="0" eaLnBrk="1" latinLnBrk="0" hangingPunct="1">
-              <a:lnSpc>
-                <a:spcPct val="90000"/>
-              </a:lnSpc>
-              <a:spcBef>
-                <a:spcPts val="500"/>
-              </a:spcBef>
-              <a:buFont typeface="Arial" panose="020B0604020202020204" pitchFamily="34" charset="0"/>
-              <a:buChar char="•"/>
-              <a:defRPr sz="1800" kern="1200">
-                <a:solidFill>
-                  <a:schemeClr val="tx1"/>
-                </a:solidFill>
-                <a:latin typeface="+mn-lt"/>
-                <a:ea typeface="+mn-ea"/>
-                <a:cs typeface="+mn-cs"/>
-              </a:defRPr>
-            </a:lvl8pPr>
-            <a:lvl9pPr marL="3886200" indent="-228600" algn="l" defTabSz="914400" rtl="0" eaLnBrk="1" latinLnBrk="0" hangingPunct="1">
-              <a:lnSpc>
-                <a:spcPct val="90000"/>
-              </a:lnSpc>
-              <a:spcBef>
-                <a:spcPts val="500"/>
-              </a:spcBef>
-              <a:buFont typeface="Arial" panose="020B0604020202020204" pitchFamily="34" charset="0"/>
-              <a:buChar char="•"/>
-              <a:defRPr sz="1800" kern="1200">
-                <a:solidFill>
-                  <a:schemeClr val="tx1"/>
-                </a:solidFill>
-                <a:latin typeface="+mn-lt"/>
-                <a:ea typeface="+mn-ea"/>
-                <a:cs typeface="+mn-cs"/>
-              </a:defRPr>
-            </a:lvl9pPr>
-          </a:lstStyle>
-          <a:p>
-            <a:pPr marL="0" indent="0">
-              <a:buNone/>
-            </a:pPr>
-            <a:r>
-              <a:rPr lang="en-GB" sz="1800" b="0" i="1" dirty="0">
-                <a:solidFill>
-                  <a:srgbClr val="586E75"/>
-                </a:solidFill>
-                <a:effectLst/>
-                <a:latin typeface="Consolas" panose="020B0609020204030204" pitchFamily="49" charset="0"/>
-              </a:rPr>
-              <a:t># Handle class imbalance using oversampling with SMOTE</a:t>
-            </a:r>
-            <a:endParaRPr lang="en-GB" sz="1800" b="0" dirty="0">
-              <a:solidFill>
-                <a:srgbClr val="839496"/>
-              </a:solidFill>
-              <a:effectLst/>
-              <a:latin typeface="Consolas" panose="020B0609020204030204" pitchFamily="49" charset="0"/>
-            </a:endParaRPr>
-          </a:p>
-          <a:p>
-            <a:pPr marL="0" indent="0">
-              <a:buNone/>
-            </a:pPr>
-            <a:r>
-              <a:rPr lang="en-GB" sz="1800" b="0" dirty="0" err="1">
-                <a:solidFill>
-                  <a:srgbClr val="268BD2"/>
-                </a:solidFill>
-                <a:effectLst/>
-                <a:latin typeface="Consolas" panose="020B0609020204030204" pitchFamily="49" charset="0"/>
-              </a:rPr>
-              <a:t>smote_nc</a:t>
-            </a:r>
-            <a:r>
-              <a:rPr lang="en-GB" sz="1800" b="0" dirty="0">
-                <a:solidFill>
-                  <a:srgbClr val="839496"/>
-                </a:solidFill>
-                <a:effectLst/>
-                <a:latin typeface="Consolas" panose="020B0609020204030204" pitchFamily="49" charset="0"/>
-              </a:rPr>
-              <a:t> </a:t>
-            </a:r>
-            <a:r>
-              <a:rPr lang="en-GB" sz="1800" b="0" dirty="0">
-                <a:solidFill>
-                  <a:srgbClr val="859900"/>
-                </a:solidFill>
-                <a:effectLst/>
-                <a:latin typeface="Consolas" panose="020B0609020204030204" pitchFamily="49" charset="0"/>
-              </a:rPr>
-              <a:t>=</a:t>
-            </a:r>
-            <a:r>
-              <a:rPr lang="en-GB" sz="1800" b="0" dirty="0">
-                <a:solidFill>
-                  <a:srgbClr val="839496"/>
-                </a:solidFill>
-                <a:effectLst/>
-                <a:latin typeface="Consolas" panose="020B0609020204030204" pitchFamily="49" charset="0"/>
-              </a:rPr>
-              <a:t> </a:t>
-            </a:r>
-            <a:r>
-              <a:rPr lang="en-GB" sz="1800" b="0" dirty="0">
-                <a:solidFill>
-                  <a:srgbClr val="CB4B16"/>
-                </a:solidFill>
-                <a:effectLst/>
-                <a:latin typeface="Consolas" panose="020B0609020204030204" pitchFamily="49" charset="0"/>
-              </a:rPr>
-              <a:t>SMOTE</a:t>
-            </a:r>
-            <a:r>
-              <a:rPr lang="en-GB" sz="1800" b="0" dirty="0">
-                <a:solidFill>
-                  <a:srgbClr val="839496"/>
-                </a:solidFill>
-                <a:effectLst/>
-                <a:latin typeface="Consolas" panose="020B0609020204030204" pitchFamily="49" charset="0"/>
-              </a:rPr>
-              <a:t>(</a:t>
-            </a:r>
-            <a:r>
-              <a:rPr lang="en-GB" sz="1800" b="0" dirty="0" err="1">
-                <a:solidFill>
-                  <a:srgbClr val="839496"/>
-                </a:solidFill>
-                <a:effectLst/>
-                <a:latin typeface="Consolas" panose="020B0609020204030204" pitchFamily="49" charset="0"/>
-              </a:rPr>
-              <a:t>random_state</a:t>
-            </a:r>
-            <a:r>
-              <a:rPr lang="en-GB" sz="1800" b="0" dirty="0">
-                <a:solidFill>
-                  <a:srgbClr val="859900"/>
-                </a:solidFill>
-                <a:effectLst/>
-                <a:latin typeface="Consolas" panose="020B0609020204030204" pitchFamily="49" charset="0"/>
-              </a:rPr>
-              <a:t>=</a:t>
-            </a:r>
-            <a:r>
-              <a:rPr lang="en-GB" sz="1800" b="0" dirty="0">
-                <a:solidFill>
-                  <a:srgbClr val="D33682"/>
-                </a:solidFill>
-                <a:effectLst/>
-                <a:latin typeface="Consolas" panose="020B0609020204030204" pitchFamily="49" charset="0"/>
-              </a:rPr>
-              <a:t>42</a:t>
-            </a:r>
-            <a:r>
-              <a:rPr lang="en-GB" sz="1800" b="0" dirty="0">
-                <a:solidFill>
-                  <a:srgbClr val="839496"/>
-                </a:solidFill>
-                <a:effectLst/>
-                <a:latin typeface="Consolas" panose="020B0609020204030204" pitchFamily="49" charset="0"/>
-              </a:rPr>
-              <a:t>)</a:t>
-            </a:r>
-          </a:p>
-          <a:p>
-            <a:pPr marL="0" indent="0">
-              <a:buNone/>
-            </a:pPr>
-            <a:r>
-              <a:rPr lang="en-GB" sz="1800" b="0" dirty="0" err="1">
-                <a:solidFill>
-                  <a:srgbClr val="268BD2"/>
-                </a:solidFill>
-                <a:effectLst/>
-                <a:latin typeface="Consolas" panose="020B0609020204030204" pitchFamily="49" charset="0"/>
-              </a:rPr>
-              <a:t>X_resampled</a:t>
-            </a:r>
-            <a:r>
-              <a:rPr lang="en-GB" sz="1800" b="0" dirty="0">
-                <a:solidFill>
-                  <a:srgbClr val="839496"/>
-                </a:solidFill>
-                <a:effectLst/>
-                <a:latin typeface="Consolas" panose="020B0609020204030204" pitchFamily="49" charset="0"/>
-              </a:rPr>
-              <a:t>, </a:t>
-            </a:r>
-            <a:r>
-              <a:rPr lang="en-GB" sz="1800" b="0" dirty="0" err="1">
-                <a:solidFill>
-                  <a:srgbClr val="268BD2"/>
-                </a:solidFill>
-                <a:effectLst/>
-                <a:latin typeface="Consolas" panose="020B0609020204030204" pitchFamily="49" charset="0"/>
-              </a:rPr>
-              <a:t>y_resampled</a:t>
-            </a:r>
-            <a:r>
-              <a:rPr lang="en-GB" sz="1800" b="0" dirty="0">
-                <a:solidFill>
-                  <a:srgbClr val="839496"/>
-                </a:solidFill>
-                <a:effectLst/>
-                <a:latin typeface="Consolas" panose="020B0609020204030204" pitchFamily="49" charset="0"/>
-              </a:rPr>
-              <a:t> </a:t>
-            </a:r>
-            <a:r>
-              <a:rPr lang="en-GB" sz="1800" b="0" dirty="0">
-                <a:solidFill>
-                  <a:srgbClr val="859900"/>
-                </a:solidFill>
-                <a:effectLst/>
-                <a:latin typeface="Consolas" panose="020B0609020204030204" pitchFamily="49" charset="0"/>
-              </a:rPr>
-              <a:t>=</a:t>
-            </a:r>
-            <a:r>
-              <a:rPr lang="en-GB" sz="1800" b="0" dirty="0">
-                <a:solidFill>
-                  <a:srgbClr val="839496"/>
-                </a:solidFill>
-                <a:effectLst/>
-                <a:latin typeface="Consolas" panose="020B0609020204030204" pitchFamily="49" charset="0"/>
-              </a:rPr>
-              <a:t> </a:t>
-            </a:r>
-            <a:r>
-              <a:rPr lang="en-GB" sz="1800" b="0" dirty="0" err="1">
-                <a:solidFill>
-                  <a:srgbClr val="268BD2"/>
-                </a:solidFill>
-                <a:effectLst/>
-                <a:latin typeface="Consolas" panose="020B0609020204030204" pitchFamily="49" charset="0"/>
-              </a:rPr>
-              <a:t>smote_nc</a:t>
-            </a:r>
-            <a:r>
-              <a:rPr lang="en-GB" sz="1800" b="0" dirty="0" err="1">
-                <a:solidFill>
-                  <a:srgbClr val="839496"/>
-                </a:solidFill>
-                <a:effectLst/>
-                <a:latin typeface="Consolas" panose="020B0609020204030204" pitchFamily="49" charset="0"/>
-              </a:rPr>
-              <a:t>.</a:t>
-            </a:r>
-            <a:r>
-              <a:rPr lang="en-GB" sz="1800" b="0" dirty="0" err="1">
-                <a:solidFill>
-                  <a:srgbClr val="268BD2"/>
-                </a:solidFill>
-                <a:effectLst/>
-                <a:latin typeface="Consolas" panose="020B0609020204030204" pitchFamily="49" charset="0"/>
-              </a:rPr>
-              <a:t>fit_resample</a:t>
-            </a:r>
-            <a:r>
-              <a:rPr lang="en-GB" sz="1800" b="0" dirty="0">
-                <a:solidFill>
-                  <a:srgbClr val="839496"/>
-                </a:solidFill>
-                <a:effectLst/>
-                <a:latin typeface="Consolas" panose="020B0609020204030204" pitchFamily="49" charset="0"/>
-              </a:rPr>
-              <a:t>(</a:t>
-            </a:r>
-            <a:r>
-              <a:rPr lang="en-GB" sz="1800" b="0" dirty="0" err="1">
-                <a:solidFill>
-                  <a:srgbClr val="268BD2"/>
-                </a:solidFill>
-                <a:effectLst/>
-                <a:latin typeface="Consolas" panose="020B0609020204030204" pitchFamily="49" charset="0"/>
-              </a:rPr>
-              <a:t>X_train</a:t>
-            </a:r>
-            <a:r>
-              <a:rPr lang="en-GB" sz="1800" b="0" dirty="0">
-                <a:solidFill>
-                  <a:srgbClr val="839496"/>
-                </a:solidFill>
-                <a:effectLst/>
-                <a:latin typeface="Consolas" panose="020B0609020204030204" pitchFamily="49" charset="0"/>
-              </a:rPr>
-              <a:t>, 	</a:t>
-            </a:r>
-            <a:r>
-              <a:rPr lang="en-GB" sz="1800" b="0" dirty="0" err="1">
-                <a:solidFill>
-                  <a:srgbClr val="268BD2"/>
-                </a:solidFill>
-                <a:effectLst/>
-                <a:latin typeface="Consolas" panose="020B0609020204030204" pitchFamily="49" charset="0"/>
-              </a:rPr>
-              <a:t>y_train</a:t>
-            </a:r>
-            <a:r>
-              <a:rPr lang="en-GB" sz="1800" b="0" dirty="0">
-                <a:solidFill>
-                  <a:srgbClr val="839496"/>
-                </a:solidFill>
-                <a:effectLst/>
-                <a:latin typeface="Consolas" panose="020B0609020204030204" pitchFamily="49" charset="0"/>
               </a:rPr>
               <a:t>)</a:t>
             </a:r>
@@ -11054,6 +11442,713 @@
           </a:p>
         </p:txBody>
       </p:sp>
+      <p:sp>
+        <p:nvSpPr>
+          <p:cNvPr id="10" name="Content Placeholder 2">
+            <a:extLst>
+              <a:ext uri="{FF2B5EF4-FFF2-40B4-BE49-F238E27FC236}">
+                <a16:creationId xmlns:a16="http://schemas.microsoft.com/office/drawing/2014/main" id="{914A16AA-5803-4EF8-9D16-A9FFA42659B5}"/>
+              </a:ext>
+            </a:extLst>
+          </p:cNvPr>
+          <p:cNvSpPr txBox="1">
+            <a:spLocks/>
+          </p:cNvSpPr>
+          <p:nvPr/>
+        </p:nvSpPr>
+        <p:spPr>
+          <a:xfrm>
+            <a:off x="838200" y="1839626"/>
+            <a:ext cx="10515600" cy="1178827"/>
+          </a:xfrm>
+          <a:prstGeom prst="rect">
+            <a:avLst/>
+          </a:prstGeom>
+          <a:solidFill>
+            <a:schemeClr val="tx2">
+              <a:lumMod val="50000"/>
+            </a:schemeClr>
+          </a:solidFill>
+        </p:spPr>
+        <p:txBody>
+          <a:bodyPr vert="horz" lIns="91440" tIns="45720" rIns="91440" bIns="45720" rtlCol="0" anchor="t">
+            <a:noAutofit/>
+          </a:bodyPr>
+          <a:lstStyle>
+            <a:lvl1pPr marL="228600" indent="-228600" algn="l" defTabSz="914400" rtl="0" eaLnBrk="1" latinLnBrk="0" hangingPunct="1">
+              <a:lnSpc>
+                <a:spcPct val="90000"/>
+              </a:lnSpc>
+              <a:spcBef>
+                <a:spcPts val="1000"/>
+              </a:spcBef>
+              <a:buFont typeface="Arial" panose="020B0604020202020204" pitchFamily="34" charset="0"/>
+              <a:buChar char="•"/>
+              <a:defRPr sz="2800" kern="1200">
+                <a:solidFill>
+                  <a:schemeClr val="tx1"/>
+                </a:solidFill>
+                <a:latin typeface="Arial" panose="020B0604020202020204" pitchFamily="34" charset="0"/>
+                <a:ea typeface="+mn-ea"/>
+                <a:cs typeface="Arial" panose="020B0604020202020204" pitchFamily="34" charset="0"/>
+              </a:defRPr>
+            </a:lvl1pPr>
+            <a:lvl2pPr marL="685800" indent="-228600" algn="l" defTabSz="914400" rtl="0" eaLnBrk="1" latinLnBrk="0" hangingPunct="1">
+              <a:lnSpc>
+                <a:spcPct val="90000"/>
+              </a:lnSpc>
+              <a:spcBef>
+                <a:spcPts val="500"/>
+              </a:spcBef>
+              <a:buFont typeface="Arial" panose="020B0604020202020204" pitchFamily="34" charset="0"/>
+              <a:buChar char="•"/>
+              <a:defRPr sz="2400" kern="1200">
+                <a:solidFill>
+                  <a:schemeClr val="tx1"/>
+                </a:solidFill>
+                <a:latin typeface="Arial" panose="020B0604020202020204" pitchFamily="34" charset="0"/>
+                <a:ea typeface="+mn-ea"/>
+                <a:cs typeface="Arial" panose="020B0604020202020204" pitchFamily="34" charset="0"/>
+              </a:defRPr>
+            </a:lvl2pPr>
+            <a:lvl3pPr marL="1143000" indent="-228600" algn="l" defTabSz="914400" rtl="0" eaLnBrk="1" latinLnBrk="0" hangingPunct="1">
+              <a:lnSpc>
+                <a:spcPct val="90000"/>
+              </a:lnSpc>
+              <a:spcBef>
+                <a:spcPts val="500"/>
+              </a:spcBef>
+              <a:buFont typeface="Arial" panose="020B0604020202020204" pitchFamily="34" charset="0"/>
+              <a:buChar char="•"/>
+              <a:defRPr sz="2000" kern="1200">
+                <a:solidFill>
+                  <a:schemeClr val="tx1"/>
+                </a:solidFill>
+                <a:latin typeface="Arial" panose="020B0604020202020204" pitchFamily="34" charset="0"/>
+                <a:ea typeface="+mn-ea"/>
+                <a:cs typeface="Arial" panose="020B0604020202020204" pitchFamily="34" charset="0"/>
+              </a:defRPr>
+            </a:lvl3pPr>
+            <a:lvl4pPr marL="1600200" indent="-228600" algn="l" defTabSz="914400" rtl="0" eaLnBrk="1" latinLnBrk="0" hangingPunct="1">
+              <a:lnSpc>
+                <a:spcPct val="90000"/>
+              </a:lnSpc>
+              <a:spcBef>
+                <a:spcPts val="500"/>
+              </a:spcBef>
+              <a:buFont typeface="Arial" panose="020B0604020202020204" pitchFamily="34" charset="0"/>
+              <a:buChar char="•"/>
+              <a:defRPr sz="1800" kern="1200">
+                <a:solidFill>
+                  <a:schemeClr val="tx1"/>
+                </a:solidFill>
+                <a:latin typeface="Arial" panose="020B0604020202020204" pitchFamily="34" charset="0"/>
+                <a:ea typeface="+mn-ea"/>
+                <a:cs typeface="Arial" panose="020B0604020202020204" pitchFamily="34" charset="0"/>
+              </a:defRPr>
+            </a:lvl4pPr>
+            <a:lvl5pPr marL="2057400" indent="-228600" algn="l" defTabSz="914400" rtl="0" eaLnBrk="1" latinLnBrk="0" hangingPunct="1">
+              <a:lnSpc>
+                <a:spcPct val="90000"/>
+              </a:lnSpc>
+              <a:spcBef>
+                <a:spcPts val="500"/>
+              </a:spcBef>
+              <a:buFont typeface="Arial" panose="020B0604020202020204" pitchFamily="34" charset="0"/>
+              <a:buChar char="•"/>
+              <a:defRPr sz="1800" kern="1200">
+                <a:solidFill>
+                  <a:schemeClr val="tx1"/>
+                </a:solidFill>
+                <a:latin typeface="Arial" panose="020B0604020202020204" pitchFamily="34" charset="0"/>
+                <a:ea typeface="+mn-ea"/>
+                <a:cs typeface="Arial" panose="020B0604020202020204" pitchFamily="34" charset="0"/>
+              </a:defRPr>
+            </a:lvl5pPr>
+            <a:lvl6pPr marL="2514600" indent="-228600" algn="l" defTabSz="914400" rtl="0" eaLnBrk="1" latinLnBrk="0" hangingPunct="1">
+              <a:lnSpc>
+                <a:spcPct val="90000"/>
+              </a:lnSpc>
+              <a:spcBef>
+                <a:spcPts val="500"/>
+              </a:spcBef>
+              <a:buFont typeface="Arial" panose="020B0604020202020204" pitchFamily="34" charset="0"/>
+              <a:buChar char="•"/>
+              <a:defRPr sz="1800" kern="1200">
+                <a:solidFill>
+                  <a:schemeClr val="tx1"/>
+                </a:solidFill>
+                <a:latin typeface="+mn-lt"/>
+                <a:ea typeface="+mn-ea"/>
+                <a:cs typeface="+mn-cs"/>
+              </a:defRPr>
+            </a:lvl6pPr>
+            <a:lvl7pPr marL="2971800" indent="-228600" algn="l" defTabSz="914400" rtl="0" eaLnBrk="1" latinLnBrk="0" hangingPunct="1">
+              <a:lnSpc>
+                <a:spcPct val="90000"/>
+              </a:lnSpc>
+              <a:spcBef>
+                <a:spcPts val="500"/>
+              </a:spcBef>
+              <a:buFont typeface="Arial" panose="020B0604020202020204" pitchFamily="34" charset="0"/>
+              <a:buChar char="•"/>
+              <a:defRPr sz="1800" kern="1200">
+                <a:solidFill>
+                  <a:schemeClr val="tx1"/>
+                </a:solidFill>
+                <a:latin typeface="+mn-lt"/>
+                <a:ea typeface="+mn-ea"/>
+                <a:cs typeface="+mn-cs"/>
+              </a:defRPr>
+            </a:lvl7pPr>
+            <a:lvl8pPr marL="3429000" indent="-228600" algn="l" defTabSz="914400" rtl="0" eaLnBrk="1" latinLnBrk="0" hangingPunct="1">
+              <a:lnSpc>
+                <a:spcPct val="90000"/>
+              </a:lnSpc>
+              <a:spcBef>
+                <a:spcPts val="500"/>
+              </a:spcBef>
+              <a:buFont typeface="Arial" panose="020B0604020202020204" pitchFamily="34" charset="0"/>
+              <a:buChar char="•"/>
+              <a:defRPr sz="1800" kern="1200">
+                <a:solidFill>
+                  <a:schemeClr val="tx1"/>
+                </a:solidFill>
+                <a:latin typeface="+mn-lt"/>
+                <a:ea typeface="+mn-ea"/>
+                <a:cs typeface="+mn-cs"/>
+              </a:defRPr>
+            </a:lvl8pPr>
+            <a:lvl9pPr marL="3886200" indent="-228600" algn="l" defTabSz="914400" rtl="0" eaLnBrk="1" latinLnBrk="0" hangingPunct="1">
+              <a:lnSpc>
+                <a:spcPct val="90000"/>
+              </a:lnSpc>
+              <a:spcBef>
+                <a:spcPts val="500"/>
+              </a:spcBef>
+              <a:buFont typeface="Arial" panose="020B0604020202020204" pitchFamily="34" charset="0"/>
+              <a:buChar char="•"/>
+              <a:defRPr sz="1800" kern="1200">
+                <a:solidFill>
+                  <a:schemeClr val="tx1"/>
+                </a:solidFill>
+                <a:latin typeface="+mn-lt"/>
+                <a:ea typeface="+mn-ea"/>
+                <a:cs typeface="+mn-cs"/>
+              </a:defRPr>
+            </a:lvl9pPr>
+          </a:lstStyle>
+          <a:p>
+            <a:pPr marL="0" indent="0">
+              <a:buNone/>
+            </a:pPr>
+            <a:r>
+              <a:rPr lang="en-GB" sz="1800" b="0" i="1" dirty="0">
+                <a:solidFill>
+                  <a:srgbClr val="586E75"/>
+                </a:solidFill>
+                <a:effectLst/>
+                <a:latin typeface="Consolas" panose="020B0609020204030204" pitchFamily="49" charset="0"/>
+              </a:rPr>
+              <a:t># Handle class imbalance using oversampling with SMOTE</a:t>
+            </a:r>
+            <a:endParaRPr lang="en-GB" sz="1800" b="0" dirty="0">
+              <a:solidFill>
+                <a:srgbClr val="839496"/>
+              </a:solidFill>
+              <a:effectLst/>
+              <a:latin typeface="Consolas" panose="020B0609020204030204" pitchFamily="49" charset="0"/>
+            </a:endParaRPr>
+          </a:p>
+          <a:p>
+            <a:pPr marL="0" indent="0">
+              <a:buNone/>
+            </a:pPr>
+            <a:r>
+              <a:rPr lang="en-GB" sz="1800" b="0" dirty="0" err="1">
+                <a:solidFill>
+                  <a:srgbClr val="268BD2"/>
+                </a:solidFill>
+                <a:effectLst/>
+                <a:latin typeface="Consolas" panose="020B0609020204030204" pitchFamily="49" charset="0"/>
+              </a:rPr>
+              <a:t>smote_nc</a:t>
+            </a:r>
+            <a:r>
+              <a:rPr lang="en-GB" sz="1800" b="0" dirty="0">
+                <a:solidFill>
+                  <a:srgbClr val="839496"/>
+                </a:solidFill>
+                <a:effectLst/>
+                <a:latin typeface="Consolas" panose="020B0609020204030204" pitchFamily="49" charset="0"/>
+              </a:rPr>
+              <a:t> </a:t>
+            </a:r>
+            <a:r>
+              <a:rPr lang="en-GB" sz="1800" b="0" dirty="0">
+                <a:solidFill>
+                  <a:srgbClr val="859900"/>
+                </a:solidFill>
+                <a:effectLst/>
+                <a:latin typeface="Consolas" panose="020B0609020204030204" pitchFamily="49" charset="0"/>
+              </a:rPr>
+              <a:t>=</a:t>
+            </a:r>
+            <a:r>
+              <a:rPr lang="en-GB" sz="1800" b="0" dirty="0">
+                <a:solidFill>
+                  <a:srgbClr val="839496"/>
+                </a:solidFill>
+                <a:effectLst/>
+                <a:latin typeface="Consolas" panose="020B0609020204030204" pitchFamily="49" charset="0"/>
+              </a:rPr>
+              <a:t> </a:t>
+            </a:r>
+            <a:r>
+              <a:rPr lang="en-GB" sz="1800" b="0" dirty="0">
+                <a:solidFill>
+                  <a:srgbClr val="CB4B16"/>
+                </a:solidFill>
+                <a:effectLst/>
+                <a:latin typeface="Consolas" panose="020B0609020204030204" pitchFamily="49" charset="0"/>
+              </a:rPr>
+              <a:t>SMOTE</a:t>
+            </a:r>
+            <a:r>
+              <a:rPr lang="en-GB" sz="1800" b="0" dirty="0">
+                <a:solidFill>
+                  <a:srgbClr val="839496"/>
+                </a:solidFill>
+                <a:effectLst/>
+                <a:latin typeface="Consolas" panose="020B0609020204030204" pitchFamily="49" charset="0"/>
+              </a:rPr>
+              <a:t>(</a:t>
+            </a:r>
+            <a:r>
+              <a:rPr lang="en-GB" sz="1800" b="0" dirty="0" err="1">
+                <a:solidFill>
+                  <a:srgbClr val="839496"/>
+                </a:solidFill>
+                <a:effectLst/>
+                <a:latin typeface="Consolas" panose="020B0609020204030204" pitchFamily="49" charset="0"/>
+              </a:rPr>
+              <a:t>random_state</a:t>
+            </a:r>
+            <a:r>
+              <a:rPr lang="en-GB" sz="1800" b="0" dirty="0">
+                <a:solidFill>
+                  <a:srgbClr val="859900"/>
+                </a:solidFill>
+                <a:effectLst/>
+                <a:latin typeface="Consolas" panose="020B0609020204030204" pitchFamily="49" charset="0"/>
+              </a:rPr>
+              <a:t>=</a:t>
+            </a:r>
+            <a:r>
+              <a:rPr lang="en-GB" sz="1800" b="0" dirty="0">
+                <a:solidFill>
+                  <a:srgbClr val="D33682"/>
+                </a:solidFill>
+                <a:effectLst/>
+                <a:latin typeface="Consolas" panose="020B0609020204030204" pitchFamily="49" charset="0"/>
+              </a:rPr>
+              <a:t>42</a:t>
+            </a:r>
+            <a:r>
+              <a:rPr lang="en-GB" sz="1800" b="0" dirty="0">
+                <a:solidFill>
+                  <a:srgbClr val="839496"/>
+                </a:solidFill>
+                <a:effectLst/>
+                <a:latin typeface="Consolas" panose="020B0609020204030204" pitchFamily="49" charset="0"/>
+              </a:rPr>
+              <a:t>)</a:t>
+            </a:r>
+          </a:p>
+          <a:p>
+            <a:pPr marL="0" indent="0">
+              <a:buNone/>
+            </a:pPr>
+            <a:r>
+              <a:rPr lang="en-GB" sz="1800" b="0" dirty="0" err="1">
+                <a:solidFill>
+                  <a:srgbClr val="268BD2"/>
+                </a:solidFill>
+                <a:effectLst/>
+                <a:latin typeface="Consolas" panose="020B0609020204030204" pitchFamily="49" charset="0"/>
+              </a:rPr>
+              <a:t>X_resampled</a:t>
+            </a:r>
+            <a:r>
+              <a:rPr lang="en-GB" sz="1800" b="0" dirty="0">
+                <a:solidFill>
+                  <a:srgbClr val="839496"/>
+                </a:solidFill>
+                <a:effectLst/>
+                <a:latin typeface="Consolas" panose="020B0609020204030204" pitchFamily="49" charset="0"/>
+              </a:rPr>
+              <a:t>, </a:t>
+            </a:r>
+            <a:r>
+              <a:rPr lang="en-GB" sz="1800" b="0" dirty="0" err="1">
+                <a:solidFill>
+                  <a:srgbClr val="268BD2"/>
+                </a:solidFill>
+                <a:effectLst/>
+                <a:latin typeface="Consolas" panose="020B0609020204030204" pitchFamily="49" charset="0"/>
+              </a:rPr>
+              <a:t>y_resampled</a:t>
+            </a:r>
+            <a:r>
+              <a:rPr lang="en-GB" sz="1800" b="0" dirty="0">
+                <a:solidFill>
+                  <a:srgbClr val="839496"/>
+                </a:solidFill>
+                <a:effectLst/>
+                <a:latin typeface="Consolas" panose="020B0609020204030204" pitchFamily="49" charset="0"/>
+              </a:rPr>
+              <a:t> </a:t>
+            </a:r>
+            <a:r>
+              <a:rPr lang="en-GB" sz="1800" b="0" dirty="0">
+                <a:solidFill>
+                  <a:srgbClr val="859900"/>
+                </a:solidFill>
+                <a:effectLst/>
+                <a:latin typeface="Consolas" panose="020B0609020204030204" pitchFamily="49" charset="0"/>
+              </a:rPr>
+              <a:t>=</a:t>
+            </a:r>
+            <a:r>
+              <a:rPr lang="en-GB" sz="1800" b="0" dirty="0">
+                <a:solidFill>
+                  <a:srgbClr val="839496"/>
+                </a:solidFill>
+                <a:effectLst/>
+                <a:latin typeface="Consolas" panose="020B0609020204030204" pitchFamily="49" charset="0"/>
+              </a:rPr>
+              <a:t> </a:t>
+            </a:r>
+            <a:r>
+              <a:rPr lang="en-GB" sz="1800" b="0" dirty="0" err="1">
+                <a:solidFill>
+                  <a:srgbClr val="268BD2"/>
+                </a:solidFill>
+                <a:effectLst/>
+                <a:latin typeface="Consolas" panose="020B0609020204030204" pitchFamily="49" charset="0"/>
+              </a:rPr>
+              <a:t>smote_nc</a:t>
+            </a:r>
+            <a:r>
+              <a:rPr lang="en-GB" sz="1800" b="0" dirty="0" err="1">
+                <a:solidFill>
+                  <a:srgbClr val="839496"/>
+                </a:solidFill>
+                <a:effectLst/>
+                <a:latin typeface="Consolas" panose="020B0609020204030204" pitchFamily="49" charset="0"/>
+              </a:rPr>
+              <a:t>.</a:t>
+            </a:r>
+            <a:r>
+              <a:rPr lang="en-GB" sz="1800" b="0" dirty="0" err="1">
+                <a:solidFill>
+                  <a:srgbClr val="268BD2"/>
+                </a:solidFill>
+                <a:effectLst/>
+                <a:latin typeface="Consolas" panose="020B0609020204030204" pitchFamily="49" charset="0"/>
+              </a:rPr>
+              <a:t>fit_resample</a:t>
+            </a:r>
+            <a:r>
+              <a:rPr lang="en-GB" sz="1800" b="0" dirty="0">
+                <a:solidFill>
+                  <a:srgbClr val="839496"/>
+                </a:solidFill>
+                <a:effectLst/>
+                <a:latin typeface="Consolas" panose="020B0609020204030204" pitchFamily="49" charset="0"/>
+              </a:rPr>
+              <a:t>(</a:t>
+            </a:r>
+            <a:r>
+              <a:rPr lang="en-GB" sz="1800" b="0" dirty="0" err="1">
+                <a:solidFill>
+                  <a:srgbClr val="268BD2"/>
+                </a:solidFill>
+                <a:effectLst/>
+                <a:latin typeface="Consolas" panose="020B0609020204030204" pitchFamily="49" charset="0"/>
+              </a:rPr>
+              <a:t>X_train</a:t>
+            </a:r>
+            <a:r>
+              <a:rPr lang="en-GB" sz="1800" b="0" dirty="0">
+                <a:solidFill>
+                  <a:srgbClr val="839496"/>
+                </a:solidFill>
+                <a:effectLst/>
+                <a:latin typeface="Consolas" panose="020B0609020204030204" pitchFamily="49" charset="0"/>
+              </a:rPr>
+              <a:t>, 	</a:t>
+            </a:r>
+            <a:r>
+              <a:rPr lang="en-GB" sz="1800" b="0" dirty="0" err="1">
+                <a:solidFill>
+                  <a:srgbClr val="268BD2"/>
+                </a:solidFill>
+                <a:effectLst/>
+                <a:latin typeface="Consolas" panose="020B0609020204030204" pitchFamily="49" charset="0"/>
+              </a:rPr>
+              <a:t>y_train</a:t>
+            </a:r>
+            <a:r>
+              <a:rPr lang="en-GB" sz="1800" b="0" dirty="0">
+                <a:solidFill>
+                  <a:srgbClr val="839496"/>
+                </a:solidFill>
+                <a:effectLst/>
+                <a:latin typeface="Consolas" panose="020B0609020204030204" pitchFamily="49" charset="0"/>
+              </a:rPr>
+              <a:t>)</a:t>
+            </a:r>
+          </a:p>
+        </p:txBody>
+      </p:sp>
+      <p:grpSp>
+        <p:nvGrpSpPr>
+          <p:cNvPr id="15" name="Group 14">
+            <a:extLst>
+              <a:ext uri="{FF2B5EF4-FFF2-40B4-BE49-F238E27FC236}">
+                <a16:creationId xmlns:a16="http://schemas.microsoft.com/office/drawing/2014/main" id="{70CD164A-6C2C-7E37-41A5-AE9B0040DF1D}"/>
+              </a:ext>
+            </a:extLst>
+          </p:cNvPr>
+          <p:cNvGrpSpPr/>
+          <p:nvPr/>
+        </p:nvGrpSpPr>
+        <p:grpSpPr>
+          <a:xfrm>
+            <a:off x="1981277" y="4033868"/>
+            <a:ext cx="8229446" cy="2777017"/>
+            <a:chOff x="2007442" y="3996548"/>
+            <a:chExt cx="8229446" cy="2777017"/>
+          </a:xfrm>
+        </p:grpSpPr>
+        <p:grpSp>
+          <p:nvGrpSpPr>
+            <p:cNvPr id="13" name="Group 12">
+              <a:extLst>
+                <a:ext uri="{FF2B5EF4-FFF2-40B4-BE49-F238E27FC236}">
+                  <a16:creationId xmlns:a16="http://schemas.microsoft.com/office/drawing/2014/main" id="{82CCFA42-9079-D97F-98DE-3680657CA02E}"/>
+                </a:ext>
+              </a:extLst>
+            </p:cNvPr>
+            <p:cNvGrpSpPr/>
+            <p:nvPr/>
+          </p:nvGrpSpPr>
+          <p:grpSpPr>
+            <a:xfrm>
+              <a:off x="2007442" y="3996549"/>
+              <a:ext cx="3641132" cy="2777016"/>
+              <a:chOff x="2007442" y="3996549"/>
+              <a:chExt cx="3641132" cy="2777016"/>
+            </a:xfrm>
+          </p:grpSpPr>
+          <p:pic>
+            <p:nvPicPr>
+              <p:cNvPr id="5" name="Picture 4">
+                <a:extLst>
+                  <a:ext uri="{FF2B5EF4-FFF2-40B4-BE49-F238E27FC236}">
+                    <a16:creationId xmlns:a16="http://schemas.microsoft.com/office/drawing/2014/main" id="{D601E142-0857-47DD-0D80-A2EA6B6BED34}"/>
+                  </a:ext>
+                </a:extLst>
+              </p:cNvPr>
+              <p:cNvPicPr>
+                <a:picLocks noChangeAspect="1"/>
+              </p:cNvPicPr>
+              <p:nvPr/>
+            </p:nvPicPr>
+            <p:blipFill>
+              <a:blip r:embed="rId2"/>
+              <a:stretch>
+                <a:fillRect/>
+              </a:stretch>
+            </p:blipFill>
+            <p:spPr>
+              <a:xfrm>
+                <a:off x="2007442" y="3996549"/>
+                <a:ext cx="3641132" cy="2407686"/>
+              </a:xfrm>
+              <a:prstGeom prst="rect">
+                <a:avLst/>
+              </a:prstGeom>
+            </p:spPr>
+          </p:pic>
+          <p:sp>
+            <p:nvSpPr>
+              <p:cNvPr id="11" name="TextBox 10">
+                <a:extLst>
+                  <a:ext uri="{FF2B5EF4-FFF2-40B4-BE49-F238E27FC236}">
+                    <a16:creationId xmlns:a16="http://schemas.microsoft.com/office/drawing/2014/main" id="{B852D148-45CB-91A3-1757-B0FF3E8E9E30}"/>
+                  </a:ext>
+                </a:extLst>
+              </p:cNvPr>
+              <p:cNvSpPr txBox="1"/>
+              <p:nvPr/>
+            </p:nvSpPr>
+            <p:spPr>
+              <a:xfrm>
+                <a:off x="2007442" y="6404233"/>
+                <a:ext cx="3641130" cy="369332"/>
+              </a:xfrm>
+              <a:prstGeom prst="rect">
+                <a:avLst/>
+              </a:prstGeom>
+              <a:noFill/>
+            </p:spPr>
+            <p:txBody>
+              <a:bodyPr wrap="square" rtlCol="0">
+                <a:spAutoFit/>
+              </a:bodyPr>
+              <a:lstStyle/>
+              <a:p>
+                <a:pPr algn="ctr"/>
+                <a:r>
+                  <a:rPr lang="de-CH" dirty="0" err="1">
+                    <a:solidFill>
+                      <a:schemeClr val="bg1"/>
+                    </a:solidFill>
+                  </a:rPr>
+                  <a:t>Before</a:t>
+                </a:r>
+                <a:r>
+                  <a:rPr lang="de-CH" dirty="0">
+                    <a:solidFill>
+                      <a:schemeClr val="bg1"/>
+                    </a:solidFill>
+                  </a:rPr>
+                  <a:t> </a:t>
+                </a:r>
+                <a:r>
+                  <a:rPr lang="de-CH" dirty="0" err="1">
+                    <a:solidFill>
+                      <a:schemeClr val="bg1"/>
+                    </a:solidFill>
+                  </a:rPr>
+                  <a:t>upsampling</a:t>
+                </a:r>
+                <a:endParaRPr lang="en-GB" dirty="0">
+                  <a:solidFill>
+                    <a:schemeClr val="bg1"/>
+                  </a:solidFill>
+                </a:endParaRPr>
+              </a:p>
+            </p:txBody>
+          </p:sp>
+        </p:grpSp>
+        <p:grpSp>
+          <p:nvGrpSpPr>
+            <p:cNvPr id="14" name="Group 13">
+              <a:extLst>
+                <a:ext uri="{FF2B5EF4-FFF2-40B4-BE49-F238E27FC236}">
+                  <a16:creationId xmlns:a16="http://schemas.microsoft.com/office/drawing/2014/main" id="{B7BC3E55-CE5E-42BA-A53E-BECD9B204DDC}"/>
+                </a:ext>
+              </a:extLst>
+            </p:cNvPr>
+            <p:cNvGrpSpPr/>
+            <p:nvPr/>
+          </p:nvGrpSpPr>
+          <p:grpSpPr>
+            <a:xfrm>
+              <a:off x="6595756" y="3996548"/>
+              <a:ext cx="3641132" cy="2772812"/>
+              <a:chOff x="6595756" y="3996548"/>
+              <a:chExt cx="3641132" cy="2772812"/>
+            </a:xfrm>
+          </p:grpSpPr>
+          <p:pic>
+            <p:nvPicPr>
+              <p:cNvPr id="7" name="Picture 6">
+                <a:extLst>
+                  <a:ext uri="{FF2B5EF4-FFF2-40B4-BE49-F238E27FC236}">
+                    <a16:creationId xmlns:a16="http://schemas.microsoft.com/office/drawing/2014/main" id="{7BF24E5D-A9D8-8468-52F8-B6D9CF64E654}"/>
+                  </a:ext>
+                </a:extLst>
+              </p:cNvPr>
+              <p:cNvPicPr>
+                <a:picLocks noChangeAspect="1"/>
+              </p:cNvPicPr>
+              <p:nvPr/>
+            </p:nvPicPr>
+            <p:blipFill>
+              <a:blip r:embed="rId3"/>
+              <a:stretch>
+                <a:fillRect/>
+              </a:stretch>
+            </p:blipFill>
+            <p:spPr>
+              <a:xfrm>
+                <a:off x="6595758" y="3996548"/>
+                <a:ext cx="3641130" cy="2407685"/>
+              </a:xfrm>
+              <a:prstGeom prst="rect">
+                <a:avLst/>
+              </a:prstGeom>
+            </p:spPr>
+          </p:pic>
+          <p:sp>
+            <p:nvSpPr>
+              <p:cNvPr id="12" name="TextBox 11">
+                <a:extLst>
+                  <a:ext uri="{FF2B5EF4-FFF2-40B4-BE49-F238E27FC236}">
+                    <a16:creationId xmlns:a16="http://schemas.microsoft.com/office/drawing/2014/main" id="{40F0A3AF-6763-3041-AA90-A6DCE3B1F3F1}"/>
+                  </a:ext>
+                </a:extLst>
+              </p:cNvPr>
+              <p:cNvSpPr txBox="1"/>
+              <p:nvPr/>
+            </p:nvSpPr>
+            <p:spPr>
+              <a:xfrm>
+                <a:off x="6595756" y="6400028"/>
+                <a:ext cx="3641130" cy="369332"/>
+              </a:xfrm>
+              <a:prstGeom prst="rect">
+                <a:avLst/>
+              </a:prstGeom>
+              <a:noFill/>
+            </p:spPr>
+            <p:txBody>
+              <a:bodyPr wrap="square" rtlCol="0">
+                <a:spAutoFit/>
+              </a:bodyPr>
+              <a:lstStyle/>
+              <a:p>
+                <a:pPr algn="ctr"/>
+                <a:r>
+                  <a:rPr lang="de-CH" dirty="0">
+                    <a:solidFill>
+                      <a:schemeClr val="bg1"/>
+                    </a:solidFill>
+                  </a:rPr>
+                  <a:t>After </a:t>
+                </a:r>
+                <a:r>
+                  <a:rPr lang="de-CH" dirty="0" err="1">
+                    <a:solidFill>
+                      <a:schemeClr val="bg1"/>
+                    </a:solidFill>
+                  </a:rPr>
+                  <a:t>upsampling</a:t>
+                </a:r>
+                <a:endParaRPr lang="en-GB" dirty="0">
+                  <a:solidFill>
+                    <a:schemeClr val="bg1"/>
+                  </a:solidFill>
+                </a:endParaRPr>
+              </a:p>
+            </p:txBody>
+          </p:sp>
+        </p:grpSp>
+      </p:grpSp>
     </p:spTree>
     <p:extLst>
       <p:ext uri="{BB962C8B-B14F-4D97-AF65-F5344CB8AC3E}">
@@ -11149,12 +12244,12 @@
         </p:spPr>
         <p:txBody>
           <a:bodyPr vert="horz" lIns="91440" tIns="45720" rIns="91440" bIns="45720" rtlCol="0" anchor="t">
-            <a:normAutofit/>
+            <a:normAutofit lnSpcReduction="10000"/>
           </a:bodyPr>
           <a:lstStyle/>
           <a:p>
             <a:r>
-              <a:rPr lang="en-GB" sz="2000" dirty="0">
+              <a:rPr lang="en-GB" sz="2400" dirty="0">
                 <a:latin typeface="+mn-lt"/>
                 <a:cs typeface="+mn-cs"/>
               </a:rPr>
@@ -11164,7 +12259,7 @@
           <a:p>
             <a:pPr lvl="1"/>
             <a:r>
-              <a:rPr lang="en-GB" sz="2000" dirty="0">
+              <a:rPr lang="en-GB" dirty="0">
                 <a:latin typeface="+mn-lt"/>
                 <a:cs typeface="+mn-cs"/>
               </a:rPr>
@@ -11174,7 +12269,7 @@
           <a:p>
             <a:pPr lvl="1"/>
             <a:r>
-              <a:rPr lang="en-GB" sz="2000" dirty="0">
+              <a:rPr lang="en-GB" dirty="0">
                 <a:latin typeface="+mn-lt"/>
                 <a:cs typeface="+mn-cs"/>
               </a:rPr>
@@ -11183,15 +12278,13 @@
           </a:p>
           <a:p>
             <a:r>
-              <a:rPr lang="en-GB" sz="2000" dirty="0">
+              <a:rPr lang="en-GB" sz="2400" dirty="0">
                 <a:latin typeface="+mn-lt"/>
                 <a:cs typeface="+mn-cs"/>
               </a:rPr>
               <a:t>Focus on high-quality, relevant inputs for optimal results</a:t>
             </a:r>
-          </a:p>
-          <a:p>
-            <a:endParaRPr lang="en-GB" dirty="0"/>
+            <a:endParaRPr lang="en-GB" sz="3200" dirty="0"/>
           </a:p>
         </p:txBody>
       </p:sp>
@@ -11396,21 +12489,19 @@
               <a:buNone/>
             </a:pPr>
             <a:r>
-              <a:rPr lang="en-GB" sz="1800" b="0" i="1">
+              <a:rPr lang="en-GB" sz="1800" i="1" dirty="0">
                 <a:solidFill>
                   <a:srgbClr val="586E75"/>
                 </a:solidFill>
-                <a:effectLst/>
                 <a:latin typeface="Consolas"/>
                 <a:cs typeface="Arial"/>
               </a:rPr>
               <a:t># Feature selection using Extra Trees Classifier on the resampled training data</a:t>
             </a:r>
-            <a:endParaRPr lang="en-GB" sz="1800" b="0">
+            <a:endParaRPr lang="en-GB" sz="1800" dirty="0">
               <a:solidFill>
                 <a:srgbClr val="839496"/>
               </a:solidFill>
-              <a:effectLst/>
               <a:latin typeface="Consolas"/>
               <a:cs typeface="Arial"/>
             </a:endParaRPr>
@@ -11420,306 +12511,281 @@
               <a:buNone/>
             </a:pPr>
             <a:r>
-              <a:rPr lang="en-GB" sz="1800" b="0">
+              <a:rPr lang="en-GB" sz="1800" dirty="0">
                 <a:solidFill>
                   <a:srgbClr val="268BD2"/>
                 </a:solidFill>
-                <a:effectLst/>
                 <a:latin typeface="Consolas"/>
                 <a:cs typeface="Arial"/>
               </a:rPr>
               <a:t>model</a:t>
             </a:r>
             <a:r>
-              <a:rPr lang="en-GB" sz="1800" b="0">
-                <a:solidFill>
-                  <a:srgbClr val="839496"/>
-                </a:solidFill>
-                <a:effectLst/>
+              <a:rPr lang="en-GB" sz="1800" dirty="0">
+                <a:solidFill>
+                  <a:srgbClr val="839496"/>
+                </a:solidFill>
                 <a:latin typeface="Consolas"/>
                 <a:cs typeface="Arial"/>
               </a:rPr>
               <a:t> </a:t>
             </a:r>
             <a:r>
-              <a:rPr lang="en-GB" sz="1800" b="0">
+              <a:rPr lang="en-GB" sz="1800" dirty="0">
                 <a:solidFill>
                   <a:srgbClr val="859900"/>
                 </a:solidFill>
-                <a:effectLst/>
                 <a:latin typeface="Consolas"/>
                 <a:cs typeface="Arial"/>
               </a:rPr>
               <a:t>=</a:t>
             </a:r>
             <a:r>
-              <a:rPr lang="en-GB" sz="1800" b="0">
-                <a:solidFill>
-                  <a:srgbClr val="839496"/>
-                </a:solidFill>
-                <a:effectLst/>
+              <a:rPr lang="en-GB" sz="1800" dirty="0">
+                <a:solidFill>
+                  <a:srgbClr val="839496"/>
+                </a:solidFill>
                 <a:latin typeface="Consolas"/>
                 <a:cs typeface="Arial"/>
               </a:rPr>
               <a:t> </a:t>
             </a:r>
             <a:r>
-              <a:rPr lang="en-GB" sz="1800" b="0" err="1">
+              <a:rPr lang="en-GB" sz="1800" dirty="0" err="1">
                 <a:solidFill>
                   <a:srgbClr val="CB4B16"/>
                 </a:solidFill>
-                <a:effectLst/>
                 <a:latin typeface="Consolas"/>
                 <a:cs typeface="Arial"/>
               </a:rPr>
               <a:t>ExtraTreesClassifier</a:t>
             </a:r>
             <a:r>
-              <a:rPr lang="en-GB" sz="1800" b="0">
-                <a:solidFill>
-                  <a:srgbClr val="839496"/>
-                </a:solidFill>
-                <a:effectLst/>
+              <a:rPr lang="en-GB" sz="1800" dirty="0">
+                <a:solidFill>
+                  <a:srgbClr val="839496"/>
+                </a:solidFill>
                 <a:latin typeface="Consolas"/>
                 <a:cs typeface="Arial"/>
               </a:rPr>
               <a:t>(</a:t>
             </a:r>
             <a:r>
-              <a:rPr lang="en-GB" sz="1800" b="0" err="1">
-                <a:solidFill>
-                  <a:srgbClr val="839496"/>
-                </a:solidFill>
-                <a:effectLst/>
+              <a:rPr lang="en-GB" sz="1800" dirty="0" err="1">
+                <a:solidFill>
+                  <a:srgbClr val="839496"/>
+                </a:solidFill>
                 <a:latin typeface="Consolas"/>
                 <a:cs typeface="Arial"/>
               </a:rPr>
               <a:t>random_state</a:t>
             </a:r>
             <a:r>
-              <a:rPr lang="en-GB" sz="1800" b="0">
+              <a:rPr lang="en-GB" sz="1800" dirty="0">
                 <a:solidFill>
                   <a:srgbClr val="859900"/>
                 </a:solidFill>
-                <a:effectLst/>
                 <a:latin typeface="Consolas"/>
                 <a:cs typeface="Arial"/>
               </a:rPr>
               <a:t>=</a:t>
             </a:r>
             <a:r>
-              <a:rPr lang="en-GB" sz="1800" b="0">
+              <a:rPr lang="en-GB" sz="1800" dirty="0">
                 <a:solidFill>
                   <a:srgbClr val="D33682"/>
                 </a:solidFill>
-                <a:effectLst/>
                 <a:latin typeface="Consolas"/>
                 <a:cs typeface="Arial"/>
               </a:rPr>
               <a:t>42</a:t>
             </a:r>
             <a:r>
-              <a:rPr lang="en-GB" sz="1800" b="0">
-                <a:solidFill>
-                  <a:srgbClr val="839496"/>
-                </a:solidFill>
-                <a:effectLst/>
+              <a:rPr lang="en-GB" sz="1800" dirty="0">
+                <a:solidFill>
+                  <a:srgbClr val="839496"/>
+                </a:solidFill>
                 <a:latin typeface="Consolas"/>
                 <a:cs typeface="Arial"/>
               </a:rPr>
               <a:t>)</a:t>
             </a:r>
+            <a:endParaRPr lang="en-GB" dirty="0"/>
           </a:p>
           <a:p>
             <a:pPr marL="0" indent="0">
               <a:buNone/>
             </a:pPr>
             <a:r>
-              <a:rPr lang="en-GB" sz="1800" b="0" err="1">
+              <a:rPr lang="en-GB" sz="1800" dirty="0" err="1">
                 <a:solidFill>
                   <a:srgbClr val="268BD2"/>
                 </a:solidFill>
-                <a:effectLst/>
                 <a:latin typeface="Consolas"/>
                 <a:cs typeface="Arial"/>
               </a:rPr>
               <a:t>model</a:t>
             </a:r>
             <a:r>
-              <a:rPr lang="en-GB" sz="1800" b="0" err="1">
-                <a:solidFill>
-                  <a:srgbClr val="839496"/>
-                </a:solidFill>
-                <a:effectLst/>
+              <a:rPr lang="en-GB" sz="1800" dirty="0" err="1">
+                <a:solidFill>
+                  <a:srgbClr val="839496"/>
+                </a:solidFill>
                 <a:latin typeface="Consolas"/>
                 <a:cs typeface="Arial"/>
               </a:rPr>
               <a:t>.</a:t>
             </a:r>
             <a:r>
-              <a:rPr lang="en-GB" sz="1800" b="0" err="1">
+              <a:rPr lang="en-GB" sz="1800" dirty="0" err="1">
                 <a:solidFill>
                   <a:srgbClr val="268BD2"/>
                 </a:solidFill>
-                <a:effectLst/>
                 <a:latin typeface="Consolas"/>
                 <a:cs typeface="Arial"/>
               </a:rPr>
               <a:t>fit</a:t>
             </a:r>
             <a:r>
-              <a:rPr lang="en-GB" sz="1800" b="0">
-                <a:solidFill>
-                  <a:srgbClr val="839496"/>
-                </a:solidFill>
-                <a:effectLst/>
+              <a:rPr lang="en-GB" sz="1800" dirty="0">
+                <a:solidFill>
+                  <a:srgbClr val="839496"/>
+                </a:solidFill>
                 <a:latin typeface="Consolas"/>
                 <a:cs typeface="Arial"/>
               </a:rPr>
               <a:t>(</a:t>
             </a:r>
             <a:r>
-              <a:rPr lang="en-GB" sz="1800" b="0" err="1">
+              <a:rPr lang="en-GB" sz="1800" dirty="0" err="1">
                 <a:solidFill>
                   <a:srgbClr val="268BD2"/>
                 </a:solidFill>
-                <a:effectLst/>
                 <a:latin typeface="Consolas"/>
                 <a:cs typeface="Arial"/>
               </a:rPr>
               <a:t>X_resampled</a:t>
             </a:r>
             <a:r>
-              <a:rPr lang="en-GB" sz="1800" b="0">
-                <a:solidFill>
-                  <a:srgbClr val="839496"/>
-                </a:solidFill>
-                <a:effectLst/>
+              <a:rPr lang="en-GB" sz="1800" dirty="0">
+                <a:solidFill>
+                  <a:srgbClr val="839496"/>
+                </a:solidFill>
                 <a:latin typeface="Consolas"/>
                 <a:cs typeface="Arial"/>
               </a:rPr>
               <a:t>, </a:t>
             </a:r>
             <a:r>
-              <a:rPr lang="en-GB" sz="1800" b="0" err="1">
+              <a:rPr lang="en-GB" sz="1800" dirty="0" err="1">
                 <a:solidFill>
                   <a:srgbClr val="268BD2"/>
                 </a:solidFill>
-                <a:effectLst/>
                 <a:latin typeface="Consolas"/>
                 <a:cs typeface="Arial"/>
               </a:rPr>
               <a:t>y_resampled</a:t>
             </a:r>
             <a:r>
-              <a:rPr lang="en-GB" sz="1800" b="0">
-                <a:solidFill>
-                  <a:srgbClr val="839496"/>
-                </a:solidFill>
-                <a:effectLst/>
+              <a:rPr lang="en-GB" sz="1800" dirty="0">
+                <a:solidFill>
+                  <a:srgbClr val="839496"/>
+                </a:solidFill>
                 <a:latin typeface="Consolas"/>
                 <a:cs typeface="Arial"/>
               </a:rPr>
               <a:t>)</a:t>
             </a:r>
+            <a:endParaRPr lang="en-GB" dirty="0"/>
           </a:p>
           <a:p>
             <a:pPr marL="0" indent="0">
               <a:buNone/>
             </a:pPr>
             <a:r>
-              <a:rPr lang="en-GB" sz="1800" b="0" err="1">
+              <a:rPr lang="en-GB" sz="1800" dirty="0" err="1">
                 <a:solidFill>
                   <a:srgbClr val="268BD2"/>
                 </a:solidFill>
-                <a:effectLst/>
                 <a:latin typeface="Consolas"/>
                 <a:cs typeface="Arial"/>
               </a:rPr>
               <a:t>importances</a:t>
             </a:r>
             <a:r>
-              <a:rPr lang="en-GB" sz="1800" b="0">
-                <a:solidFill>
-                  <a:srgbClr val="839496"/>
-                </a:solidFill>
-                <a:effectLst/>
+              <a:rPr lang="en-GB" sz="1800" dirty="0">
+                <a:solidFill>
+                  <a:srgbClr val="839496"/>
+                </a:solidFill>
                 <a:latin typeface="Consolas"/>
                 <a:cs typeface="Arial"/>
               </a:rPr>
               <a:t> </a:t>
             </a:r>
             <a:r>
-              <a:rPr lang="en-GB" sz="1800" b="0">
+              <a:rPr lang="en-GB" sz="1800" dirty="0">
                 <a:solidFill>
                   <a:srgbClr val="859900"/>
                 </a:solidFill>
-                <a:effectLst/>
                 <a:latin typeface="Consolas"/>
                 <a:cs typeface="Arial"/>
               </a:rPr>
               <a:t>=</a:t>
             </a:r>
             <a:r>
-              <a:rPr lang="en-GB" sz="1800" b="0">
-                <a:solidFill>
-                  <a:srgbClr val="839496"/>
-                </a:solidFill>
-                <a:effectLst/>
+              <a:rPr lang="en-GB" sz="1800" dirty="0">
+                <a:solidFill>
+                  <a:srgbClr val="839496"/>
+                </a:solidFill>
                 <a:latin typeface="Consolas"/>
                 <a:cs typeface="Arial"/>
               </a:rPr>
               <a:t> </a:t>
             </a:r>
             <a:r>
-              <a:rPr lang="en-GB" sz="1800" b="0" err="1">
+              <a:rPr lang="en-GB" sz="1800" dirty="0" err="1">
                 <a:solidFill>
                   <a:srgbClr val="268BD2"/>
                 </a:solidFill>
-                <a:effectLst/>
                 <a:latin typeface="Consolas"/>
                 <a:cs typeface="Arial"/>
               </a:rPr>
               <a:t>model</a:t>
             </a:r>
             <a:r>
-              <a:rPr lang="en-GB" sz="1800" b="0" err="1">
-                <a:solidFill>
-                  <a:srgbClr val="839496"/>
-                </a:solidFill>
-                <a:effectLst/>
+              <a:rPr lang="en-GB" sz="1800" dirty="0" err="1">
+                <a:solidFill>
+                  <a:srgbClr val="839496"/>
+                </a:solidFill>
                 <a:latin typeface="Consolas"/>
                 <a:cs typeface="Arial"/>
               </a:rPr>
               <a:t>.</a:t>
             </a:r>
             <a:r>
-              <a:rPr lang="en-GB" sz="1800" b="0" err="1">
+              <a:rPr lang="en-GB" sz="1800" dirty="0" err="1">
                 <a:solidFill>
                   <a:srgbClr val="268BD2"/>
                 </a:solidFill>
-                <a:effectLst/>
                 <a:latin typeface="Consolas"/>
                 <a:cs typeface="Arial"/>
               </a:rPr>
               <a:t>feature_importances</a:t>
             </a:r>
             <a:r>
-              <a:rPr lang="en-GB" sz="1800" b="0">
+              <a:rPr lang="en-GB" sz="1800" dirty="0">
                 <a:solidFill>
                   <a:srgbClr val="268BD2"/>
                 </a:solidFill>
-                <a:effectLst/>
                 <a:latin typeface="Consolas"/>
                 <a:cs typeface="Arial"/>
               </a:rPr>
               <a:t>_</a:t>
             </a:r>
-            <a:endParaRPr lang="en-GB" sz="1800" b="0">
+            <a:endParaRPr lang="en-GB" sz="1800" dirty="0">
               <a:solidFill>
                 <a:srgbClr val="839496"/>
               </a:solidFill>
-              <a:effectLst/>
               <a:latin typeface="Consolas"/>
               <a:cs typeface="Arial"/>
             </a:endParaRPr>
@@ -11729,27 +12795,25 @@
               <a:buNone/>
             </a:pPr>
             <a:br>
-              <a:rPr lang="en-GB" sz="1800" b="0">
-                <a:effectLst/>
-                <a:latin typeface="Consolas" panose="020B0609020204030204" pitchFamily="49" charset="0"/>
+              <a:rPr lang="en-GB" sz="1800" dirty="0">
+                <a:latin typeface="Consolas"/>
+                <a:cs typeface="Arial"/>
               </a:rPr>
             </a:br>
             <a:r>
-              <a:rPr lang="en-GB" sz="1800" b="0" i="1">
+              <a:rPr lang="en-GB" sz="1800" i="1" dirty="0">
                 <a:solidFill>
                   <a:srgbClr val="586E75"/>
                 </a:solidFill>
-                <a:effectLst/>
                 <a:latin typeface="Consolas"/>
                 <a:cs typeface="Arial"/>
               </a:rPr>
               <a:t># Select top 300 features with highest importance scores</a:t>
             </a:r>
-            <a:endParaRPr lang="en-GB" sz="1800" b="0">
+            <a:endParaRPr lang="en-GB" sz="1800" dirty="0">
               <a:solidFill>
                 <a:srgbClr val="839496"/>
               </a:solidFill>
-              <a:effectLst/>
               <a:latin typeface="Consolas"/>
               <a:cs typeface="Arial"/>
             </a:endParaRPr>
@@ -11759,214 +12823,196 @@
               <a:buNone/>
             </a:pPr>
             <a:r>
-              <a:rPr lang="en-GB" sz="1800" b="0" err="1">
+              <a:rPr lang="en-GB" sz="1800" dirty="0" err="1">
                 <a:solidFill>
                   <a:srgbClr val="268BD2"/>
                 </a:solidFill>
-                <a:effectLst/>
                 <a:latin typeface="Consolas"/>
                 <a:cs typeface="Arial"/>
               </a:rPr>
               <a:t>top_features</a:t>
             </a:r>
             <a:r>
-              <a:rPr lang="en-GB" sz="1800" b="0">
-                <a:solidFill>
-                  <a:srgbClr val="839496"/>
-                </a:solidFill>
-                <a:effectLst/>
+              <a:rPr lang="en-GB" sz="1800" dirty="0">
+                <a:solidFill>
+                  <a:srgbClr val="839496"/>
+                </a:solidFill>
                 <a:latin typeface="Consolas"/>
                 <a:cs typeface="Arial"/>
               </a:rPr>
               <a:t> </a:t>
             </a:r>
             <a:r>
-              <a:rPr lang="en-GB" sz="1800" b="0">
+              <a:rPr lang="en-GB" sz="1800" dirty="0">
                 <a:solidFill>
                   <a:srgbClr val="859900"/>
                 </a:solidFill>
-                <a:effectLst/>
                 <a:latin typeface="Consolas"/>
                 <a:cs typeface="Arial"/>
               </a:rPr>
               <a:t>=</a:t>
             </a:r>
             <a:r>
-              <a:rPr lang="en-GB" sz="1800" b="0">
-                <a:solidFill>
-                  <a:srgbClr val="839496"/>
-                </a:solidFill>
-                <a:effectLst/>
+              <a:rPr lang="en-GB" sz="1800" dirty="0">
+                <a:solidFill>
+                  <a:srgbClr val="839496"/>
+                </a:solidFill>
                 <a:latin typeface="Consolas"/>
                 <a:cs typeface="Arial"/>
               </a:rPr>
               <a:t> </a:t>
             </a:r>
             <a:r>
-              <a:rPr lang="en-GB" sz="1800" b="0" err="1">
+              <a:rPr lang="en-GB" sz="1800" dirty="0" err="1">
                 <a:solidFill>
                   <a:srgbClr val="CB4B16"/>
                 </a:solidFill>
-                <a:effectLst/>
                 <a:latin typeface="Consolas"/>
                 <a:cs typeface="Arial"/>
               </a:rPr>
               <a:t>pd</a:t>
             </a:r>
             <a:r>
-              <a:rPr lang="en-GB" sz="1800" b="0" err="1">
-                <a:solidFill>
-                  <a:srgbClr val="839496"/>
-                </a:solidFill>
-                <a:effectLst/>
+              <a:rPr lang="en-GB" sz="1800" dirty="0" err="1">
+                <a:solidFill>
+                  <a:srgbClr val="839496"/>
+                </a:solidFill>
                 <a:latin typeface="Consolas"/>
                 <a:cs typeface="Arial"/>
               </a:rPr>
               <a:t>.</a:t>
             </a:r>
             <a:r>
-              <a:rPr lang="en-GB" sz="1800" b="0" err="1">
+              <a:rPr lang="en-GB" sz="1800" dirty="0" err="1">
                 <a:solidFill>
                   <a:srgbClr val="CB4B16"/>
                 </a:solidFill>
-                <a:effectLst/>
                 <a:latin typeface="Consolas"/>
                 <a:cs typeface="Arial"/>
               </a:rPr>
               <a:t>Series</a:t>
             </a:r>
             <a:r>
-              <a:rPr lang="en-GB" sz="1800" b="0">
-                <a:solidFill>
-                  <a:srgbClr val="839496"/>
-                </a:solidFill>
-                <a:effectLst/>
+              <a:rPr lang="en-GB" sz="1800" dirty="0">
+                <a:solidFill>
+                  <a:srgbClr val="839496"/>
+                </a:solidFill>
                 <a:latin typeface="Consolas"/>
                 <a:cs typeface="Arial"/>
               </a:rPr>
               <a:t>(</a:t>
             </a:r>
             <a:r>
-              <a:rPr lang="en-GB" sz="1800" b="0" err="1">
+              <a:rPr lang="en-GB" sz="1800" dirty="0" err="1">
                 <a:solidFill>
                   <a:srgbClr val="268BD2"/>
                 </a:solidFill>
-                <a:effectLst/>
                 <a:latin typeface="Consolas"/>
                 <a:cs typeface="Arial"/>
               </a:rPr>
               <a:t>importances</a:t>
             </a:r>
             <a:r>
-              <a:rPr lang="en-GB" sz="1800" b="0">
-                <a:solidFill>
-                  <a:srgbClr val="839496"/>
-                </a:solidFill>
-                <a:effectLst/>
+              <a:rPr lang="en-GB" sz="1800" dirty="0">
+                <a:solidFill>
+                  <a:srgbClr val="839496"/>
+                </a:solidFill>
                 <a:latin typeface="Consolas"/>
                 <a:cs typeface="Arial"/>
               </a:rPr>
               <a:t>, index</a:t>
             </a:r>
             <a:r>
-              <a:rPr lang="en-GB" sz="1800" b="0">
+              <a:rPr lang="en-GB" sz="1800" dirty="0">
                 <a:solidFill>
                   <a:srgbClr val="859900"/>
                 </a:solidFill>
-                <a:effectLst/>
                 <a:latin typeface="Consolas"/>
                 <a:cs typeface="Arial"/>
               </a:rPr>
               <a:t>=</a:t>
             </a:r>
             <a:r>
-              <a:rPr lang="en-GB" sz="1800" b="0" err="1">
+              <a:rPr lang="en-GB" sz="1800" dirty="0" err="1">
                 <a:solidFill>
                   <a:srgbClr val="268BD2"/>
                 </a:solidFill>
-                <a:effectLst/>
                 <a:latin typeface="Consolas"/>
                 <a:cs typeface="Arial"/>
               </a:rPr>
               <a:t>X_resampled</a:t>
             </a:r>
             <a:r>
-              <a:rPr lang="en-GB" sz="1800" b="0" err="1">
-                <a:solidFill>
-                  <a:srgbClr val="839496"/>
-                </a:solidFill>
-                <a:effectLst/>
+              <a:rPr lang="en-GB" sz="1800" dirty="0" err="1">
+                <a:solidFill>
+                  <a:srgbClr val="839496"/>
+                </a:solidFill>
                 <a:latin typeface="Consolas"/>
                 <a:cs typeface="Arial"/>
               </a:rPr>
               <a:t>.</a:t>
             </a:r>
             <a:r>
-              <a:rPr lang="en-GB" sz="1800" b="0" err="1">
+              <a:rPr lang="en-GB" sz="1800" dirty="0" err="1">
                 <a:solidFill>
                   <a:srgbClr val="268BD2"/>
                 </a:solidFill>
-                <a:effectLst/>
                 <a:latin typeface="Consolas"/>
                 <a:cs typeface="Arial"/>
               </a:rPr>
               <a:t>columns</a:t>
             </a:r>
             <a:r>
-              <a:rPr lang="en-GB" sz="1800" b="0">
-                <a:solidFill>
-                  <a:srgbClr val="839496"/>
-                </a:solidFill>
-                <a:effectLst/>
+              <a:rPr lang="en-GB" sz="1800" dirty="0">
+                <a:solidFill>
+                  <a:srgbClr val="839496"/>
+                </a:solidFill>
                 <a:latin typeface="Consolas"/>
                 <a:cs typeface="Arial"/>
               </a:rPr>
               <a:t>).</a:t>
             </a:r>
             <a:r>
-              <a:rPr lang="en-GB" sz="1800" b="0" err="1">
+              <a:rPr lang="en-GB" sz="1800" dirty="0" err="1">
                 <a:solidFill>
                   <a:srgbClr val="268BD2"/>
                 </a:solidFill>
-                <a:effectLst/>
                 <a:latin typeface="Consolas"/>
                 <a:cs typeface="Arial"/>
               </a:rPr>
               <a:t>nlargest</a:t>
             </a:r>
             <a:r>
-              <a:rPr lang="en-GB" sz="1800" b="0">
-                <a:solidFill>
-                  <a:srgbClr val="839496"/>
-                </a:solidFill>
-                <a:effectLst/>
+              <a:rPr lang="en-GB" sz="1800" dirty="0">
+                <a:solidFill>
+                  <a:srgbClr val="839496"/>
+                </a:solidFill>
                 <a:latin typeface="Consolas"/>
                 <a:cs typeface="Arial"/>
               </a:rPr>
               <a:t>(</a:t>
             </a:r>
             <a:r>
-              <a:rPr lang="en-GB" sz="1800" b="0">
+              <a:rPr lang="en-GB" sz="1800" dirty="0">
                 <a:solidFill>
                   <a:srgbClr val="D33682"/>
                 </a:solidFill>
-                <a:effectLst/>
                 <a:latin typeface="Consolas"/>
                 <a:cs typeface="Arial"/>
               </a:rPr>
               <a:t>300</a:t>
             </a:r>
             <a:r>
-              <a:rPr lang="en-GB" sz="1800" b="0">
-                <a:solidFill>
-                  <a:srgbClr val="839496"/>
-                </a:solidFill>
-                <a:effectLst/>
+              <a:rPr lang="en-GB" sz="1800" dirty="0">
+                <a:solidFill>
+                  <a:srgbClr val="839496"/>
+                </a:solidFill>
                 <a:latin typeface="Consolas"/>
                 <a:cs typeface="Arial"/>
               </a:rPr>
               <a:t>)</a:t>
             </a:r>
+            <a:endParaRPr lang="en-US" dirty="0"/>
           </a:p>
         </p:txBody>
       </p:sp>
@@ -12047,14 +13093,16 @@
         </p:nvSpPr>
         <p:spPr/>
         <p:txBody>
-          <a:bodyPr/>
+          <a:bodyPr>
+            <a:normAutofit/>
+          </a:bodyPr>
           <a:lstStyle/>
           <a:p>
             <a:r>
-              <a:rPr lang="de-CH" dirty="0"/>
+              <a:rPr lang="de-CH" sz="4000" dirty="0"/>
               <a:t>Random Forest: Parameter Finetuning</a:t>
             </a:r>
-            <a:endParaRPr lang="en-GB" dirty="0"/>
+            <a:endParaRPr lang="en-GB" sz="4000" dirty="0"/>
           </a:p>
         </p:txBody>
       </p:sp>
@@ -14099,6 +15147,112 @@
               <a:t>9</a:t>
             </a:fld>
             <a:endParaRPr lang="en-GB"/>
+          </a:p>
+        </p:txBody>
+      </p:sp>
+      <p:sp>
+        <p:nvSpPr>
+          <p:cNvPr id="18" name="TextBox 17">
+            <a:extLst>
+              <a:ext uri="{FF2B5EF4-FFF2-40B4-BE49-F238E27FC236}">
+                <a16:creationId xmlns:a16="http://schemas.microsoft.com/office/drawing/2014/main" id="{725EAF47-32EF-DD2B-AD9C-80CA59D9582D}"/>
+              </a:ext>
+            </a:extLst>
+          </p:cNvPr>
+          <p:cNvSpPr txBox="1"/>
+          <p:nvPr/>
+        </p:nvSpPr>
+        <p:spPr>
+          <a:xfrm>
+            <a:off x="324405" y="5255783"/>
+            <a:ext cx="4090115" cy="461665"/>
+          </a:xfrm>
+          <a:prstGeom prst="rect">
+            <a:avLst/>
+          </a:prstGeom>
+          <a:noFill/>
+        </p:spPr>
+        <p:txBody>
+          <a:bodyPr wrap="square" rtlCol="0">
+            <a:spAutoFit/>
+          </a:bodyPr>
+          <a:lstStyle/>
+          <a:p>
+            <a:pPr algn="ctr"/>
+            <a:r>
+              <a:rPr lang="de-CH" sz="2400" dirty="0" err="1">
+                <a:solidFill>
+                  <a:schemeClr val="bg1"/>
+                </a:solidFill>
+              </a:rPr>
+              <a:t>Confusion</a:t>
+            </a:r>
+            <a:r>
+              <a:rPr lang="de-CH" sz="2400" dirty="0">
+                <a:solidFill>
+                  <a:schemeClr val="bg1"/>
+                </a:solidFill>
+              </a:rPr>
+              <a:t> Matrix</a:t>
+            </a:r>
+            <a:endParaRPr lang="en-GB" sz="2400" dirty="0">
+              <a:solidFill>
+                <a:schemeClr val="bg1"/>
+              </a:solidFill>
+            </a:endParaRPr>
+          </a:p>
+        </p:txBody>
+      </p:sp>
+      <p:sp>
+        <p:nvSpPr>
+          <p:cNvPr id="19" name="TextBox 18">
+            <a:extLst>
+              <a:ext uri="{FF2B5EF4-FFF2-40B4-BE49-F238E27FC236}">
+                <a16:creationId xmlns:a16="http://schemas.microsoft.com/office/drawing/2014/main" id="{EC3A58E7-44D8-DFCF-1259-F592405C317B}"/>
+              </a:ext>
+            </a:extLst>
+          </p:cNvPr>
+          <p:cNvSpPr txBox="1"/>
+          <p:nvPr/>
+        </p:nvSpPr>
+        <p:spPr>
+          <a:xfrm>
+            <a:off x="5033325" y="5269250"/>
+            <a:ext cx="6970715" cy="461665"/>
+          </a:xfrm>
+          <a:prstGeom prst="rect">
+            <a:avLst/>
+          </a:prstGeom>
+          <a:noFill/>
+        </p:spPr>
+        <p:txBody>
+          <a:bodyPr wrap="square" rtlCol="0">
+            <a:spAutoFit/>
+          </a:bodyPr>
+          <a:lstStyle/>
+          <a:p>
+            <a:pPr algn="ctr"/>
+            <a:r>
+              <a:rPr lang="de-CH" sz="2400" dirty="0">
+                <a:solidFill>
+                  <a:schemeClr val="bg1"/>
+                </a:solidFill>
+              </a:rPr>
+              <a:t>Classification </a:t>
+            </a:r>
+            <a:r>
+              <a:rPr lang="de-CH" sz="2400" dirty="0" err="1">
+                <a:solidFill>
+                  <a:schemeClr val="bg1"/>
+                </a:solidFill>
+              </a:rPr>
+              <a:t>report</a:t>
+            </a:r>
+            <a:endParaRPr lang="en-GB" sz="2400" dirty="0">
+              <a:solidFill>
+                <a:schemeClr val="bg1"/>
+              </a:solidFill>
+            </a:endParaRPr>
           </a:p>
         </p:txBody>
       </p:sp>
